--- a/Unity全新Prefab预制体系统.pptx
+++ b/Unity全新Prefab预制体系统.pptx
@@ -3552,90 +3552,6 @@
           <a:bodyPr/>
           <a:lstStyle/>
           <a:p>
-            <a:r>
-              <a:rPr lang="zh-CN" altLang="en-US" sz="1200" dirty="0" smtClean="0">
-                <a:solidFill>
-                  <a:srgbClr val="000000">
-                    <a:lumMod val="50000"/>
-                    <a:lumOff val="50000"/>
-                  </a:srgbClr>
-                </a:solidFill>
-                <a:latin typeface="微软雅黑" charset="0"/>
-                <a:ea typeface="微软雅黑" charset="0"/>
-                <a:sym typeface="Helvetica"/>
-              </a:rPr>
-              <a:t>拖入场景</a:t>
-            </a:r>
-            <a:r>
-              <a:rPr lang="en-US" altLang="zh-CN" sz="1200" dirty="0" smtClean="0">
-                <a:solidFill>
-                  <a:srgbClr val="000000">
-                    <a:lumMod val="50000"/>
-                    <a:lumOff val="50000"/>
-                  </a:srgbClr>
-                </a:solidFill>
-                <a:latin typeface="微软雅黑" charset="0"/>
-                <a:ea typeface="微软雅黑" charset="0"/>
-                <a:sym typeface="Helvetica"/>
-              </a:rPr>
-              <a:t>/Hierarchy</a:t>
-            </a:r>
-            <a:r>
-              <a:rPr lang="zh-CN" altLang="en-US" sz="1200" dirty="0" smtClean="0">
-                <a:solidFill>
-                  <a:srgbClr val="000000">
-                    <a:lumMod val="50000"/>
-                    <a:lumOff val="50000"/>
-                  </a:srgbClr>
-                </a:solidFill>
-                <a:latin typeface="微软雅黑" charset="0"/>
-                <a:ea typeface="微软雅黑" charset="0"/>
-                <a:sym typeface="Helvetica"/>
-              </a:rPr>
-              <a:t>面板 </a:t>
-            </a:r>
-            <a:r>
-              <a:rPr lang="en-US" altLang="zh-CN" sz="1200" dirty="0" smtClean="0">
-                <a:solidFill>
-                  <a:srgbClr val="000000">
-                    <a:lumMod val="50000"/>
-                    <a:lumOff val="50000"/>
-                  </a:srgbClr>
-                </a:solidFill>
-                <a:latin typeface="微软雅黑" charset="0"/>
-                <a:ea typeface="微软雅黑" charset="0"/>
-                <a:sym typeface="Helvetica"/>
-              </a:rPr>
-              <a:t>-&gt; </a:t>
-            </a:r>
-            <a:r>
-              <a:rPr lang="zh-CN" altLang="en-US" sz="1200" dirty="0" smtClean="0">
-                <a:solidFill>
-                  <a:srgbClr val="000000">
-                    <a:lumMod val="50000"/>
-                    <a:lumOff val="50000"/>
-                  </a:srgbClr>
-                </a:solidFill>
-                <a:latin typeface="微软雅黑" charset="0"/>
-                <a:ea typeface="微软雅黑" charset="0"/>
-                <a:sym typeface="Helvetica"/>
-              </a:rPr>
-              <a:t>拖回</a:t>
-            </a:r>
-            <a:r>
-              <a:rPr lang="en-US" altLang="zh-CN" sz="1200" dirty="0" smtClean="0">
-                <a:solidFill>
-                  <a:srgbClr val="000000">
-                    <a:lumMod val="50000"/>
-                    <a:lumOff val="50000"/>
-                  </a:srgbClr>
-                </a:solidFill>
-                <a:latin typeface="微软雅黑" charset="0"/>
-                <a:ea typeface="微软雅黑" charset="0"/>
-                <a:sym typeface="Helvetica"/>
-              </a:rPr>
-              <a:t>Project</a:t>
-            </a:r>
             <a:endParaRPr lang="zh-CN" altLang="en-US" dirty="0"/>
           </a:p>
         </p:txBody>
@@ -22269,7 +22185,7 @@
               <a:t> </a:t>
             </a:r>
             <a:r>
-              <a:rPr lang="en-US" altLang="zh-CN" sz="1600" dirty="0">
+              <a:rPr lang="en-US" altLang="zh-CN" sz="1600" dirty="0" smtClean="0">
                 <a:solidFill>
                   <a:schemeClr val="bg1">
                     <a:lumMod val="50000"/>
@@ -22282,6 +22198,17 @@
               </a:rPr>
               <a:t>Object</a:t>
             </a:r>
+            <a:endParaRPr lang="en-US" altLang="zh-CN" sz="1600" dirty="0">
+              <a:solidFill>
+                <a:schemeClr val="bg1">
+                  <a:lumMod val="50000"/>
+                </a:schemeClr>
+              </a:solidFill>
+              <a:latin typeface="Microsoft YaHei" panose="020B0503020204020204" pitchFamily="34" charset="-122"/>
+              <a:ea typeface="Microsoft YaHei" panose="020B0503020204020204" pitchFamily="34" charset="-122"/>
+              <a:cs typeface="Roboto"/>
+              <a:sym typeface="Roboto"/>
+            </a:endParaRPr>
           </a:p>
         </p:txBody>
       </p:sp>
@@ -22973,7 +22900,33 @@
                 <a:latin typeface="微软雅黑" charset="0"/>
                 <a:ea typeface="微软雅黑" charset="0"/>
               </a:rPr>
-              <a:t>Prefab Variant</a:t>
+              <a:t>Prefab </a:t>
+            </a:r>
+            <a:r>
+              <a:rPr lang="en-US" altLang="zh-CN" sz="1600" dirty="0" smtClean="0">
+                <a:solidFill>
+                  <a:srgbClr val="000000">
+                    <a:lumMod val="50000"/>
+                    <a:lumOff val="50000"/>
+                  </a:srgbClr>
+                </a:solidFill>
+                <a:latin typeface="微软雅黑" charset="0"/>
+                <a:ea typeface="微软雅黑" charset="0"/>
+              </a:rPr>
+              <a:t>Variant</a:t>
+            </a:r>
+            <a:r>
+              <a:rPr lang="zh-CN" altLang="en-US" sz="1600" dirty="0" smtClean="0">
+                <a:solidFill>
+                  <a:srgbClr val="000000">
+                    <a:lumMod val="50000"/>
+                    <a:lumOff val="50000"/>
+                  </a:srgbClr>
+                </a:solidFill>
+                <a:latin typeface="微软雅黑" charset="0"/>
+                <a:ea typeface="微软雅黑" charset="0"/>
+              </a:rPr>
+              <a:t>。</a:t>
             </a:r>
             <a:endParaRPr lang="zh-CN" altLang="en-US" sz="1600" dirty="0">
               <a:solidFill>
@@ -25623,32 +25576,6 @@
                 <a:ea typeface="微软雅黑" charset="0"/>
               </a:rPr>
               <a:t>Prefab</a:t>
-            </a:r>
-            <a:r>
-              <a:rPr lang="zh-CN" altLang="en-US" dirty="0" smtClean="0">
-                <a:solidFill>
-                  <a:srgbClr val="000000">
-                    <a:lumMod val="50000"/>
-                    <a:lumOff val="50000"/>
-                  </a:srgbClr>
-                </a:solidFill>
-                <a:latin typeface="微软雅黑" charset="0"/>
-                <a:ea typeface="微软雅黑" charset="0"/>
-              </a:rPr>
-              <a:t> </a:t>
-            </a:r>
-            <a:r>
-              <a:rPr lang="en-US" altLang="zh-CN" dirty="0" smtClean="0">
-                <a:solidFill>
-                  <a:srgbClr val="000000">
-                    <a:lumMod val="50000"/>
-                    <a:lumOff val="50000"/>
-                  </a:srgbClr>
-                </a:solidFill>
-                <a:latin typeface="微软雅黑" charset="0"/>
-                <a:ea typeface="微软雅黑" charset="0"/>
-              </a:rPr>
-              <a:t>Instance</a:t>
             </a:r>
             <a:r>
               <a:rPr lang="zh-CN" altLang="en-US" dirty="0" smtClean="0">

--- a/Unity全新Prefab预制体系统.pptx
+++ b/Unity全新Prefab预制体系统.pptx
@@ -16,8 +16,8 @@
     <p:sldId id="266" r:id="rId7"/>
     <p:sldId id="320" r:id="rId8"/>
     <p:sldId id="325" r:id="rId9"/>
-    <p:sldId id="296" r:id="rId10"/>
-    <p:sldId id="339" r:id="rId11"/>
+    <p:sldId id="339" r:id="rId10"/>
+    <p:sldId id="296" r:id="rId11"/>
     <p:sldId id="324" r:id="rId12"/>
     <p:sldId id="300" r:id="rId13"/>
     <p:sldId id="329" r:id="rId14"/>
@@ -1135,16 +1135,16 @@
               <a:t>中又可有自己的子</a:t>
             </a:r>
             <a:r>
-              <a:rPr lang="en-US" altLang="zh-CN" dirty="0" smtClean="0">
+              <a:rPr lang="en-US" altLang="zh-CN" smtClean="0">
                 <a:effectLst/>
               </a:rPr>
               <a:t>Prefab</a:t>
             </a:r>
             <a:r>
-              <a:rPr lang="zh-CN" altLang="en-US" dirty="0" smtClean="0">
+              <a:rPr lang="zh-CN" altLang="en-US" smtClean="0">
                 <a:effectLst/>
               </a:rPr>
-              <a:t>。很像剑三编辑器里打组的功能。</a:t>
+              <a:t>。剑三编辑器里打组的功能。</a:t>
             </a:r>
             <a:endParaRPr lang="zh-CN" altLang="en-US" dirty="0">
               <a:effectLst/>
@@ -4416,6 +4416,137 @@
           <a:bodyPr/>
           <a:lstStyle/>
           <a:p>
+            <a:r>
+              <a:rPr lang="en-US" altLang="zh-CN" sz="1200" b="0" i="0" u="none" strike="noStrike" kern="1200" dirty="0" smtClean="0">
+                <a:solidFill>
+                  <a:schemeClr val="tx1"/>
+                </a:solidFill>
+                <a:effectLst/>
+                <a:latin typeface="+mn-lt"/>
+                <a:ea typeface="+mn-ea"/>
+                <a:cs typeface="+mn-cs"/>
+              </a:rPr>
+              <a:t>Regular Environment</a:t>
+            </a:r>
+            <a:r>
+              <a:rPr lang="zh-CN" altLang="en-US" sz="1200" b="0" i="0" u="none" strike="noStrike" kern="1200" dirty="0" smtClean="0">
+                <a:solidFill>
+                  <a:schemeClr val="tx1"/>
+                </a:solidFill>
+                <a:effectLst/>
+                <a:latin typeface="+mn-lt"/>
+                <a:ea typeface="+mn-ea"/>
+                <a:cs typeface="+mn-cs"/>
+              </a:rPr>
+              <a:t>：常规</a:t>
+            </a:r>
+            <a:r>
+              <a:rPr lang="en-US" altLang="zh-CN" sz="1200" b="0" i="0" u="none" strike="noStrike" kern="1200" dirty="0" smtClean="0">
+                <a:solidFill>
+                  <a:schemeClr val="tx1"/>
+                </a:solidFill>
+                <a:effectLst/>
+                <a:latin typeface="+mn-lt"/>
+                <a:ea typeface="+mn-ea"/>
+                <a:cs typeface="+mn-cs"/>
+              </a:rPr>
+              <a:t>Prefab</a:t>
+            </a:r>
+            <a:r>
+              <a:rPr lang="zh-CN" altLang="en-US" sz="1200" b="0" i="0" u="none" strike="noStrike" kern="1200" dirty="0" smtClean="0">
+                <a:solidFill>
+                  <a:schemeClr val="tx1"/>
+                </a:solidFill>
+                <a:effectLst/>
+                <a:latin typeface="+mn-lt"/>
+                <a:ea typeface="+mn-ea"/>
+                <a:cs typeface="+mn-cs"/>
+              </a:rPr>
+              <a:t>的编缉环境，常规是什么意思呢，其实就是非</a:t>
+            </a:r>
+            <a:r>
+              <a:rPr lang="en-US" altLang="zh-CN" sz="1200" b="0" i="0" u="none" strike="noStrike" kern="1200" dirty="0" smtClean="0">
+                <a:solidFill>
+                  <a:schemeClr val="tx1"/>
+                </a:solidFill>
+                <a:effectLst/>
+                <a:latin typeface="+mn-lt"/>
+                <a:ea typeface="+mn-ea"/>
+                <a:cs typeface="+mn-cs"/>
+              </a:rPr>
+              <a:t>UI</a:t>
+            </a:r>
+            <a:r>
+              <a:rPr lang="zh-CN" altLang="en-US" sz="1200" b="0" i="0" u="none" strike="noStrike" kern="1200" dirty="0" smtClean="0">
+                <a:solidFill>
+                  <a:schemeClr val="tx1"/>
+                </a:solidFill>
+                <a:effectLst/>
+                <a:latin typeface="+mn-lt"/>
+                <a:ea typeface="+mn-ea"/>
+                <a:cs typeface="+mn-cs"/>
+              </a:rPr>
+              <a:t>类的都属于常规类，也就是说凡是</a:t>
+            </a:r>
+            <a:r>
+              <a:rPr lang="en-US" altLang="zh-CN" sz="1200" b="0" i="0" u="none" strike="noStrike" kern="1200" dirty="0" smtClean="0">
+                <a:solidFill>
+                  <a:schemeClr val="tx1"/>
+                </a:solidFill>
+                <a:effectLst/>
+                <a:latin typeface="+mn-lt"/>
+                <a:ea typeface="+mn-ea"/>
+                <a:cs typeface="+mn-cs"/>
+              </a:rPr>
+              <a:t>Prefab</a:t>
+            </a:r>
+            <a:r>
+              <a:rPr lang="zh-CN" altLang="en-US" sz="1200" b="0" i="0" u="none" strike="noStrike" kern="1200" dirty="0" smtClean="0">
+                <a:solidFill>
+                  <a:schemeClr val="tx1"/>
+                </a:solidFill>
+                <a:effectLst/>
+                <a:latin typeface="+mn-lt"/>
+                <a:ea typeface="+mn-ea"/>
+                <a:cs typeface="+mn-cs"/>
+              </a:rPr>
+              <a:t>父级是</a:t>
+            </a:r>
+            <a:r>
+              <a:rPr lang="en-US" altLang="zh-CN" sz="1200" b="0" i="0" u="none" strike="noStrike" kern="1200" dirty="0" smtClean="0">
+                <a:solidFill>
+                  <a:schemeClr val="tx1"/>
+                </a:solidFill>
+                <a:effectLst/>
+                <a:latin typeface="+mn-lt"/>
+                <a:ea typeface="+mn-ea"/>
+                <a:cs typeface="+mn-cs"/>
+              </a:rPr>
+              <a:t>Transform</a:t>
+            </a:r>
+            <a:r>
+              <a:rPr lang="zh-CN" altLang="en-US" sz="1200" b="0" i="0" u="none" strike="noStrike" kern="1200" dirty="0" smtClean="0">
+                <a:solidFill>
+                  <a:schemeClr val="tx1"/>
+                </a:solidFill>
+                <a:effectLst/>
+                <a:latin typeface="+mn-lt"/>
+                <a:ea typeface="+mn-ea"/>
+                <a:cs typeface="+mn-cs"/>
+              </a:rPr>
+              <a:t>的都会用这个环境。</a:t>
+            </a:r>
+            <a:endParaRPr lang="en-US" altLang="zh-CN" sz="1200" b="0" i="0" u="none" strike="noStrike" kern="1200" dirty="0" smtClean="0">
+              <a:solidFill>
+                <a:schemeClr val="tx1"/>
+              </a:solidFill>
+              <a:effectLst/>
+              <a:latin typeface="+mn-lt"/>
+              <a:ea typeface="+mn-ea"/>
+              <a:cs typeface="+mn-cs"/>
+            </a:endParaRPr>
+          </a:p>
+          <a:p>
             <a:pPr marL="0" marR="0" lvl="0" indent="0" algn="l" defTabSz="914400" rtl="0" eaLnBrk="1" fontAlgn="auto" latinLnBrk="0" hangingPunct="1">
               <a:lnSpc>
                 <a:spcPct val="100000"/>
@@ -4433,16 +4564,138 @@
               <a:tabLst/>
               <a:defRPr/>
             </a:pPr>
-            <a:endParaRPr lang="zh-CN" altLang="en-US" sz="1200" dirty="0">
-              <a:solidFill>
-                <a:srgbClr val="000000">
-                  <a:lumMod val="50000"/>
-                  <a:lumOff val="50000"/>
-                </a:srgbClr>
-              </a:solidFill>
-              <a:latin typeface="微软雅黑" charset="0"/>
-              <a:ea typeface="微软雅黑" charset="0"/>
-            </a:endParaRPr>
+            <a:r>
+              <a:rPr lang="en-US" altLang="zh-CN" sz="1200" b="0" i="0" u="none" strike="noStrike" kern="1200" dirty="0" smtClean="0">
+                <a:solidFill>
+                  <a:schemeClr val="tx1"/>
+                </a:solidFill>
+                <a:effectLst/>
+                <a:latin typeface="+mn-lt"/>
+                <a:ea typeface="+mn-ea"/>
+                <a:cs typeface="+mn-cs"/>
+              </a:rPr>
+              <a:t>UI Environment</a:t>
+            </a:r>
+            <a:r>
+              <a:rPr lang="zh-CN" altLang="en-US" sz="1200" b="0" i="0" u="none" strike="noStrike" kern="1200" dirty="0" smtClean="0">
+                <a:solidFill>
+                  <a:schemeClr val="tx1"/>
+                </a:solidFill>
+                <a:effectLst/>
+                <a:latin typeface="+mn-lt"/>
+                <a:ea typeface="+mn-ea"/>
+                <a:cs typeface="+mn-cs"/>
+              </a:rPr>
+              <a:t>：</a:t>
+            </a:r>
+            <a:r>
+              <a:rPr lang="en-US" altLang="zh-CN" sz="1200" b="0" i="0" u="none" strike="noStrike" kern="1200" dirty="0" smtClean="0">
+                <a:solidFill>
+                  <a:schemeClr val="tx1"/>
+                </a:solidFill>
+                <a:effectLst/>
+                <a:latin typeface="+mn-lt"/>
+                <a:ea typeface="+mn-ea"/>
+                <a:cs typeface="+mn-cs"/>
+              </a:rPr>
+              <a:t>UI</a:t>
+            </a:r>
+            <a:r>
+              <a:rPr lang="zh-CN" altLang="en-US" sz="1200" b="0" i="0" u="none" strike="noStrike" kern="1200" dirty="0" smtClean="0">
+                <a:solidFill>
+                  <a:schemeClr val="tx1"/>
+                </a:solidFill>
+                <a:effectLst/>
+                <a:latin typeface="+mn-lt"/>
+                <a:ea typeface="+mn-ea"/>
+                <a:cs typeface="+mn-cs"/>
+              </a:rPr>
+              <a:t>类的</a:t>
+            </a:r>
+            <a:r>
+              <a:rPr lang="en-US" altLang="zh-CN" sz="1200" b="0" i="0" u="none" strike="noStrike" kern="1200" dirty="0" smtClean="0">
+                <a:solidFill>
+                  <a:schemeClr val="tx1"/>
+                </a:solidFill>
+                <a:effectLst/>
+                <a:latin typeface="+mn-lt"/>
+                <a:ea typeface="+mn-ea"/>
+                <a:cs typeface="+mn-cs"/>
+              </a:rPr>
+              <a:t>Prefab</a:t>
+            </a:r>
+            <a:r>
+              <a:rPr lang="zh-CN" altLang="en-US" sz="1200" b="0" i="0" u="none" strike="noStrike" kern="1200" dirty="0" smtClean="0">
+                <a:solidFill>
+                  <a:schemeClr val="tx1"/>
+                </a:solidFill>
+                <a:effectLst/>
+                <a:latin typeface="+mn-lt"/>
+                <a:ea typeface="+mn-ea"/>
+                <a:cs typeface="+mn-cs"/>
+              </a:rPr>
+              <a:t>编缉环境，凡是</a:t>
+            </a:r>
+            <a:r>
+              <a:rPr lang="en-US" altLang="zh-CN" sz="1200" b="0" i="0" u="none" strike="noStrike" kern="1200" dirty="0" smtClean="0">
+                <a:solidFill>
+                  <a:schemeClr val="tx1"/>
+                </a:solidFill>
+                <a:effectLst/>
+                <a:latin typeface="+mn-lt"/>
+                <a:ea typeface="+mn-ea"/>
+                <a:cs typeface="+mn-cs"/>
+              </a:rPr>
+              <a:t>Prefab</a:t>
+            </a:r>
+            <a:r>
+              <a:rPr lang="zh-CN" altLang="en-US" sz="1200" b="0" i="0" u="none" strike="noStrike" kern="1200" dirty="0" smtClean="0">
+                <a:solidFill>
+                  <a:schemeClr val="tx1"/>
+                </a:solidFill>
+                <a:effectLst/>
+                <a:latin typeface="+mn-lt"/>
+                <a:ea typeface="+mn-ea"/>
+                <a:cs typeface="+mn-cs"/>
+              </a:rPr>
+              <a:t>父级是</a:t>
+            </a:r>
+            <a:r>
+              <a:rPr lang="en-US" altLang="zh-CN" sz="1200" b="0" i="0" u="none" strike="noStrike" kern="1200" dirty="0" err="1" smtClean="0">
+                <a:solidFill>
+                  <a:schemeClr val="tx1"/>
+                </a:solidFill>
+                <a:effectLst/>
+                <a:latin typeface="+mn-lt"/>
+                <a:ea typeface="+mn-ea"/>
+                <a:cs typeface="+mn-cs"/>
+              </a:rPr>
+              <a:t>Rect</a:t>
+            </a:r>
+            <a:r>
+              <a:rPr lang="en-US" altLang="zh-CN" sz="1200" b="0" i="0" u="none" strike="noStrike" kern="1200" dirty="0" smtClean="0">
+                <a:solidFill>
+                  <a:schemeClr val="tx1"/>
+                </a:solidFill>
+                <a:effectLst/>
+                <a:latin typeface="+mn-lt"/>
+                <a:ea typeface="+mn-ea"/>
+                <a:cs typeface="+mn-cs"/>
+              </a:rPr>
+              <a:t> Transform</a:t>
+            </a:r>
+            <a:r>
+              <a:rPr lang="zh-CN" altLang="en-US" sz="1200" b="0" i="0" u="none" strike="noStrike" kern="1200" dirty="0" smtClean="0">
+                <a:solidFill>
+                  <a:schemeClr val="tx1"/>
+                </a:solidFill>
+                <a:effectLst/>
+                <a:latin typeface="+mn-lt"/>
+                <a:ea typeface="+mn-ea"/>
+                <a:cs typeface="+mn-cs"/>
+              </a:rPr>
+              <a:t>的都会用这个环境。</a:t>
+            </a:r>
           </a:p>
         </p:txBody>
       </p:sp>
@@ -4461,7 +4714,7 @@
           <a:bodyPr/>
           <a:lstStyle/>
           <a:p>
-            <a:fld id="{D1EF254E-326E-4685-B4A9-3564F691514B}" type="slidenum">
+            <a:fld id="{AFC19929-CB21-4C9A-B004-EF2C8D8333B9}" type="slidenum">
               <a:rPr lang="zh-CN" altLang="en-US" smtClean="0"/>
               <a:t>8</a:t>
             </a:fld>
@@ -4472,7 +4725,7 @@
     </p:spTree>
     <p:extLst>
       <p:ext uri="{BB962C8B-B14F-4D97-AF65-F5344CB8AC3E}">
-        <p14:creationId xmlns:p14="http://schemas.microsoft.com/office/powerpoint/2010/main" val="1678449295"/>
+        <p14:creationId xmlns:p14="http://schemas.microsoft.com/office/powerpoint/2010/main" val="323454529"/>
       </p:ext>
     </p:extLst>
   </p:cSld>
@@ -4526,137 +4779,6 @@
           <a:bodyPr/>
           <a:lstStyle/>
           <a:p>
-            <a:r>
-              <a:rPr lang="en-US" altLang="zh-CN" sz="1200" b="0" i="0" u="none" strike="noStrike" kern="1200" dirty="0" smtClean="0">
-                <a:solidFill>
-                  <a:schemeClr val="tx1"/>
-                </a:solidFill>
-                <a:effectLst/>
-                <a:latin typeface="+mn-lt"/>
-                <a:ea typeface="+mn-ea"/>
-                <a:cs typeface="+mn-cs"/>
-              </a:rPr>
-              <a:t>Regular Environment</a:t>
-            </a:r>
-            <a:r>
-              <a:rPr lang="zh-CN" altLang="en-US" sz="1200" b="0" i="0" u="none" strike="noStrike" kern="1200" dirty="0" smtClean="0">
-                <a:solidFill>
-                  <a:schemeClr val="tx1"/>
-                </a:solidFill>
-                <a:effectLst/>
-                <a:latin typeface="+mn-lt"/>
-                <a:ea typeface="+mn-ea"/>
-                <a:cs typeface="+mn-cs"/>
-              </a:rPr>
-              <a:t>：常规</a:t>
-            </a:r>
-            <a:r>
-              <a:rPr lang="en-US" altLang="zh-CN" sz="1200" b="0" i="0" u="none" strike="noStrike" kern="1200" dirty="0" smtClean="0">
-                <a:solidFill>
-                  <a:schemeClr val="tx1"/>
-                </a:solidFill>
-                <a:effectLst/>
-                <a:latin typeface="+mn-lt"/>
-                <a:ea typeface="+mn-ea"/>
-                <a:cs typeface="+mn-cs"/>
-              </a:rPr>
-              <a:t>Prefab</a:t>
-            </a:r>
-            <a:r>
-              <a:rPr lang="zh-CN" altLang="en-US" sz="1200" b="0" i="0" u="none" strike="noStrike" kern="1200" dirty="0" smtClean="0">
-                <a:solidFill>
-                  <a:schemeClr val="tx1"/>
-                </a:solidFill>
-                <a:effectLst/>
-                <a:latin typeface="+mn-lt"/>
-                <a:ea typeface="+mn-ea"/>
-                <a:cs typeface="+mn-cs"/>
-              </a:rPr>
-              <a:t>的编缉环境，常规是什么意思呢，其实就是非</a:t>
-            </a:r>
-            <a:r>
-              <a:rPr lang="en-US" altLang="zh-CN" sz="1200" b="0" i="0" u="none" strike="noStrike" kern="1200" dirty="0" smtClean="0">
-                <a:solidFill>
-                  <a:schemeClr val="tx1"/>
-                </a:solidFill>
-                <a:effectLst/>
-                <a:latin typeface="+mn-lt"/>
-                <a:ea typeface="+mn-ea"/>
-                <a:cs typeface="+mn-cs"/>
-              </a:rPr>
-              <a:t>UI</a:t>
-            </a:r>
-            <a:r>
-              <a:rPr lang="zh-CN" altLang="en-US" sz="1200" b="0" i="0" u="none" strike="noStrike" kern="1200" dirty="0" smtClean="0">
-                <a:solidFill>
-                  <a:schemeClr val="tx1"/>
-                </a:solidFill>
-                <a:effectLst/>
-                <a:latin typeface="+mn-lt"/>
-                <a:ea typeface="+mn-ea"/>
-                <a:cs typeface="+mn-cs"/>
-              </a:rPr>
-              <a:t>类的都属于常规类，也就是说凡是</a:t>
-            </a:r>
-            <a:r>
-              <a:rPr lang="en-US" altLang="zh-CN" sz="1200" b="0" i="0" u="none" strike="noStrike" kern="1200" dirty="0" smtClean="0">
-                <a:solidFill>
-                  <a:schemeClr val="tx1"/>
-                </a:solidFill>
-                <a:effectLst/>
-                <a:latin typeface="+mn-lt"/>
-                <a:ea typeface="+mn-ea"/>
-                <a:cs typeface="+mn-cs"/>
-              </a:rPr>
-              <a:t>Prefab</a:t>
-            </a:r>
-            <a:r>
-              <a:rPr lang="zh-CN" altLang="en-US" sz="1200" b="0" i="0" u="none" strike="noStrike" kern="1200" dirty="0" smtClean="0">
-                <a:solidFill>
-                  <a:schemeClr val="tx1"/>
-                </a:solidFill>
-                <a:effectLst/>
-                <a:latin typeface="+mn-lt"/>
-                <a:ea typeface="+mn-ea"/>
-                <a:cs typeface="+mn-cs"/>
-              </a:rPr>
-              <a:t>父级是</a:t>
-            </a:r>
-            <a:r>
-              <a:rPr lang="en-US" altLang="zh-CN" sz="1200" b="0" i="0" u="none" strike="noStrike" kern="1200" dirty="0" smtClean="0">
-                <a:solidFill>
-                  <a:schemeClr val="tx1"/>
-                </a:solidFill>
-                <a:effectLst/>
-                <a:latin typeface="+mn-lt"/>
-                <a:ea typeface="+mn-ea"/>
-                <a:cs typeface="+mn-cs"/>
-              </a:rPr>
-              <a:t>Transform</a:t>
-            </a:r>
-            <a:r>
-              <a:rPr lang="zh-CN" altLang="en-US" sz="1200" b="0" i="0" u="none" strike="noStrike" kern="1200" dirty="0" smtClean="0">
-                <a:solidFill>
-                  <a:schemeClr val="tx1"/>
-                </a:solidFill>
-                <a:effectLst/>
-                <a:latin typeface="+mn-lt"/>
-                <a:ea typeface="+mn-ea"/>
-                <a:cs typeface="+mn-cs"/>
-              </a:rPr>
-              <a:t>的都会用这个环境。</a:t>
-            </a:r>
-            <a:endParaRPr lang="en-US" altLang="zh-CN" sz="1200" b="0" i="0" u="none" strike="noStrike" kern="1200" dirty="0" smtClean="0">
-              <a:solidFill>
-                <a:schemeClr val="tx1"/>
-              </a:solidFill>
-              <a:effectLst/>
-              <a:latin typeface="+mn-lt"/>
-              <a:ea typeface="+mn-ea"/>
-              <a:cs typeface="+mn-cs"/>
-            </a:endParaRPr>
-          </a:p>
-          <a:p>
             <a:pPr marL="0" marR="0" lvl="0" indent="0" algn="l" defTabSz="914400" rtl="0" eaLnBrk="1" fontAlgn="auto" latinLnBrk="0" hangingPunct="1">
               <a:lnSpc>
                 <a:spcPct val="100000"/>
@@ -4674,138 +4796,16 @@
               <a:tabLst/>
               <a:defRPr/>
             </a:pPr>
-            <a:r>
-              <a:rPr lang="en-US" altLang="zh-CN" sz="1200" b="0" i="0" u="none" strike="noStrike" kern="1200" dirty="0" smtClean="0">
-                <a:solidFill>
-                  <a:schemeClr val="tx1"/>
-                </a:solidFill>
-                <a:effectLst/>
-                <a:latin typeface="+mn-lt"/>
-                <a:ea typeface="+mn-ea"/>
-                <a:cs typeface="+mn-cs"/>
-              </a:rPr>
-              <a:t>UI Environment</a:t>
-            </a:r>
-            <a:r>
-              <a:rPr lang="zh-CN" altLang="en-US" sz="1200" b="0" i="0" u="none" strike="noStrike" kern="1200" dirty="0" smtClean="0">
-                <a:solidFill>
-                  <a:schemeClr val="tx1"/>
-                </a:solidFill>
-                <a:effectLst/>
-                <a:latin typeface="+mn-lt"/>
-                <a:ea typeface="+mn-ea"/>
-                <a:cs typeface="+mn-cs"/>
-              </a:rPr>
-              <a:t>：</a:t>
-            </a:r>
-            <a:r>
-              <a:rPr lang="en-US" altLang="zh-CN" sz="1200" b="0" i="0" u="none" strike="noStrike" kern="1200" dirty="0" smtClean="0">
-                <a:solidFill>
-                  <a:schemeClr val="tx1"/>
-                </a:solidFill>
-                <a:effectLst/>
-                <a:latin typeface="+mn-lt"/>
-                <a:ea typeface="+mn-ea"/>
-                <a:cs typeface="+mn-cs"/>
-              </a:rPr>
-              <a:t>UI</a:t>
-            </a:r>
-            <a:r>
-              <a:rPr lang="zh-CN" altLang="en-US" sz="1200" b="0" i="0" u="none" strike="noStrike" kern="1200" dirty="0" smtClean="0">
-                <a:solidFill>
-                  <a:schemeClr val="tx1"/>
-                </a:solidFill>
-                <a:effectLst/>
-                <a:latin typeface="+mn-lt"/>
-                <a:ea typeface="+mn-ea"/>
-                <a:cs typeface="+mn-cs"/>
-              </a:rPr>
-              <a:t>类的</a:t>
-            </a:r>
-            <a:r>
-              <a:rPr lang="en-US" altLang="zh-CN" sz="1200" b="0" i="0" u="none" strike="noStrike" kern="1200" dirty="0" smtClean="0">
-                <a:solidFill>
-                  <a:schemeClr val="tx1"/>
-                </a:solidFill>
-                <a:effectLst/>
-                <a:latin typeface="+mn-lt"/>
-                <a:ea typeface="+mn-ea"/>
-                <a:cs typeface="+mn-cs"/>
-              </a:rPr>
-              <a:t>Prefab</a:t>
-            </a:r>
-            <a:r>
-              <a:rPr lang="zh-CN" altLang="en-US" sz="1200" b="0" i="0" u="none" strike="noStrike" kern="1200" dirty="0" smtClean="0">
-                <a:solidFill>
-                  <a:schemeClr val="tx1"/>
-                </a:solidFill>
-                <a:effectLst/>
-                <a:latin typeface="+mn-lt"/>
-                <a:ea typeface="+mn-ea"/>
-                <a:cs typeface="+mn-cs"/>
-              </a:rPr>
-              <a:t>编缉环境，凡是</a:t>
-            </a:r>
-            <a:r>
-              <a:rPr lang="en-US" altLang="zh-CN" sz="1200" b="0" i="0" u="none" strike="noStrike" kern="1200" dirty="0" smtClean="0">
-                <a:solidFill>
-                  <a:schemeClr val="tx1"/>
-                </a:solidFill>
-                <a:effectLst/>
-                <a:latin typeface="+mn-lt"/>
-                <a:ea typeface="+mn-ea"/>
-                <a:cs typeface="+mn-cs"/>
-              </a:rPr>
-              <a:t>Prefab</a:t>
-            </a:r>
-            <a:r>
-              <a:rPr lang="zh-CN" altLang="en-US" sz="1200" b="0" i="0" u="none" strike="noStrike" kern="1200" dirty="0" smtClean="0">
-                <a:solidFill>
-                  <a:schemeClr val="tx1"/>
-                </a:solidFill>
-                <a:effectLst/>
-                <a:latin typeface="+mn-lt"/>
-                <a:ea typeface="+mn-ea"/>
-                <a:cs typeface="+mn-cs"/>
-              </a:rPr>
-              <a:t>父级是</a:t>
-            </a:r>
-            <a:r>
-              <a:rPr lang="en-US" altLang="zh-CN" sz="1200" b="0" i="0" u="none" strike="noStrike" kern="1200" dirty="0" err="1" smtClean="0">
-                <a:solidFill>
-                  <a:schemeClr val="tx1"/>
-                </a:solidFill>
-                <a:effectLst/>
-                <a:latin typeface="+mn-lt"/>
-                <a:ea typeface="+mn-ea"/>
-                <a:cs typeface="+mn-cs"/>
-              </a:rPr>
-              <a:t>Rect</a:t>
-            </a:r>
-            <a:r>
-              <a:rPr lang="en-US" altLang="zh-CN" sz="1200" b="0" i="0" u="none" strike="noStrike" kern="1200" dirty="0" smtClean="0">
-                <a:solidFill>
-                  <a:schemeClr val="tx1"/>
-                </a:solidFill>
-                <a:effectLst/>
-                <a:latin typeface="+mn-lt"/>
-                <a:ea typeface="+mn-ea"/>
-                <a:cs typeface="+mn-cs"/>
-              </a:rPr>
-              <a:t> Transform</a:t>
-            </a:r>
-            <a:r>
-              <a:rPr lang="zh-CN" altLang="en-US" sz="1200" b="0" i="0" u="none" strike="noStrike" kern="1200" dirty="0" smtClean="0">
-                <a:solidFill>
-                  <a:schemeClr val="tx1"/>
-                </a:solidFill>
-                <a:effectLst/>
-                <a:latin typeface="+mn-lt"/>
-                <a:ea typeface="+mn-ea"/>
-                <a:cs typeface="+mn-cs"/>
-              </a:rPr>
-              <a:t>的都会用这个环境。</a:t>
-            </a:r>
+            <a:endParaRPr lang="zh-CN" altLang="en-US" sz="1200" dirty="0">
+              <a:solidFill>
+                <a:srgbClr val="000000">
+                  <a:lumMod val="50000"/>
+                  <a:lumOff val="50000"/>
+                </a:srgbClr>
+              </a:solidFill>
+              <a:latin typeface="微软雅黑" charset="0"/>
+              <a:ea typeface="微软雅黑" charset="0"/>
+            </a:endParaRPr>
           </a:p>
         </p:txBody>
       </p:sp>
@@ -4824,7 +4824,7 @@
           <a:bodyPr/>
           <a:lstStyle/>
           <a:p>
-            <a:fld id="{AFC19929-CB21-4C9A-B004-EF2C8D8333B9}" type="slidenum">
+            <a:fld id="{D1EF254E-326E-4685-B4A9-3564F691514B}" type="slidenum">
               <a:rPr lang="zh-CN" altLang="en-US" smtClean="0"/>
               <a:t>9</a:t>
             </a:fld>
@@ -4835,7 +4835,7 @@
     </p:spTree>
     <p:extLst>
       <p:ext uri="{BB962C8B-B14F-4D97-AF65-F5344CB8AC3E}">
-        <p14:creationId xmlns:p14="http://schemas.microsoft.com/office/powerpoint/2010/main" val="323454529"/>
+        <p14:creationId xmlns:p14="http://schemas.microsoft.com/office/powerpoint/2010/main" val="1678449295"/>
       </p:ext>
     </p:extLst>
   </p:cSld>
@@ -12148,7 +12148,15 @@
                   <a:schemeClr val="bg1"/>
                 </a:solidFill>
               </a:rPr>
-              <a:t>体及应用</a:t>
+              <a:t>体及</a:t>
+            </a:r>
+            <a:r>
+              <a:rPr lang="zh-CN" altLang="en-US" b="1" dirty="0" smtClean="0">
+                <a:solidFill>
+                  <a:schemeClr val="bg1"/>
+                </a:solidFill>
+              </a:rPr>
+              <a:t>应用</a:t>
             </a:r>
             <a:endParaRPr lang="zh-CN" altLang="en-US" dirty="0">
               <a:solidFill>
@@ -14128,7 +14136,7 @@
           <a:lstStyle/>
           <a:p>
             <a:r>
-              <a:rPr lang="zh-CN" altLang="en-US" sz="1400" dirty="0" smtClean="0">
+              <a:rPr lang="zh-CN" altLang="en-US" sz="1400" dirty="0">
                 <a:solidFill>
                   <a:srgbClr val="000000">
                     <a:lumMod val="50000"/>
@@ -14138,10 +14146,10 @@
                 <a:latin typeface="微软雅黑" charset="0"/>
                 <a:ea typeface="微软雅黑" charset="0"/>
               </a:rPr>
-              <a:t>蓝色</a:t>
-            </a:r>
-            <a:r>
-              <a:rPr lang="zh-CN" altLang="en-US" sz="1400" dirty="0">
+              <a:t>成“组” </a:t>
+            </a:r>
+            <a:r>
+              <a:rPr lang="zh-CN" altLang="en-US" sz="1400" dirty="0" smtClean="0">
                 <a:solidFill>
                   <a:srgbClr val="000000">
                     <a:lumMod val="50000"/>
@@ -14151,7 +14159,59 @@
                 <a:latin typeface="微软雅黑" charset="0"/>
                 <a:ea typeface="微软雅黑" charset="0"/>
               </a:rPr>
-              <a:t>盒子就是一个包在灰色盒子外的壳，理论上可以像俄罗斯套娃一样无限嵌套。</a:t>
+              <a:t>就是</a:t>
+            </a:r>
+            <a:r>
+              <a:rPr lang="zh-CN" altLang="en-US" sz="1400" dirty="0" smtClean="0">
+                <a:solidFill>
+                  <a:srgbClr val="000000">
+                    <a:lumMod val="50000"/>
+                    <a:lumOff val="50000"/>
+                  </a:srgbClr>
+                </a:solidFill>
+                <a:latin typeface="微软雅黑" charset="0"/>
+                <a:ea typeface="微软雅黑" charset="0"/>
+              </a:rPr>
+              <a:t>给拼成一组的物件套个盒子，也是一个生成</a:t>
+            </a:r>
+            <a:r>
+              <a:rPr lang="en-US" altLang="zh-CN" sz="1400" dirty="0" smtClean="0">
+                <a:solidFill>
+                  <a:srgbClr val="000000">
+                    <a:lumMod val="50000"/>
+                    <a:lumOff val="50000"/>
+                  </a:srgbClr>
+                </a:solidFill>
+                <a:latin typeface="微软雅黑" charset="0"/>
+                <a:ea typeface="微软雅黑" charset="0"/>
+              </a:rPr>
+              <a:t>Prefab</a:t>
+            </a:r>
+            <a:r>
+              <a:rPr lang="zh-CN" altLang="en-US" sz="1400" dirty="0" smtClean="0">
+                <a:solidFill>
+                  <a:srgbClr val="000000">
+                    <a:lumMod val="50000"/>
+                    <a:lumOff val="50000"/>
+                  </a:srgbClr>
+                </a:solidFill>
+                <a:latin typeface="微软雅黑" charset="0"/>
+                <a:ea typeface="微软雅黑" charset="0"/>
+              </a:rPr>
+              <a:t>的过程，理论上</a:t>
+            </a:r>
+            <a:r>
+              <a:rPr lang="zh-CN" altLang="en-US" sz="1400" dirty="0">
+                <a:solidFill>
+                  <a:srgbClr val="000000">
+                    <a:lumMod val="50000"/>
+                    <a:lumOff val="50000"/>
+                  </a:srgbClr>
+                </a:solidFill>
+                <a:latin typeface="微软雅黑" charset="0"/>
+                <a:ea typeface="微软雅黑" charset="0"/>
+              </a:rPr>
+              <a:t>可以像俄罗斯套娃一样无限嵌套。</a:t>
             </a:r>
           </a:p>
         </p:txBody>
@@ -15242,7 +15302,7 @@
         <p:spPr>
           <a:xfrm>
             <a:off x="1423376" y="1383879"/>
-            <a:ext cx="9715143" cy="286232"/>
+            <a:ext cx="9715143" cy="313932"/>
           </a:xfrm>
           <a:prstGeom prst="rect">
             <a:avLst/>
@@ -15263,84 +15323,84 @@
               </a:buClr>
             </a:pPr>
             <a:r>
-              <a:rPr lang="zh-CN" altLang="en-US" sz="1400" dirty="0">
-                <a:solidFill>
-                  <a:schemeClr val="bg1">
-                    <a:lumMod val="65000"/>
-                  </a:schemeClr>
-                </a:solidFill>
-                <a:latin typeface="Microsoft YaHei" panose="020B0503020204020204" pitchFamily="34" charset="-122"/>
-                <a:ea typeface="Microsoft YaHei" panose="020B0503020204020204" pitchFamily="34" charset="-122"/>
-                <a:cs typeface="Roboto"/>
+              <a:rPr lang="zh-CN" altLang="en-US" sz="1600" dirty="0">
+                <a:solidFill>
+                  <a:srgbClr val="000000">
+                    <a:lumMod val="50000"/>
+                    <a:lumOff val="50000"/>
+                  </a:srgbClr>
+                </a:solidFill>
+                <a:latin typeface="微软雅黑" charset="0"/>
+                <a:ea typeface="微软雅黑" charset="0"/>
                 <a:sym typeface="Roboto"/>
               </a:rPr>
               <a:t>盒子可以被拆掉（</a:t>
             </a:r>
             <a:r>
-              <a:rPr lang="en-US" altLang="zh-CN" sz="1400" dirty="0">
-                <a:solidFill>
-                  <a:schemeClr val="bg1">
-                    <a:lumMod val="65000"/>
-                  </a:schemeClr>
-                </a:solidFill>
-                <a:latin typeface="Microsoft YaHei" panose="020B0503020204020204" pitchFamily="34" charset="-122"/>
-                <a:ea typeface="Microsoft YaHei" panose="020B0503020204020204" pitchFamily="34" charset="-122"/>
-                <a:cs typeface="Roboto"/>
+              <a:rPr lang="en-US" altLang="zh-CN" sz="1600" dirty="0">
+                <a:solidFill>
+                  <a:srgbClr val="000000">
+                    <a:lumMod val="50000"/>
+                    <a:lumOff val="50000"/>
+                  </a:srgbClr>
+                </a:solidFill>
+                <a:latin typeface="微软雅黑" charset="0"/>
+                <a:ea typeface="微软雅黑" charset="0"/>
                 <a:sym typeface="Roboto"/>
               </a:rPr>
               <a:t>Unpacking</a:t>
             </a:r>
             <a:r>
-              <a:rPr lang="zh-CN" altLang="en-US" sz="1400" dirty="0">
-                <a:solidFill>
-                  <a:schemeClr val="bg1">
-                    <a:lumMod val="65000"/>
-                  </a:schemeClr>
-                </a:solidFill>
-                <a:latin typeface="Microsoft YaHei" panose="020B0503020204020204" pitchFamily="34" charset="-122"/>
-                <a:ea typeface="Microsoft YaHei" panose="020B0503020204020204" pitchFamily="34" charset="-122"/>
-                <a:cs typeface="Roboto"/>
+              <a:rPr lang="zh-CN" altLang="en-US" sz="1600" dirty="0">
+                <a:solidFill>
+                  <a:srgbClr val="000000">
+                    <a:lumMod val="50000"/>
+                    <a:lumOff val="50000"/>
+                  </a:srgbClr>
+                </a:solidFill>
+                <a:latin typeface="微软雅黑" charset="0"/>
+                <a:ea typeface="微软雅黑" charset="0"/>
                 <a:sym typeface="Roboto"/>
               </a:rPr>
               <a:t>）从而获得里面的物体（</a:t>
             </a:r>
             <a:r>
-              <a:rPr lang="en-US" altLang="zh-CN" sz="1400" dirty="0">
-                <a:solidFill>
-                  <a:schemeClr val="bg1">
-                    <a:lumMod val="65000"/>
-                  </a:schemeClr>
-                </a:solidFill>
-                <a:latin typeface="Microsoft YaHei" panose="020B0503020204020204" pitchFamily="34" charset="-122"/>
-                <a:ea typeface="Microsoft YaHei" panose="020B0503020204020204" pitchFamily="34" charset="-122"/>
-                <a:cs typeface="Roboto"/>
+              <a:rPr lang="en-US" altLang="zh-CN" sz="1600" dirty="0">
+                <a:solidFill>
+                  <a:srgbClr val="000000">
+                    <a:lumMod val="50000"/>
+                    <a:lumOff val="50000"/>
+                  </a:srgbClr>
+                </a:solidFill>
+                <a:latin typeface="微软雅黑" charset="0"/>
+                <a:ea typeface="微软雅黑" charset="0"/>
                 <a:sym typeface="Roboto"/>
               </a:rPr>
               <a:t>Game Object</a:t>
             </a:r>
             <a:r>
-              <a:rPr lang="zh-CN" altLang="en-US" sz="1400" dirty="0" smtClean="0">
-                <a:solidFill>
-                  <a:schemeClr val="bg1">
-                    <a:lumMod val="65000"/>
-                  </a:schemeClr>
-                </a:solidFill>
-                <a:latin typeface="Microsoft YaHei" panose="020B0503020204020204" pitchFamily="34" charset="-122"/>
-                <a:ea typeface="Microsoft YaHei" panose="020B0503020204020204" pitchFamily="34" charset="-122"/>
-                <a:cs typeface="Roboto"/>
+              <a:rPr lang="zh-CN" altLang="en-US" sz="1600" dirty="0">
+                <a:solidFill>
+                  <a:srgbClr val="000000">
+                    <a:lumMod val="50000"/>
+                    <a:lumOff val="50000"/>
+                  </a:srgbClr>
+                </a:solidFill>
+                <a:latin typeface="微软雅黑" charset="0"/>
+                <a:ea typeface="微软雅黑" charset="0"/>
                 <a:sym typeface="Roboto"/>
               </a:rPr>
               <a:t>）。</a:t>
             </a:r>
-            <a:endParaRPr lang="en-US" altLang="zh-CN" sz="1400" dirty="0">
+            <a:endParaRPr lang="en-US" altLang="zh-CN" sz="1600" dirty="0">
               <a:solidFill>
-                <a:schemeClr val="bg1">
-                  <a:lumMod val="65000"/>
-                </a:schemeClr>
+                <a:srgbClr val="000000">
+                  <a:lumMod val="50000"/>
+                  <a:lumOff val="50000"/>
+                </a:srgbClr>
               </a:solidFill>
-              <a:latin typeface="Microsoft YaHei" panose="020B0503020204020204" pitchFamily="34" charset="-122"/>
-              <a:ea typeface="Microsoft YaHei" panose="020B0503020204020204" pitchFamily="34" charset="-122"/>
-              <a:cs typeface="Roboto"/>
+              <a:latin typeface="微软雅黑" charset="0"/>
+              <a:ea typeface="微软雅黑" charset="0"/>
               <a:sym typeface="Roboto"/>
             </a:endParaRPr>
           </a:p>
@@ -15354,7 +15414,7 @@
         </p:nvSpPr>
         <p:spPr>
           <a:xfrm>
-            <a:off x="1423375" y="5724273"/>
+            <a:off x="1423375" y="5907736"/>
             <a:ext cx="9715143" cy="307777"/>
           </a:xfrm>
           <a:prstGeom prst="rect">
@@ -15746,7 +15806,7 @@
               </a:buClr>
             </a:pPr>
             <a:r>
-              <a:rPr lang="zh-CN" altLang="en-US" sz="3000" dirty="0">
+              <a:rPr lang="zh-CN" altLang="en-US" sz="3000" dirty="0" smtClean="0">
                 <a:latin typeface="Microsoft YaHei" panose="020B0503020204020204" pitchFamily="34" charset="-122"/>
                 <a:ea typeface="Microsoft YaHei" panose="020B0503020204020204" pitchFamily="34" charset="-122"/>
                 <a:cs typeface="Roboto"/>
@@ -15755,7 +15815,7 @@
               <a:t>嵌套式预制体</a:t>
             </a:r>
             <a:r>
-              <a:rPr lang="en-US" altLang="zh-CN" sz="3000" dirty="0">
+              <a:rPr lang="en-US" altLang="zh-CN" sz="3000" dirty="0" smtClean="0">
                 <a:latin typeface="Microsoft YaHei" panose="020B0503020204020204" pitchFamily="34" charset="-122"/>
                 <a:ea typeface="Microsoft YaHei" panose="020B0503020204020204" pitchFamily="34" charset="-122"/>
                 <a:cs typeface="Roboto"/>
@@ -15764,7 +15824,7 @@
               <a:t>-</a:t>
             </a:r>
             <a:r>
-              <a:rPr lang="zh-CN" altLang="en-US" sz="3000" dirty="0">
+              <a:rPr lang="zh-CN" altLang="en-US" sz="3000" dirty="0" smtClean="0">
                 <a:latin typeface="Microsoft YaHei" panose="020B0503020204020204" pitchFamily="34" charset="-122"/>
                 <a:ea typeface="Microsoft YaHei" panose="020B0503020204020204" pitchFamily="34" charset="-122"/>
                 <a:cs typeface="Roboto"/>
@@ -16612,10 +16672,10 @@
         </p:nvGrpSpPr>
         <p:grpSpPr>
           <a:xfrm>
-            <a:off x="9277900" y="5153583"/>
-            <a:ext cx="1205288" cy="1161306"/>
-            <a:chOff x="8525442" y="3175686"/>
-            <a:chExt cx="7309304" cy="7042580"/>
+            <a:off x="9277900" y="5163108"/>
+            <a:ext cx="1205288" cy="1151781"/>
+            <a:chOff x="8525442" y="3233449"/>
+            <a:chExt cx="7309304" cy="6984817"/>
           </a:xfrm>
         </p:grpSpPr>
         <p:pic>
@@ -16790,7 +16850,7 @@
           </p:blipFill>
           <p:spPr>
             <a:xfrm>
-              <a:off x="8525442" y="3175686"/>
+              <a:off x="8525442" y="3233449"/>
               <a:ext cx="7309304" cy="2851142"/>
             </a:xfrm>
             <a:prstGeom prst="rect">
@@ -18043,7 +18103,7 @@
         </p:nvSpPr>
         <p:spPr>
           <a:xfrm>
-            <a:off x="289956" y="1455335"/>
+            <a:off x="289956" y="2122997"/>
             <a:ext cx="3471142" cy="3471142"/>
           </a:xfrm>
           <a:prstGeom prst="ellipse">
@@ -18081,7 +18141,7 @@
         </p:nvSpPr>
         <p:spPr>
           <a:xfrm>
-            <a:off x="8244608" y="1455912"/>
+            <a:off x="8244608" y="2123574"/>
             <a:ext cx="3471142" cy="3471142"/>
           </a:xfrm>
           <a:prstGeom prst="ellipse">
@@ -18119,7 +18179,7 @@
         </p:nvSpPr>
         <p:spPr>
           <a:xfrm>
-            <a:off x="4267282" y="1455912"/>
+            <a:off x="4267282" y="2123574"/>
             <a:ext cx="3471142" cy="3471142"/>
           </a:xfrm>
           <a:prstGeom prst="ellipse">
@@ -18184,7 +18244,7 @@
         </p:nvSpPr>
         <p:spPr>
           <a:xfrm>
-            <a:off x="1258812" y="5179498"/>
+            <a:off x="1258812" y="5643956"/>
             <a:ext cx="1899239" cy="369332"/>
           </a:xfrm>
           <a:prstGeom prst="rect">
@@ -18231,7 +18291,7 @@
         </p:nvSpPr>
         <p:spPr>
           <a:xfrm>
-            <a:off x="911225" y="5637398"/>
+            <a:off x="911225" y="6101856"/>
             <a:ext cx="2594406" cy="313932"/>
           </a:xfrm>
           <a:prstGeom prst="rect">
@@ -18330,7 +18390,7 @@
         </p:nvSpPr>
         <p:spPr>
           <a:xfrm>
-            <a:off x="5557731" y="5195183"/>
+            <a:off x="5557731" y="5659641"/>
             <a:ext cx="890244" cy="369332"/>
           </a:xfrm>
           <a:prstGeom prst="rect">
@@ -18377,7 +18437,7 @@
         </p:nvSpPr>
         <p:spPr>
           <a:xfrm>
-            <a:off x="4798796" y="5637398"/>
+            <a:off x="4798796" y="6101856"/>
             <a:ext cx="2594406" cy="313932"/>
           </a:xfrm>
           <a:prstGeom prst="rect">
@@ -18451,7 +18511,7 @@
         </p:nvSpPr>
         <p:spPr>
           <a:xfrm>
-            <a:off x="9573042" y="5179498"/>
+            <a:off x="9573042" y="5643956"/>
             <a:ext cx="821059" cy="369332"/>
           </a:xfrm>
           <a:prstGeom prst="rect">
@@ -18498,8 +18558,8 @@
         </p:nvSpPr>
         <p:spPr>
           <a:xfrm>
-            <a:off x="8686367" y="5637398"/>
-            <a:ext cx="2594406" cy="412421"/>
+            <a:off x="8686367" y="6101856"/>
+            <a:ext cx="2594406" cy="313932"/>
           </a:xfrm>
           <a:prstGeom prst="rect">
             <a:avLst/>
@@ -18511,13 +18571,16 @@
           </a:bodyPr>
           <a:lstStyle/>
           <a:p>
-            <a:pPr algn="ctr">
+            <a:pPr>
               <a:lnSpc>
-                <a:spcPct val="130000"/>
+                <a:spcPct val="90000"/>
               </a:lnSpc>
+              <a:buClr>
+                <a:schemeClr val="lt1"/>
+              </a:buClr>
             </a:pPr>
             <a:r>
-              <a:rPr lang="zh-CN" altLang="en-GB" sz="1600" dirty="0">
+              <a:rPr lang="zh-CN" altLang="en-US" sz="1600" dirty="0">
                 <a:solidFill>
                   <a:schemeClr val="bg1">
                     <a:lumMod val="50000"/>
@@ -18528,7 +18591,7 @@
                 <a:cs typeface="Roboto"/>
                 <a:sym typeface="Roboto"/>
               </a:rPr>
-              <a:t>可以</a:t>
+              <a:t>应用</a:t>
             </a:r>
             <a:r>
               <a:rPr lang="zh-CN" altLang="en-US" sz="1600" dirty="0">
@@ -18542,7 +18605,7 @@
                 <a:cs typeface="Roboto"/>
                 <a:sym typeface="Roboto"/>
               </a:rPr>
-              <a:t>应用这些标签（</a:t>
+              <a:t>这些标签（</a:t>
             </a:r>
             <a:r>
               <a:rPr lang="en-US" altLang="zh-CN" sz="1600" dirty="0">
@@ -18559,7 +18622,7 @@
               <a:t>Apply</a:t>
             </a:r>
             <a:r>
-              <a:rPr lang="zh-CN" altLang="en-US" sz="1600" dirty="0" smtClean="0">
+              <a:rPr lang="zh-CN" altLang="en-US" sz="1600" dirty="0">
                 <a:solidFill>
                   <a:schemeClr val="bg1">
                     <a:lumMod val="50000"/>
@@ -18574,12 +18637,13 @@
             </a:r>
             <a:endParaRPr lang="zh-CN" altLang="en-US" sz="1600" dirty="0">
               <a:solidFill>
-                <a:srgbClr val="FFFFFF">
+                <a:schemeClr val="bg1">
                   <a:lumMod val="50000"/>
-                </a:srgbClr>
+                </a:schemeClr>
               </a:solidFill>
-              <a:latin typeface="微软雅黑" charset="0"/>
-              <a:ea typeface="微软雅黑" charset="0"/>
+              <a:latin typeface="Microsoft YaHei" panose="020B0503020204020204" pitchFamily="34" charset="-122"/>
+              <a:ea typeface="Microsoft YaHei" panose="020B0503020204020204" pitchFamily="34" charset="-122"/>
+              <a:cs typeface="Roboto"/>
             </a:endParaRPr>
           </a:p>
         </p:txBody>
@@ -18651,7 +18715,12 @@
             <p:ph type="sldNum" sz="quarter" idx="11"/>
           </p:nvPr>
         </p:nvSpPr>
-        <p:spPr/>
+        <p:spPr>
+          <a:xfrm>
+            <a:off x="8610600" y="6559554"/>
+            <a:ext cx="2743200" cy="365125"/>
+          </a:xfrm>
+        </p:spPr>
         <p:txBody>
           <a:bodyPr/>
           <a:lstStyle/>
@@ -18699,7 +18768,7 @@
         </p:blipFill>
         <p:spPr>
           <a:xfrm>
-            <a:off x="779629" y="2064105"/>
+            <a:off x="779629" y="2731767"/>
             <a:ext cx="2558659" cy="1814650"/>
           </a:xfrm>
           <a:prstGeom prst="rect">
@@ -18729,7 +18798,7 @@
         </p:blipFill>
         <p:spPr>
           <a:xfrm>
-            <a:off x="779630" y="2502347"/>
+            <a:off x="779630" y="3170009"/>
             <a:ext cx="2558659" cy="2007006"/>
           </a:xfrm>
           <a:prstGeom prst="rect">
@@ -18759,7 +18828,7 @@
         </p:blipFill>
         <p:spPr>
           <a:xfrm>
-            <a:off x="779629" y="2047533"/>
+            <a:off x="779629" y="2715195"/>
             <a:ext cx="2558663" cy="998058"/>
           </a:xfrm>
           <a:prstGeom prst="rect">
@@ -18789,7 +18858,7 @@
         </p:blipFill>
         <p:spPr>
           <a:xfrm>
-            <a:off x="2226152" y="2963823"/>
+            <a:off x="2226152" y="3631485"/>
             <a:ext cx="899585" cy="942220"/>
           </a:xfrm>
           <a:prstGeom prst="rect">
@@ -18805,7 +18874,7 @@
         </p:nvGrpSpPr>
         <p:grpSpPr>
           <a:xfrm>
-            <a:off x="4302480" y="6767683"/>
+            <a:off x="4302480" y="7435345"/>
             <a:ext cx="622183" cy="1367108"/>
             <a:chOff x="14217540" y="5870290"/>
             <a:chExt cx="1768238" cy="3885306"/>
@@ -18894,7 +18963,7 @@
         </p:blipFill>
         <p:spPr>
           <a:xfrm>
-            <a:off x="4750989" y="2025285"/>
+            <a:off x="4750989" y="2692947"/>
             <a:ext cx="2586690" cy="1834531"/>
           </a:xfrm>
           <a:prstGeom prst="rect">
@@ -18924,7 +18993,7 @@
         </p:blipFill>
         <p:spPr>
           <a:xfrm>
-            <a:off x="4750989" y="2480361"/>
+            <a:off x="4750989" y="3148023"/>
             <a:ext cx="2586689" cy="2028992"/>
           </a:xfrm>
           <a:prstGeom prst="rect">
@@ -18954,7 +19023,7 @@
         </p:blipFill>
         <p:spPr>
           <a:xfrm>
-            <a:off x="4750987" y="2025285"/>
+            <a:off x="4750987" y="2692947"/>
             <a:ext cx="2586694" cy="1008992"/>
           </a:xfrm>
           <a:prstGeom prst="rect">
@@ -18984,7 +19053,7 @@
         </p:blipFill>
         <p:spPr>
           <a:xfrm>
-            <a:off x="6174155" y="2953979"/>
+            <a:off x="6174155" y="3621641"/>
             <a:ext cx="909441" cy="952542"/>
           </a:xfrm>
           <a:prstGeom prst="rect">
@@ -19000,7 +19069,7 @@
         </p:nvGrpSpPr>
         <p:grpSpPr>
           <a:xfrm>
-            <a:off x="6752464" y="2617215"/>
+            <a:off x="6752464" y="3284877"/>
             <a:ext cx="628999" cy="1382084"/>
             <a:chOff x="14217540" y="5870290"/>
             <a:chExt cx="1768238" cy="3885306"/>
@@ -19089,7 +19158,7 @@
         </p:blipFill>
         <p:spPr>
           <a:xfrm>
-            <a:off x="8746964" y="2018950"/>
+            <a:off x="8746964" y="2686612"/>
             <a:ext cx="2586690" cy="1834531"/>
           </a:xfrm>
           <a:prstGeom prst="rect">
@@ -19119,7 +19188,7 @@
         </p:blipFill>
         <p:spPr>
           <a:xfrm>
-            <a:off x="8807379" y="962654"/>
+            <a:off x="8807379" y="1630316"/>
             <a:ext cx="2476457" cy="2339268"/>
           </a:xfrm>
           <a:prstGeom prst="rect">
@@ -19149,7 +19218,7 @@
         </p:blipFill>
         <p:spPr>
           <a:xfrm>
-            <a:off x="8746964" y="2474026"/>
+            <a:off x="8746964" y="3141688"/>
             <a:ext cx="2586689" cy="2028992"/>
           </a:xfrm>
           <a:prstGeom prst="rect">
@@ -19179,7 +19248,7 @@
         </p:blipFill>
         <p:spPr>
           <a:xfrm>
-            <a:off x="8763594" y="671767"/>
+            <a:off x="8763594" y="1339429"/>
             <a:ext cx="2586694" cy="1008992"/>
           </a:xfrm>
           <a:prstGeom prst="rect">
@@ -19209,7 +19278,7 @@
         </p:blipFill>
         <p:spPr>
           <a:xfrm>
-            <a:off x="10222382" y="1815329"/>
+            <a:off x="10222382" y="2482991"/>
             <a:ext cx="808760" cy="847089"/>
           </a:xfrm>
           <a:prstGeom prst="rect">
@@ -19239,7 +19308,7 @@
         </p:blipFill>
         <p:spPr>
           <a:xfrm>
-            <a:off x="10193586" y="2947661"/>
+            <a:off x="10193586" y="3615323"/>
             <a:ext cx="987006" cy="952525"/>
           </a:xfrm>
           <a:prstGeom prst="rect">
@@ -19269,7 +19338,7 @@
         </p:blipFill>
         <p:spPr>
           <a:xfrm>
-            <a:off x="10190885" y="2947644"/>
+            <a:off x="10190885" y="3615306"/>
             <a:ext cx="909441" cy="952542"/>
           </a:xfrm>
           <a:prstGeom prst="rect">
@@ -19299,7 +19368,7 @@
         </p:blipFill>
         <p:spPr>
           <a:xfrm>
-            <a:off x="10222381" y="1815794"/>
+            <a:off x="10222381" y="2483456"/>
             <a:ext cx="877945" cy="847274"/>
           </a:xfrm>
           <a:prstGeom prst="rect">
@@ -19315,7 +19384,7 @@
         </p:nvGrpSpPr>
         <p:grpSpPr>
           <a:xfrm>
-            <a:off x="10765071" y="2588255"/>
+            <a:off x="10765071" y="3255917"/>
             <a:ext cx="628999" cy="1382084"/>
             <a:chOff x="14217540" y="5870290"/>
             <a:chExt cx="1768238" cy="3885306"/>
@@ -19382,6 +19451,129 @@
           </p:spPr>
         </p:pic>
       </p:grpSp>
+      <p:sp>
+        <p:nvSpPr>
+          <p:cNvPr id="4" name="矩形 3"/>
+          <p:cNvSpPr/>
+          <p:nvPr/>
+        </p:nvSpPr>
+        <p:spPr>
+          <a:xfrm>
+            <a:off x="1001449" y="1420907"/>
+            <a:ext cx="7396684" cy="535531"/>
+          </a:xfrm>
+          <a:prstGeom prst="rect">
+            <a:avLst/>
+          </a:prstGeom>
+        </p:spPr>
+        <p:txBody>
+          <a:bodyPr wrap="square">
+            <a:spAutoFit/>
+          </a:bodyPr>
+          <a:lstStyle/>
+          <a:p>
+            <a:pPr>
+              <a:lnSpc>
+                <a:spcPct val="90000"/>
+              </a:lnSpc>
+              <a:buClr>
+                <a:schemeClr val="lt1"/>
+              </a:buClr>
+            </a:pPr>
+            <a:r>
+              <a:rPr lang="zh-CN" altLang="en-US" sz="1600" dirty="0">
+                <a:solidFill>
+                  <a:srgbClr val="000000">
+                    <a:lumMod val="50000"/>
+                    <a:lumOff val="50000"/>
+                  </a:srgbClr>
+                </a:solidFill>
+                <a:latin typeface="微软雅黑" charset="0"/>
+                <a:ea typeface="微软雅黑" charset="0"/>
+              </a:rPr>
+              <a:t>当在</a:t>
+            </a:r>
+            <a:r>
+              <a:rPr lang="en-US" altLang="zh-CN" sz="1600" dirty="0">
+                <a:solidFill>
+                  <a:srgbClr val="000000">
+                    <a:lumMod val="50000"/>
+                    <a:lumOff val="50000"/>
+                  </a:srgbClr>
+                </a:solidFill>
+                <a:latin typeface="微软雅黑" charset="0"/>
+                <a:ea typeface="微软雅黑" charset="0"/>
+              </a:rPr>
+              <a:t>Prefab</a:t>
+            </a:r>
+            <a:r>
+              <a:rPr lang="zh-CN" altLang="en-US" sz="1600" dirty="0">
+                <a:solidFill>
+                  <a:srgbClr val="000000">
+                    <a:lumMod val="50000"/>
+                    <a:lumOff val="50000"/>
+                  </a:srgbClr>
+                </a:solidFill>
+                <a:latin typeface="微软雅黑" charset="0"/>
+                <a:ea typeface="微软雅黑" charset="0"/>
+              </a:rPr>
+              <a:t>状态下修改参数或新加入元素，在</a:t>
+            </a:r>
+            <a:r>
+              <a:rPr lang="en-US" altLang="zh-CN" sz="1600" dirty="0">
+                <a:solidFill>
+                  <a:srgbClr val="000000">
+                    <a:lumMod val="50000"/>
+                    <a:lumOff val="50000"/>
+                  </a:srgbClr>
+                </a:solidFill>
+                <a:latin typeface="微软雅黑" charset="0"/>
+                <a:ea typeface="微软雅黑" charset="0"/>
+              </a:rPr>
+              <a:t>Inspector</a:t>
+            </a:r>
+            <a:r>
+              <a:rPr lang="zh-CN" altLang="en-US" sz="1600" dirty="0">
+                <a:solidFill>
+                  <a:srgbClr val="000000">
+                    <a:lumMod val="50000"/>
+                    <a:lumOff val="50000"/>
+                  </a:srgbClr>
+                </a:solidFill>
+                <a:latin typeface="微软雅黑" charset="0"/>
+                <a:ea typeface="微软雅黑" charset="0"/>
+              </a:rPr>
+              <a:t>界面中会以一个蓝色条状进行标示，以示区别，称之为</a:t>
+            </a:r>
+            <a:r>
+              <a:rPr lang="en-US" altLang="zh-CN" sz="1600" dirty="0">
+                <a:solidFill>
+                  <a:srgbClr val="000000">
+                    <a:lumMod val="50000"/>
+                    <a:lumOff val="50000"/>
+                  </a:srgbClr>
+                </a:solidFill>
+                <a:latin typeface="微软雅黑" charset="0"/>
+                <a:ea typeface="微软雅黑" charset="0"/>
+              </a:rPr>
+              <a:t>Prefab Override</a:t>
+            </a:r>
+            <a:r>
+              <a:rPr lang="zh-CN" altLang="en-US" sz="1600" dirty="0">
+                <a:solidFill>
+                  <a:srgbClr val="000000">
+                    <a:lumMod val="50000"/>
+                    <a:lumOff val="50000"/>
+                  </a:srgbClr>
+                </a:solidFill>
+                <a:latin typeface="微软雅黑" charset="0"/>
+                <a:ea typeface="微软雅黑" charset="0"/>
+              </a:rPr>
+              <a:t>。</a:t>
+            </a:r>
+          </a:p>
+        </p:txBody>
+      </p:sp>
     </p:spTree>
     <p:extLst>
       <p:ext uri="{BB962C8B-B14F-4D97-AF65-F5344CB8AC3E}">
@@ -19430,7 +19622,7 @@
                                     <p:cond delay="0"/>
                                   </p:stCondLst>
                                   <p:childTnLst>
-                                    <p:animMotion origin="layout" path="M -0.05313 -0.03889 L -0.04675 -0.20486 C -0.04558 -0.24028 -0.04766 -0.29074 -0.05391 -0.34236 C -0.06081 -0.40023 -0.06967 -0.44653 -0.07917 -0.47708 L -0.12318 -0.625 " pathEditMode="relative" rAng="15480000" ptsTypes="AAAAA">
+                                    <p:animMotion origin="layout" path="M -0.06198 -0.05463 L -0.0556 -0.22061 C -0.05443 -0.25602 -0.05651 -0.30649 -0.06276 -0.35811 C -0.06967 -0.41598 -0.07852 -0.46227 -0.08803 -0.49283 L -0.13204 -0.64074 " pathEditMode="relative" rAng="15480000" ptsTypes="AAAAA">
                                       <p:cBhvr>
                                         <p:cTn id="6" dur="500" fill="hold"/>
                                         <p:tgtEl>
@@ -19470,7 +19662,7 @@
                                     <p:cond delay="900"/>
                                   </p:stCondLst>
                                   <p:childTnLst>
-                                    <p:animMotion origin="layout" path="M 0.00208 2.59259E-6 L 0.01549 0.07153 C 0.01797 0.0868 0.02461 0.1044 0.03346 0.11852 C 0.04375 0.13472 0.05364 0.14398 0.0625 0.14722 L 0.10403 0.16296 " pathEditMode="relative" rAng="2520000" ptsTypes="AAAAA">
+                                    <p:animMotion origin="layout" path="M 0.00208 -0.01505 L 0.01562 0.05602 C 0.0181 0.07153 0.02461 0.08889 0.03359 0.10278 C 0.04375 0.11921 0.05351 0.12847 0.06237 0.13171 L 0.10416 0.14768 " pathEditMode="relative" rAng="2520000" ptsTypes="AAAAA">
                                       <p:cBhvr>
                                         <p:cTn id="10" dur="2000" fill="hold"/>
                                         <p:tgtEl>
@@ -19481,7 +19673,7 @@
                                           <p:attrName>ppt_y</p:attrName>
                                         </p:attrNameLst>
                                       </p:cBhvr>
-                                      <p:rCtr x="4141" y="10023"/>
+                                      <p:rCtr x="4154" y="9977"/>
                                     </p:animMotion>
                                   </p:childTnLst>
                                 </p:cTn>
@@ -19545,7 +19737,7 @@
                                     <p:cond delay="0"/>
                                   </p:stCondLst>
                                   <p:childTnLst>
-                                    <p:animMotion origin="layout" path="M 0.00013 -0.0007 L 0.01993 -0.04769 C 0.02422 -0.05764 0.0267 -0.07176 0.02592 -0.08657 C 0.02579 -0.10324 0.02266 -0.1162 0.01758 -0.12454 L -0.00468 -0.16852 " pathEditMode="relative" rAng="16020000" ptsTypes="AAAAA">
+                                    <p:animMotion origin="layout" path="M -3.95833E-6 -0.00092 L 0.0198 -0.04791 C 0.02409 -0.05787 0.02657 -0.07199 0.02579 -0.0868 C 0.02566 -0.10347 0.02253 -0.11643 0.01745 -0.12477 L -0.00481 -0.16875 " pathEditMode="relative" rAng="16020000" ptsTypes="AAAAA">
                                       <p:cBhvr>
                                         <p:cTn id="17" dur="2000" fill="hold"/>
                                         <p:tgtEl>
@@ -20058,7 +20250,20 @@
                 <a:ea typeface="Microsoft YaHei" panose="020B0503020204020204" pitchFamily="34" charset="-122"/>
                 <a:cs typeface="Roboto"/>
               </a:rPr>
-              <a:t>Apply to </a:t>
+              <a:t>Apply </a:t>
+            </a:r>
+            <a:r>
+              <a:rPr lang="en-US" altLang="zh-CN" sz="1600" dirty="0" smtClean="0">
+                <a:solidFill>
+                  <a:schemeClr val="bg1">
+                    <a:lumMod val="50000"/>
+                  </a:schemeClr>
+                </a:solidFill>
+                <a:latin typeface="Microsoft YaHei" panose="020B0503020204020204" pitchFamily="34" charset="-122"/>
+                <a:ea typeface="Microsoft YaHei" panose="020B0503020204020204" pitchFamily="34" charset="-122"/>
+                <a:cs typeface="Roboto"/>
+              </a:rPr>
+              <a:t>to </a:t>
             </a:r>
             <a:r>
               <a:rPr lang="zh-CN" altLang="en-US" sz="1600" dirty="0" smtClean="0">
@@ -21705,7 +21910,7 @@
         <p:spPr>
           <a:xfrm>
             <a:off x="950374" y="1473290"/>
-            <a:ext cx="10545442" cy="381258"/>
+            <a:ext cx="10545442" cy="412421"/>
           </a:xfrm>
           <a:prstGeom prst="rect">
             <a:avLst/>
@@ -21776,10 +21981,80 @@
                 <a:cs typeface="Roboto"/>
                 <a:sym typeface="Roboto"/>
               </a:rPr>
-              <a:t>外面再包一层，类似于继承</a:t>
-            </a:r>
-            <a:r>
-              <a:rPr lang="zh-CN" altLang="en-US" sz="1600" dirty="0">
+              <a:t>外面再包一层，类似于</a:t>
+            </a:r>
+            <a:r>
+              <a:rPr lang="zh-CN" altLang="en-US" sz="1600" dirty="0" smtClean="0">
+                <a:solidFill>
+                  <a:schemeClr val="bg1">
+                    <a:lumMod val="50000"/>
+                  </a:schemeClr>
+                </a:solidFill>
+                <a:latin typeface="Microsoft YaHei" panose="020B0503020204020204" pitchFamily="34" charset="-122"/>
+                <a:ea typeface="Microsoft YaHei" panose="020B0503020204020204" pitchFamily="34" charset="-122"/>
+                <a:cs typeface="Roboto"/>
+                <a:sym typeface="Roboto"/>
+              </a:rPr>
+              <a:t>继承任何</a:t>
+            </a:r>
+            <a:r>
+              <a:rPr lang="en-US" altLang="zh-CN" sz="1600" dirty="0" smtClean="0">
+                <a:solidFill>
+                  <a:schemeClr val="bg1">
+                    <a:lumMod val="50000"/>
+                  </a:schemeClr>
+                </a:solidFill>
+                <a:latin typeface="Microsoft YaHei" panose="020B0503020204020204" pitchFamily="34" charset="-122"/>
+                <a:ea typeface="Microsoft YaHei" panose="020B0503020204020204" pitchFamily="34" charset="-122"/>
+                <a:cs typeface="Roboto"/>
+                <a:sym typeface="Roboto"/>
+              </a:rPr>
+              <a:t>Prefab</a:t>
+            </a:r>
+            <a:r>
+              <a:rPr lang="zh-CN" altLang="en-US" sz="1600" dirty="0" smtClean="0">
+                <a:solidFill>
+                  <a:schemeClr val="bg1">
+                    <a:lumMod val="50000"/>
+                  </a:schemeClr>
+                </a:solidFill>
+                <a:latin typeface="Microsoft YaHei" panose="020B0503020204020204" pitchFamily="34" charset="-122"/>
+                <a:ea typeface="Microsoft YaHei" panose="020B0503020204020204" pitchFamily="34" charset="-122"/>
+                <a:cs typeface="Roboto"/>
+                <a:sym typeface="Roboto"/>
+              </a:rPr>
+              <a:t>或</a:t>
+            </a:r>
+            <a:r>
+              <a:rPr lang="en-US" altLang="zh-CN" sz="1600" dirty="0" smtClean="0">
+                <a:solidFill>
+                  <a:schemeClr val="bg1">
+                    <a:lumMod val="50000"/>
+                  </a:schemeClr>
+                </a:solidFill>
+                <a:latin typeface="Microsoft YaHei" panose="020B0503020204020204" pitchFamily="34" charset="-122"/>
+                <a:ea typeface="Microsoft YaHei" panose="020B0503020204020204" pitchFamily="34" charset="-122"/>
+                <a:cs typeface="Roboto"/>
+                <a:sym typeface="Roboto"/>
+              </a:rPr>
+              <a:t>Prefab</a:t>
+            </a:r>
+            <a:r>
+              <a:rPr lang="zh-CN" altLang="en-US" sz="1600" dirty="0" smtClean="0">
+                <a:solidFill>
+                  <a:schemeClr val="bg1">
+                    <a:lumMod val="50000"/>
+                  </a:schemeClr>
+                </a:solidFill>
+                <a:latin typeface="Microsoft YaHei" panose="020B0503020204020204" pitchFamily="34" charset="-122"/>
+                <a:ea typeface="Microsoft YaHei" panose="020B0503020204020204" pitchFamily="34" charset="-122"/>
+                <a:cs typeface="Roboto"/>
+                <a:sym typeface="Roboto"/>
+              </a:rPr>
+              <a:t>变体</a:t>
+            </a:r>
+            <a:r>
+              <a:rPr lang="zh-CN" altLang="en-US" sz="1600" dirty="0" smtClean="0">
                 <a:solidFill>
                   <a:srgbClr val="000000">
                     <a:lumMod val="50000"/>
@@ -26209,8 +26484,8 @@
         </p:nvSpPr>
         <p:spPr>
           <a:xfrm rot="10421074">
-            <a:off x="8332684" y="2793609"/>
-            <a:ext cx="1370381" cy="1944311"/>
+            <a:off x="8274169" y="2761682"/>
+            <a:ext cx="1497141" cy="1940070"/>
           </a:xfrm>
           <a:custGeom>
             <a:avLst/>
@@ -26255,6 +26530,46 @@
               <a:gd name="connsiteY3" fmla="*/ 1587377 h 1944311"/>
               <a:gd name="connsiteX4" fmla="*/ 0 w 1428927"/>
               <a:gd name="connsiteY4" fmla="*/ 1944311 h 1944311"/>
+              <a:gd name="connsiteX0" fmla="*/ 0 w 1503962"/>
+              <a:gd name="connsiteY0" fmla="*/ 1975496 h 1975496"/>
+              <a:gd name="connsiteX1" fmla="*/ 318177 w 1503962"/>
+              <a:gd name="connsiteY1" fmla="*/ 498532 h 1975496"/>
+              <a:gd name="connsiteX2" fmla="*/ 1503962 w 1503962"/>
+              <a:gd name="connsiteY2" fmla="*/ 0 h 1975496"/>
+              <a:gd name="connsiteX3" fmla="*/ 1385702 w 1503962"/>
+              <a:gd name="connsiteY3" fmla="*/ 1587377 h 1975496"/>
+              <a:gd name="connsiteX4" fmla="*/ 0 w 1503962"/>
+              <a:gd name="connsiteY4" fmla="*/ 1975496 h 1975496"/>
+              <a:gd name="connsiteX0" fmla="*/ 0 w 1583498"/>
+              <a:gd name="connsiteY0" fmla="*/ 1957267 h 1957267"/>
+              <a:gd name="connsiteX1" fmla="*/ 318177 w 1583498"/>
+              <a:gd name="connsiteY1" fmla="*/ 480303 h 1957267"/>
+              <a:gd name="connsiteX2" fmla="*/ 1583498 w 1583498"/>
+              <a:gd name="connsiteY2" fmla="*/ 0 h 1957267"/>
+              <a:gd name="connsiteX3" fmla="*/ 1385702 w 1583498"/>
+              <a:gd name="connsiteY3" fmla="*/ 1569148 h 1957267"/>
+              <a:gd name="connsiteX4" fmla="*/ 0 w 1583498"/>
+              <a:gd name="connsiteY4" fmla="*/ 1957267 h 1957267"/>
+              <a:gd name="connsiteX0" fmla="*/ 0 w 1602545"/>
+              <a:gd name="connsiteY0" fmla="*/ 1945458 h 1945458"/>
+              <a:gd name="connsiteX1" fmla="*/ 318177 w 1602545"/>
+              <a:gd name="connsiteY1" fmla="*/ 468494 h 1945458"/>
+              <a:gd name="connsiteX2" fmla="*/ 1602545 w 1602545"/>
+              <a:gd name="connsiteY2" fmla="*/ 0 h 1945458"/>
+              <a:gd name="connsiteX3" fmla="*/ 1385702 w 1602545"/>
+              <a:gd name="connsiteY3" fmla="*/ 1557339 h 1945458"/>
+              <a:gd name="connsiteX4" fmla="*/ 0 w 1602545"/>
+              <a:gd name="connsiteY4" fmla="*/ 1945458 h 1945458"/>
+              <a:gd name="connsiteX0" fmla="*/ 0 w 1561102"/>
+              <a:gd name="connsiteY0" fmla="*/ 1940070 h 1940070"/>
+              <a:gd name="connsiteX1" fmla="*/ 318177 w 1561102"/>
+              <a:gd name="connsiteY1" fmla="*/ 463106 h 1940070"/>
+              <a:gd name="connsiteX2" fmla="*/ 1561102 w 1561102"/>
+              <a:gd name="connsiteY2" fmla="*/ 0 h 1940070"/>
+              <a:gd name="connsiteX3" fmla="*/ 1385702 w 1561102"/>
+              <a:gd name="connsiteY3" fmla="*/ 1551951 h 1940070"/>
+              <a:gd name="connsiteX4" fmla="*/ 0 w 1561102"/>
+              <a:gd name="connsiteY4" fmla="*/ 1940070 h 1940070"/>
             </a:gdLst>
             <a:ahLst/>
             <a:cxnLst>
@@ -26276,21 +26591,21 @@
             </a:cxnLst>
             <a:rect l="l" t="t" r="r" b="b"/>
             <a:pathLst>
-              <a:path w="1428927" h="1944311">
+              <a:path w="1561102" h="1940070">
                 <a:moveTo>
-                  <a:pt x="0" y="1944311"/>
+                  <a:pt x="0" y="1940070"/>
                 </a:moveTo>
                 <a:lnTo>
-                  <a:pt x="243142" y="498532"/>
-                </a:lnTo>
-                <a:lnTo>
-                  <a:pt x="1428927" y="0"/>
-                </a:lnTo>
-                <a:lnTo>
-                  <a:pt x="1310667" y="1587377"/>
-                </a:lnTo>
-                <a:lnTo>
-                  <a:pt x="0" y="1944311"/>
+                  <a:pt x="318177" y="463106"/>
+                </a:lnTo>
+                <a:lnTo>
+                  <a:pt x="1561102" y="0"/>
+                </a:lnTo>
+                <a:lnTo>
+                  <a:pt x="1385702" y="1551951"/>
+                </a:lnTo>
+                <a:lnTo>
+                  <a:pt x="0" y="1940070"/>
                 </a:lnTo>
                 <a:close/>
               </a:path>
@@ -28020,7 +28335,7 @@
         </p:blipFill>
         <p:spPr>
           <a:xfrm>
-            <a:off x="8918661" y="5192113"/>
+            <a:off x="8908933" y="5192113"/>
             <a:ext cx="2552381" cy="1666667"/>
           </a:xfrm>
           <a:prstGeom prst="rect">
@@ -33671,6 +33986,30 @@
           </a:p>
         </p:txBody>
       </p:sp>
+      <p:pic>
+        <p:nvPicPr>
+          <p:cNvPr id="77" name="图片 76"/>
+          <p:cNvPicPr>
+            <a:picLocks noChangeAspect="1"/>
+          </p:cNvPicPr>
+          <p:nvPr/>
+        </p:nvPicPr>
+        <p:blipFill>
+          <a:blip r:embed="rId13"/>
+          <a:stretch>
+            <a:fillRect/>
+          </a:stretch>
+        </p:blipFill>
+        <p:spPr>
+          <a:xfrm>
+            <a:off x="1483268" y="5260420"/>
+            <a:ext cx="2857143" cy="552381"/>
+          </a:xfrm>
+          <a:prstGeom prst="rect">
+            <a:avLst/>
+          </a:prstGeom>
+        </p:spPr>
+      </p:pic>
     </p:spTree>
     <p:extLst>
       <p:ext uri="{BB962C8B-B14F-4D97-AF65-F5344CB8AC3E}">
@@ -41875,8 +42214,8 @@
           </p:nvSpPr>
           <p:spPr>
             <a:xfrm>
-              <a:off x="1343275" y="966222"/>
-              <a:ext cx="1529778" cy="369332"/>
+              <a:off x="1323334" y="966222"/>
+              <a:ext cx="1569660" cy="369332"/>
             </a:xfrm>
             <a:prstGeom prst="rect">
               <a:avLst/>
@@ -41890,31 +42229,13 @@
             <a:p>
               <a:pPr algn="ctr"/>
               <a:r>
-                <a:rPr lang="zh-CN" altLang="en-US" dirty="0">
-                  <a:solidFill>
-                    <a:srgbClr val="000000"/>
-                  </a:solidFill>
-                  <a:latin typeface="Segoe UI"/>
-                </a:rPr>
-                <a:t>旧</a:t>
-              </a:r>
-              <a:r>
-                <a:rPr lang="en-US" altLang="zh-CN" dirty="0" smtClean="0">
-                  <a:solidFill>
-                    <a:srgbClr val="000000"/>
-                  </a:solidFill>
-                  <a:latin typeface="Segoe UI"/>
-                </a:rPr>
-                <a:t>Prefab</a:t>
-              </a:r>
-              <a:r>
                 <a:rPr lang="zh-CN" altLang="en-US" dirty="0" smtClean="0">
                   <a:solidFill>
                     <a:srgbClr val="000000"/>
                   </a:solidFill>
                   <a:latin typeface="Segoe UI"/>
                 </a:rPr>
-                <a:t>特性</a:t>
+                <a:t>旧预制体特性</a:t>
               </a:r>
               <a:endParaRPr lang="zh-CN" altLang="en-US" dirty="0">
                 <a:solidFill>
@@ -41999,7 +42320,7 @@
               </a:lnSpc>
             </a:pPr>
             <a:r>
-              <a:rPr lang="zh-CN" altLang="en-US" dirty="0">
+              <a:rPr lang="zh-CN" altLang="en-US" dirty="0" smtClean="0">
                 <a:solidFill>
                   <a:srgbClr val="000000">
                     <a:lumMod val="50000"/>
@@ -42010,10 +42331,10 @@
                 <a:ea typeface="微软雅黑" charset="0"/>
                 <a:sym typeface="Helvetica"/>
               </a:rPr>
-              <a:t>类似模版的概念，修改基本</a:t>
-            </a:r>
-            <a:r>
-              <a:rPr lang="en-US" altLang="zh-CN" dirty="0">
+              <a:t>当我们修改</a:t>
+            </a:r>
+            <a:r>
+              <a:rPr lang="en-US" altLang="zh-CN" dirty="0" smtClean="0">
                 <a:solidFill>
                   <a:srgbClr val="000000">
                     <a:lumMod val="50000"/>
@@ -42027,7 +42348,7 @@
               <a:t>Prefab</a:t>
             </a:r>
             <a:r>
-              <a:rPr lang="zh-CN" altLang="en-US" dirty="0">
+              <a:rPr lang="zh-CN" altLang="en-US" dirty="0" smtClean="0">
                 <a:solidFill>
                   <a:srgbClr val="000000">
                     <a:lumMod val="50000"/>
@@ -42038,7 +42359,21 @@
                 <a:ea typeface="微软雅黑" charset="0"/>
                 <a:sym typeface="Helvetica"/>
               </a:rPr>
-              <a:t>，所以实例都会相应的更新改变</a:t>
+              <a:t>资源时，</a:t>
+            </a:r>
+            <a:r>
+              <a:rPr lang="zh-CN" altLang="en-US" dirty="0">
+                <a:solidFill>
+                  <a:srgbClr val="000000">
+                    <a:lumMod val="50000"/>
+                    <a:lumOff val="50000"/>
+                  </a:srgbClr>
+                </a:solidFill>
+                <a:latin typeface="微软雅黑" charset="0"/>
+                <a:ea typeface="微软雅黑" charset="0"/>
+                <a:sym typeface="Helvetica"/>
+              </a:rPr>
+              <a:t>所以实例都会相应的更新改变</a:t>
             </a:r>
             <a:r>
               <a:rPr lang="zh-CN" altLang="en-US" dirty="0" smtClean="0">
@@ -43117,8 +43452,8 @@
           </p:nvSpPr>
           <p:spPr>
             <a:xfrm>
-              <a:off x="1343274" y="966222"/>
-              <a:ext cx="1529779" cy="369332"/>
+              <a:off x="1323334" y="966222"/>
+              <a:ext cx="1569660" cy="369332"/>
             </a:xfrm>
             <a:prstGeom prst="rect">
               <a:avLst/>
@@ -43138,25 +43473,7 @@
                   </a:solidFill>
                   <a:latin typeface="Segoe UI"/>
                 </a:rPr>
-                <a:t>新</a:t>
-              </a:r>
-              <a:r>
-                <a:rPr lang="en-US" altLang="zh-CN" dirty="0" smtClean="0">
-                  <a:solidFill>
-                    <a:srgbClr val="000000"/>
-                  </a:solidFill>
-                  <a:latin typeface="Segoe UI"/>
-                </a:rPr>
-                <a:t>Prefab</a:t>
-              </a:r>
-              <a:r>
-                <a:rPr lang="zh-CN" altLang="en-US" dirty="0" smtClean="0">
-                  <a:solidFill>
-                    <a:srgbClr val="000000"/>
-                  </a:solidFill>
-                  <a:latin typeface="Segoe UI"/>
-                </a:rPr>
-                <a:t>特性</a:t>
+                <a:t>新预制体特性</a:t>
               </a:r>
               <a:endParaRPr lang="zh-CN" altLang="en-US" dirty="0">
                 <a:solidFill>
@@ -43489,7 +43806,7 @@
         <p:spPr>
           <a:xfrm>
             <a:off x="985226" y="1514550"/>
-            <a:ext cx="9715143" cy="341632"/>
+            <a:ext cx="9715143" cy="590931"/>
           </a:xfrm>
           <a:prstGeom prst="rect">
             <a:avLst/>
@@ -43577,8 +43894,131 @@
                 <a:ea typeface="微软雅黑" charset="0"/>
                 <a:sym typeface="Roboto"/>
               </a:rPr>
-              <a:t>外面的盒子</a:t>
-            </a:r>
+              <a:t>外面的</a:t>
+            </a:r>
+            <a:r>
+              <a:rPr lang="zh-CN" altLang="en-US" dirty="0" smtClean="0">
+                <a:solidFill>
+                  <a:srgbClr val="000000">
+                    <a:lumMod val="50000"/>
+                    <a:lumOff val="50000"/>
+                  </a:srgbClr>
+                </a:solidFill>
+                <a:latin typeface="微软雅黑" charset="0"/>
+                <a:ea typeface="微软雅黑" charset="0"/>
+                <a:sym typeface="Roboto"/>
+              </a:rPr>
+              <a:t>盒子。只记录</a:t>
+            </a:r>
+            <a:r>
+              <a:rPr lang="zh-CN" altLang="en-US" dirty="0" smtClean="0">
+                <a:solidFill>
+                  <a:srgbClr val="000000">
+                    <a:lumMod val="50000"/>
+                    <a:lumOff val="50000"/>
+                  </a:srgbClr>
+                </a:solidFill>
+                <a:latin typeface="微软雅黑" charset="0"/>
+                <a:ea typeface="微软雅黑" charset="0"/>
+                <a:sym typeface="Roboto"/>
+              </a:rPr>
+              <a:t>当前</a:t>
+            </a:r>
+            <a:r>
+              <a:rPr lang="zh-CN" altLang="en-US" dirty="0">
+                <a:solidFill>
+                  <a:srgbClr val="000000">
+                    <a:lumMod val="50000"/>
+                    <a:lumOff val="50000"/>
+                  </a:srgbClr>
+                </a:solidFill>
+                <a:latin typeface="微软雅黑" charset="0"/>
+                <a:ea typeface="微软雅黑" charset="0"/>
+                <a:sym typeface="Roboto"/>
+              </a:rPr>
+              <a:t>预制</a:t>
+            </a:r>
+            <a:r>
+              <a:rPr lang="zh-CN" altLang="en-US" dirty="0" smtClean="0">
+                <a:solidFill>
+                  <a:srgbClr val="000000">
+                    <a:lumMod val="50000"/>
+                    <a:lumOff val="50000"/>
+                  </a:srgbClr>
+                </a:solidFill>
+                <a:latin typeface="微软雅黑" charset="0"/>
+                <a:ea typeface="微软雅黑" charset="0"/>
+                <a:sym typeface="Roboto"/>
+              </a:rPr>
+              <a:t>体所包含</a:t>
+            </a:r>
+            <a:r>
+              <a:rPr lang="en-US" altLang="zh-CN" dirty="0" smtClean="0">
+                <a:solidFill>
+                  <a:srgbClr val="000000">
+                    <a:lumMod val="50000"/>
+                    <a:lumOff val="50000"/>
+                  </a:srgbClr>
+                </a:solidFill>
+                <a:latin typeface="微软雅黑" charset="0"/>
+                <a:ea typeface="微软雅黑" charset="0"/>
+                <a:sym typeface="Roboto"/>
+              </a:rPr>
+              <a:t>Game </a:t>
+            </a:r>
+            <a:r>
+              <a:rPr lang="en-US" altLang="zh-CN" dirty="0" err="1" smtClean="0">
+                <a:solidFill>
+                  <a:srgbClr val="000000">
+                    <a:lumMod val="50000"/>
+                    <a:lumOff val="50000"/>
+                  </a:srgbClr>
+                </a:solidFill>
+                <a:latin typeface="微软雅黑" charset="0"/>
+                <a:ea typeface="微软雅黑" charset="0"/>
+                <a:sym typeface="Roboto"/>
+              </a:rPr>
+              <a:t>Objcet</a:t>
+            </a:r>
+            <a:r>
+              <a:rPr lang="zh-CN" altLang="en-US" dirty="0" smtClean="0">
+                <a:solidFill>
+                  <a:srgbClr val="000000">
+                    <a:lumMod val="50000"/>
+                    <a:lumOff val="50000"/>
+                  </a:srgbClr>
+                </a:solidFill>
+                <a:latin typeface="微软雅黑" charset="0"/>
+                <a:ea typeface="微软雅黑" charset="0"/>
+                <a:sym typeface="Roboto"/>
+              </a:rPr>
+              <a:t>资源的</a:t>
+            </a:r>
+            <a:r>
+              <a:rPr lang="zh-CN" altLang="en-US" dirty="0" smtClean="0">
+                <a:solidFill>
+                  <a:srgbClr val="000000">
+                    <a:lumMod val="50000"/>
+                    <a:lumOff val="50000"/>
+                  </a:srgbClr>
+                </a:solidFill>
+                <a:latin typeface="微软雅黑" charset="0"/>
+                <a:ea typeface="微软雅黑" charset="0"/>
+                <a:sym typeface="Roboto"/>
+              </a:rPr>
+              <a:t>信息。</a:t>
+            </a:r>
+            <a:endParaRPr lang="zh-CN" altLang="en-US" dirty="0">
+              <a:solidFill>
+                <a:srgbClr val="000000">
+                  <a:lumMod val="50000"/>
+                  <a:lumOff val="50000"/>
+                </a:srgbClr>
+              </a:solidFill>
+              <a:latin typeface="微软雅黑" charset="0"/>
+              <a:ea typeface="微软雅黑" charset="0"/>
+              <a:sym typeface="Roboto"/>
+            </a:endParaRPr>
           </a:p>
         </p:txBody>
       </p:sp>
@@ -44373,7 +44813,7 @@
               <a:t>操作</a:t>
             </a:r>
             <a:r>
-              <a:rPr lang="en-US" altLang="zh-CN" dirty="0">
+              <a:rPr lang="en-US" altLang="zh-CN" dirty="0" smtClean="0">
                 <a:solidFill>
                   <a:schemeClr val="bg1">
                     <a:lumMod val="50000"/>
@@ -44384,6 +44824,27 @@
               </a:rPr>
               <a:t>Prefab</a:t>
             </a:r>
+            <a:r>
+              <a:rPr lang="zh-CN" altLang="en-US" dirty="0" smtClean="0">
+                <a:solidFill>
+                  <a:schemeClr val="bg1">
+                    <a:lumMod val="50000"/>
+                  </a:schemeClr>
+                </a:solidFill>
+                <a:latin typeface="+mn-ea"/>
+                <a:sym typeface="Roboto"/>
+              </a:rPr>
+              <a:t>（略）</a:t>
+            </a:r>
+            <a:endParaRPr lang="en-US" altLang="zh-CN" dirty="0">
+              <a:solidFill>
+                <a:schemeClr val="bg1">
+                  <a:lumMod val="50000"/>
+                </a:schemeClr>
+              </a:solidFill>
+              <a:latin typeface="+mn-ea"/>
+              <a:sym typeface="Roboto"/>
+            </a:endParaRPr>
           </a:p>
         </p:txBody>
       </p:sp>
@@ -50599,7 +51060,7 @@
         </p:nvSpPr>
         <p:spPr>
           <a:xfrm flipV="1">
-            <a:off x="7808215" y="2009290"/>
+            <a:off x="6096000" y="1961665"/>
             <a:ext cx="1" cy="3416257"/>
           </a:xfrm>
           <a:prstGeom prst="line">
@@ -50631,7 +51092,7 @@
         </p:nvSpPr>
         <p:spPr>
           <a:xfrm>
-            <a:off x="8562115" y="2009290"/>
+            <a:off x="6790465" y="2114065"/>
             <a:ext cx="3157572" cy="503023"/>
           </a:xfrm>
           <a:prstGeom prst="rect">
@@ -50696,7 +51157,7 @@
         </p:nvSpPr>
         <p:spPr>
           <a:xfrm>
-            <a:off x="5430957" y="2009290"/>
+            <a:off x="2888972" y="2127250"/>
             <a:ext cx="1993944" cy="503023"/>
           </a:xfrm>
           <a:prstGeom prst="rect">
@@ -50734,1627 +51195,6 @@
           </a:p>
         </p:txBody>
       </p:sp>
-      <p:grpSp>
-        <p:nvGrpSpPr>
-          <p:cNvPr id="79" name="Group 199"/>
-          <p:cNvGrpSpPr/>
-          <p:nvPr/>
-        </p:nvGrpSpPr>
-        <p:grpSpPr>
-          <a:xfrm>
-            <a:off x="5077700" y="3783246"/>
-            <a:ext cx="573554" cy="679140"/>
-            <a:chOff x="0" y="0"/>
-            <a:chExt cx="1902625" cy="2252881"/>
-          </a:xfrm>
-          <a:solidFill>
-            <a:schemeClr val="bg1"/>
-          </a:solidFill>
-        </p:grpSpPr>
-        <p:sp>
-          <p:nvSpPr>
-            <p:cNvPr id="80" name="Shape 189"/>
-            <p:cNvSpPr/>
-            <p:nvPr/>
-          </p:nvSpPr>
-          <p:spPr>
-            <a:xfrm>
-              <a:off x="1271299" y="0"/>
-              <a:ext cx="631327" cy="622678"/>
-            </a:xfrm>
-            <a:custGeom>
-              <a:avLst/>
-              <a:gdLst/>
-              <a:ahLst/>
-              <a:cxnLst>
-                <a:cxn ang="0">
-                  <a:pos x="wd2" y="hd2"/>
-                </a:cxn>
-                <a:cxn ang="5400000">
-                  <a:pos x="wd2" y="hd2"/>
-                </a:cxn>
-                <a:cxn ang="10800000">
-                  <a:pos x="wd2" y="hd2"/>
-                </a:cxn>
-                <a:cxn ang="16200000">
-                  <a:pos x="wd2" y="hd2"/>
-                </a:cxn>
-              </a:cxnLst>
-              <a:rect l="0" t="0" r="r" b="b"/>
-              <a:pathLst>
-                <a:path w="21600" h="21600" extrusionOk="0">
-                  <a:moveTo>
-                    <a:pt x="6066" y="12450"/>
-                  </a:moveTo>
-                  <a:lnTo>
-                    <a:pt x="6066" y="10950"/>
-                  </a:lnTo>
-                  <a:lnTo>
-                    <a:pt x="6362" y="10350"/>
-                  </a:lnTo>
-                  <a:lnTo>
-                    <a:pt x="5918" y="9450"/>
-                  </a:lnTo>
-                  <a:lnTo>
-                    <a:pt x="6658" y="8550"/>
-                  </a:lnTo>
-                  <a:lnTo>
-                    <a:pt x="6658" y="7050"/>
-                  </a:lnTo>
-                  <a:lnTo>
-                    <a:pt x="6953" y="6450"/>
-                  </a:lnTo>
-                  <a:lnTo>
-                    <a:pt x="6805" y="3600"/>
-                  </a:lnTo>
-                  <a:lnTo>
-                    <a:pt x="6066" y="300"/>
-                  </a:lnTo>
-                  <a:lnTo>
-                    <a:pt x="6805" y="300"/>
-                  </a:lnTo>
-                  <a:lnTo>
-                    <a:pt x="7545" y="0"/>
-                  </a:lnTo>
-                  <a:lnTo>
-                    <a:pt x="8877" y="1200"/>
-                  </a:lnTo>
-                  <a:lnTo>
-                    <a:pt x="12871" y="6300"/>
-                  </a:lnTo>
-                  <a:lnTo>
-                    <a:pt x="14499" y="6600"/>
-                  </a:lnTo>
-                  <a:lnTo>
-                    <a:pt x="16126" y="7500"/>
-                  </a:lnTo>
-                  <a:lnTo>
-                    <a:pt x="17458" y="7650"/>
-                  </a:lnTo>
-                  <a:lnTo>
-                    <a:pt x="18937" y="6900"/>
-                  </a:lnTo>
-                  <a:lnTo>
-                    <a:pt x="19825" y="5250"/>
-                  </a:lnTo>
-                  <a:lnTo>
-                    <a:pt x="20268" y="5250"/>
-                  </a:lnTo>
-                  <a:lnTo>
-                    <a:pt x="19825" y="6900"/>
-                  </a:lnTo>
-                  <a:lnTo>
-                    <a:pt x="18937" y="7050"/>
-                  </a:lnTo>
-                  <a:lnTo>
-                    <a:pt x="18937" y="8850"/>
-                  </a:lnTo>
-                  <a:lnTo>
-                    <a:pt x="19529" y="9300"/>
-                  </a:lnTo>
-                  <a:lnTo>
-                    <a:pt x="20268" y="10500"/>
-                  </a:lnTo>
-                  <a:lnTo>
-                    <a:pt x="21008" y="9600"/>
-                  </a:lnTo>
-                  <a:lnTo>
-                    <a:pt x="21600" y="10500"/>
-                  </a:lnTo>
-                  <a:lnTo>
-                    <a:pt x="21452" y="11100"/>
-                  </a:lnTo>
-                  <a:lnTo>
-                    <a:pt x="19381" y="11550"/>
-                  </a:lnTo>
-                  <a:lnTo>
-                    <a:pt x="18197" y="12900"/>
-                  </a:lnTo>
-                  <a:lnTo>
-                    <a:pt x="17014" y="13350"/>
-                  </a:lnTo>
-                  <a:lnTo>
-                    <a:pt x="16126" y="12750"/>
-                  </a:lnTo>
-                  <a:lnTo>
-                    <a:pt x="15386" y="13500"/>
-                  </a:lnTo>
-                  <a:lnTo>
-                    <a:pt x="13167" y="16650"/>
-                  </a:lnTo>
-                  <a:lnTo>
-                    <a:pt x="13611" y="17550"/>
-                  </a:lnTo>
-                  <a:lnTo>
-                    <a:pt x="11836" y="17700"/>
-                  </a:lnTo>
-                  <a:lnTo>
-                    <a:pt x="10060" y="16950"/>
-                  </a:lnTo>
-                  <a:lnTo>
-                    <a:pt x="9173" y="15900"/>
-                  </a:lnTo>
-                  <a:lnTo>
-                    <a:pt x="7841" y="15150"/>
-                  </a:lnTo>
-                  <a:lnTo>
-                    <a:pt x="6658" y="15150"/>
-                  </a:lnTo>
-                  <a:lnTo>
-                    <a:pt x="6066" y="16200"/>
-                  </a:lnTo>
-                  <a:lnTo>
-                    <a:pt x="5178" y="16200"/>
-                  </a:lnTo>
-                  <a:lnTo>
-                    <a:pt x="4290" y="16800"/>
-                  </a:lnTo>
-                  <a:lnTo>
-                    <a:pt x="3699" y="15900"/>
-                  </a:lnTo>
-                  <a:lnTo>
-                    <a:pt x="1923" y="16200"/>
-                  </a:lnTo>
-                  <a:lnTo>
-                    <a:pt x="2515" y="18000"/>
-                  </a:lnTo>
-                  <a:lnTo>
-                    <a:pt x="2811" y="17550"/>
-                  </a:lnTo>
-                  <a:lnTo>
-                    <a:pt x="3847" y="18000"/>
-                  </a:lnTo>
-                  <a:lnTo>
-                    <a:pt x="4290" y="18750"/>
-                  </a:lnTo>
-                  <a:lnTo>
-                    <a:pt x="5326" y="18600"/>
-                  </a:lnTo>
-                  <a:lnTo>
-                    <a:pt x="5326" y="19800"/>
-                  </a:lnTo>
-                  <a:lnTo>
-                    <a:pt x="3847" y="19800"/>
-                  </a:lnTo>
-                  <a:lnTo>
-                    <a:pt x="1775" y="21600"/>
-                  </a:lnTo>
-                  <a:lnTo>
-                    <a:pt x="592" y="20400"/>
-                  </a:lnTo>
-                  <a:lnTo>
-                    <a:pt x="1627" y="20250"/>
-                  </a:lnTo>
-                  <a:lnTo>
-                    <a:pt x="2219" y="19350"/>
-                  </a:lnTo>
-                  <a:lnTo>
-                    <a:pt x="0" y="16950"/>
-                  </a:lnTo>
-                  <a:lnTo>
-                    <a:pt x="1036" y="16950"/>
-                  </a:lnTo>
-                  <a:lnTo>
-                    <a:pt x="1184" y="16350"/>
-                  </a:lnTo>
-                  <a:lnTo>
-                    <a:pt x="592" y="15300"/>
-                  </a:lnTo>
-                  <a:lnTo>
-                    <a:pt x="2071" y="14400"/>
-                  </a:lnTo>
-                  <a:lnTo>
-                    <a:pt x="1775" y="12450"/>
-                  </a:lnTo>
-                  <a:lnTo>
-                    <a:pt x="2515" y="11250"/>
-                  </a:lnTo>
-                  <a:lnTo>
-                    <a:pt x="3403" y="12000"/>
-                  </a:lnTo>
-                  <a:lnTo>
-                    <a:pt x="4586" y="12450"/>
-                  </a:lnTo>
-                  <a:lnTo>
-                    <a:pt x="6066" y="12450"/>
-                  </a:lnTo>
-                  <a:close/>
-                </a:path>
-              </a:pathLst>
-            </a:custGeom>
-            <a:grpFill/>
-            <a:ln w="3175" cap="flat">
-              <a:noFill/>
-              <a:miter lim="400000"/>
-            </a:ln>
-            <a:effectLst/>
-          </p:spPr>
-          <p:txBody>
-            <a:bodyPr wrap="square" lIns="60959" tIns="60959" rIns="60959" bIns="60959" numCol="1" anchor="ctr">
-              <a:noAutofit/>
-            </a:bodyPr>
-            <a:lstStyle/>
-            <a:p>
-              <a:pPr defTabSz="914400">
-                <a:defRPr sz="2600">
-                  <a:solidFill>
-                    <a:srgbClr val="FFFFFF"/>
-                  </a:solidFill>
-                  <a:latin typeface="Calibri"/>
-                  <a:ea typeface="Calibri"/>
-                  <a:cs typeface="Calibri"/>
-                  <a:sym typeface="Calibri"/>
-                </a:defRPr>
-              </a:pPr>
-              <a:endParaRPr/>
-            </a:p>
-          </p:txBody>
-        </p:sp>
-        <p:sp>
-          <p:nvSpPr>
-            <p:cNvPr id="81" name="Shape 190"/>
-            <p:cNvSpPr/>
-            <p:nvPr/>
-          </p:nvSpPr>
-          <p:spPr>
-            <a:xfrm>
-              <a:off x="216207" y="609704"/>
-              <a:ext cx="1331839" cy="1210763"/>
-            </a:xfrm>
-            <a:custGeom>
-              <a:avLst/>
-              <a:gdLst/>
-              <a:ahLst/>
-              <a:cxnLst>
-                <a:cxn ang="0">
-                  <a:pos x="wd2" y="hd2"/>
-                </a:cxn>
-                <a:cxn ang="5400000">
-                  <a:pos x="wd2" y="hd2"/>
-                </a:cxn>
-                <a:cxn ang="10800000">
-                  <a:pos x="wd2" y="hd2"/>
-                </a:cxn>
-                <a:cxn ang="16200000">
-                  <a:pos x="wd2" y="hd2"/>
-                </a:cxn>
-              </a:cxnLst>
-              <a:rect l="0" t="0" r="r" b="b"/>
-              <a:pathLst>
-                <a:path w="21600" h="21600" extrusionOk="0">
-                  <a:moveTo>
-                    <a:pt x="19847" y="1543"/>
-                  </a:moveTo>
-                  <a:lnTo>
-                    <a:pt x="20057" y="1003"/>
-                  </a:lnTo>
-                  <a:lnTo>
-                    <a:pt x="19917" y="540"/>
-                  </a:lnTo>
-                  <a:lnTo>
-                    <a:pt x="19286" y="849"/>
-                  </a:lnTo>
-                  <a:lnTo>
-                    <a:pt x="19426" y="0"/>
-                  </a:lnTo>
-                  <a:lnTo>
-                    <a:pt x="19987" y="231"/>
-                  </a:lnTo>
-                  <a:lnTo>
-                    <a:pt x="20268" y="77"/>
-                  </a:lnTo>
-                  <a:lnTo>
-                    <a:pt x="20408" y="309"/>
-                  </a:lnTo>
-                  <a:lnTo>
-                    <a:pt x="20268" y="1697"/>
-                  </a:lnTo>
-                  <a:lnTo>
-                    <a:pt x="20758" y="2237"/>
-                  </a:lnTo>
-                  <a:lnTo>
-                    <a:pt x="21109" y="3549"/>
-                  </a:lnTo>
-                  <a:lnTo>
-                    <a:pt x="21600" y="4937"/>
-                  </a:lnTo>
-                  <a:lnTo>
-                    <a:pt x="21109" y="6866"/>
-                  </a:lnTo>
-                  <a:lnTo>
-                    <a:pt x="20758" y="7020"/>
-                  </a:lnTo>
-                  <a:lnTo>
-                    <a:pt x="20829" y="8409"/>
-                  </a:lnTo>
-                  <a:lnTo>
-                    <a:pt x="20618" y="8409"/>
-                  </a:lnTo>
-                  <a:lnTo>
-                    <a:pt x="20408" y="7869"/>
-                  </a:lnTo>
-                  <a:lnTo>
-                    <a:pt x="19987" y="8254"/>
-                  </a:lnTo>
-                  <a:lnTo>
-                    <a:pt x="20057" y="11186"/>
-                  </a:lnTo>
-                  <a:lnTo>
-                    <a:pt x="19636" y="12574"/>
-                  </a:lnTo>
-                  <a:lnTo>
-                    <a:pt x="19145" y="12806"/>
-                  </a:lnTo>
-                  <a:lnTo>
-                    <a:pt x="19636" y="14811"/>
-                  </a:lnTo>
-                  <a:lnTo>
-                    <a:pt x="19847" y="14811"/>
-                  </a:lnTo>
-                  <a:lnTo>
-                    <a:pt x="19847" y="15351"/>
-                  </a:lnTo>
-                  <a:lnTo>
-                    <a:pt x="19075" y="15737"/>
-                  </a:lnTo>
-                  <a:lnTo>
-                    <a:pt x="19145" y="16354"/>
-                  </a:lnTo>
-                  <a:lnTo>
-                    <a:pt x="18304" y="17280"/>
-                  </a:lnTo>
-                  <a:lnTo>
-                    <a:pt x="17813" y="16663"/>
-                  </a:lnTo>
-                  <a:lnTo>
-                    <a:pt x="18374" y="15506"/>
-                  </a:lnTo>
-                  <a:lnTo>
-                    <a:pt x="17182" y="15814"/>
-                  </a:lnTo>
-                  <a:lnTo>
-                    <a:pt x="17603" y="16509"/>
-                  </a:lnTo>
-                  <a:lnTo>
-                    <a:pt x="16831" y="16509"/>
-                  </a:lnTo>
-                  <a:lnTo>
-                    <a:pt x="16551" y="17357"/>
-                  </a:lnTo>
-                  <a:lnTo>
-                    <a:pt x="16410" y="17666"/>
-                  </a:lnTo>
-                  <a:lnTo>
-                    <a:pt x="16340" y="18283"/>
-                  </a:lnTo>
-                  <a:lnTo>
-                    <a:pt x="15990" y="18283"/>
-                  </a:lnTo>
-                  <a:lnTo>
-                    <a:pt x="15709" y="17820"/>
-                  </a:lnTo>
-                  <a:lnTo>
-                    <a:pt x="15990" y="17126"/>
-                  </a:lnTo>
-                  <a:lnTo>
-                    <a:pt x="15849" y="17126"/>
-                  </a:lnTo>
-                  <a:lnTo>
-                    <a:pt x="15148" y="17280"/>
-                  </a:lnTo>
-                  <a:lnTo>
-                    <a:pt x="14727" y="18051"/>
-                  </a:lnTo>
-                  <a:lnTo>
-                    <a:pt x="13956" y="18206"/>
-                  </a:lnTo>
-                  <a:lnTo>
-                    <a:pt x="13675" y="17820"/>
-                  </a:lnTo>
-                  <a:lnTo>
-                    <a:pt x="13184" y="18283"/>
-                  </a:lnTo>
-                  <a:lnTo>
-                    <a:pt x="12273" y="18360"/>
-                  </a:lnTo>
-                  <a:lnTo>
-                    <a:pt x="13114" y="17974"/>
-                  </a:lnTo>
-                  <a:lnTo>
-                    <a:pt x="12974" y="17743"/>
-                  </a:lnTo>
-                  <a:lnTo>
-                    <a:pt x="12132" y="17897"/>
-                  </a:lnTo>
-                  <a:lnTo>
-                    <a:pt x="12203" y="17203"/>
-                  </a:lnTo>
-                  <a:lnTo>
-                    <a:pt x="11642" y="17126"/>
-                  </a:lnTo>
-                  <a:lnTo>
-                    <a:pt x="11642" y="17589"/>
-                  </a:lnTo>
-                  <a:lnTo>
-                    <a:pt x="11361" y="18129"/>
-                  </a:lnTo>
-                  <a:lnTo>
-                    <a:pt x="12203" y="18977"/>
-                  </a:lnTo>
-                  <a:lnTo>
-                    <a:pt x="11852" y="19440"/>
-                  </a:lnTo>
-                  <a:lnTo>
-                    <a:pt x="11221" y="19440"/>
-                  </a:lnTo>
-                  <a:lnTo>
-                    <a:pt x="9888" y="21600"/>
-                  </a:lnTo>
-                  <a:lnTo>
-                    <a:pt x="9538" y="21446"/>
-                  </a:lnTo>
-                  <a:lnTo>
-                    <a:pt x="9608" y="21137"/>
-                  </a:lnTo>
-                  <a:lnTo>
-                    <a:pt x="9187" y="21137"/>
-                  </a:lnTo>
-                  <a:lnTo>
-                    <a:pt x="8696" y="20057"/>
-                  </a:lnTo>
-                  <a:lnTo>
-                    <a:pt x="8626" y="19749"/>
-                  </a:lnTo>
-                  <a:lnTo>
-                    <a:pt x="8977" y="19517"/>
-                  </a:lnTo>
-                  <a:lnTo>
-                    <a:pt x="8836" y="19286"/>
-                  </a:lnTo>
-                  <a:lnTo>
-                    <a:pt x="8696" y="19131"/>
-                  </a:lnTo>
-                  <a:lnTo>
-                    <a:pt x="8766" y="18746"/>
-                  </a:lnTo>
-                  <a:lnTo>
-                    <a:pt x="9678" y="18437"/>
-                  </a:lnTo>
-                  <a:lnTo>
-                    <a:pt x="9397" y="17974"/>
-                  </a:lnTo>
-                  <a:lnTo>
-                    <a:pt x="8486" y="18129"/>
-                  </a:lnTo>
-                  <a:lnTo>
-                    <a:pt x="8135" y="18977"/>
-                  </a:lnTo>
-                  <a:lnTo>
-                    <a:pt x="7995" y="18977"/>
-                  </a:lnTo>
-                  <a:lnTo>
-                    <a:pt x="8275" y="18129"/>
-                  </a:lnTo>
-                  <a:lnTo>
-                    <a:pt x="7434" y="17743"/>
-                  </a:lnTo>
-                  <a:lnTo>
-                    <a:pt x="7153" y="18129"/>
-                  </a:lnTo>
-                  <a:lnTo>
-                    <a:pt x="6592" y="18129"/>
-                  </a:lnTo>
-                  <a:lnTo>
-                    <a:pt x="6592" y="18514"/>
-                  </a:lnTo>
-                  <a:lnTo>
-                    <a:pt x="6031" y="18669"/>
-                  </a:lnTo>
-                  <a:lnTo>
-                    <a:pt x="5821" y="18283"/>
-                  </a:lnTo>
-                  <a:lnTo>
-                    <a:pt x="5540" y="18669"/>
-                  </a:lnTo>
-                  <a:lnTo>
-                    <a:pt x="4839" y="18669"/>
-                  </a:lnTo>
-                  <a:lnTo>
-                    <a:pt x="4488" y="19131"/>
-                  </a:lnTo>
-                  <a:lnTo>
-                    <a:pt x="3857" y="19054"/>
-                  </a:lnTo>
-                  <a:lnTo>
-                    <a:pt x="3577" y="19131"/>
-                  </a:lnTo>
-                  <a:lnTo>
-                    <a:pt x="3506" y="18669"/>
-                  </a:lnTo>
-                  <a:lnTo>
-                    <a:pt x="2945" y="18669"/>
-                  </a:lnTo>
-                  <a:lnTo>
-                    <a:pt x="2945" y="19286"/>
-                  </a:lnTo>
-                  <a:lnTo>
-                    <a:pt x="2455" y="19980"/>
-                  </a:lnTo>
-                  <a:lnTo>
-                    <a:pt x="1543" y="19440"/>
-                  </a:lnTo>
-                  <a:lnTo>
-                    <a:pt x="1122" y="19749"/>
-                  </a:lnTo>
-                  <a:lnTo>
-                    <a:pt x="631" y="19749"/>
-                  </a:lnTo>
-                  <a:lnTo>
-                    <a:pt x="631" y="19363"/>
-                  </a:lnTo>
-                  <a:lnTo>
-                    <a:pt x="0" y="19440"/>
-                  </a:lnTo>
-                  <a:lnTo>
-                    <a:pt x="210" y="19131"/>
-                  </a:lnTo>
-                  <a:lnTo>
-                    <a:pt x="210" y="18514"/>
-                  </a:lnTo>
-                  <a:lnTo>
-                    <a:pt x="1122" y="18591"/>
-                  </a:lnTo>
-                  <a:lnTo>
-                    <a:pt x="1613" y="17820"/>
-                  </a:lnTo>
-                  <a:lnTo>
-                    <a:pt x="2244" y="17820"/>
-                  </a:lnTo>
-                  <a:lnTo>
-                    <a:pt x="3787" y="16354"/>
-                  </a:lnTo>
-                  <a:lnTo>
-                    <a:pt x="3787" y="15969"/>
-                  </a:lnTo>
-                  <a:lnTo>
-                    <a:pt x="5049" y="15583"/>
-                  </a:lnTo>
-                  <a:lnTo>
-                    <a:pt x="5119" y="16046"/>
-                  </a:lnTo>
-                  <a:lnTo>
-                    <a:pt x="5751" y="15660"/>
-                  </a:lnTo>
-                  <a:lnTo>
-                    <a:pt x="5961" y="15969"/>
-                  </a:lnTo>
-                  <a:lnTo>
-                    <a:pt x="7153" y="15429"/>
-                  </a:lnTo>
-                  <a:lnTo>
-                    <a:pt x="7995" y="15583"/>
-                  </a:lnTo>
-                  <a:lnTo>
-                    <a:pt x="8275" y="15660"/>
-                  </a:lnTo>
-                  <a:lnTo>
-                    <a:pt x="8906" y="15197"/>
-                  </a:lnTo>
-                  <a:lnTo>
-                    <a:pt x="8906" y="15814"/>
-                  </a:lnTo>
-                  <a:lnTo>
-                    <a:pt x="9187" y="15969"/>
-                  </a:lnTo>
-                  <a:lnTo>
-                    <a:pt x="9397" y="15737"/>
-                  </a:lnTo>
-                  <a:lnTo>
-                    <a:pt x="9748" y="16046"/>
-                  </a:lnTo>
-                  <a:lnTo>
-                    <a:pt x="10660" y="15429"/>
-                  </a:lnTo>
-                  <a:lnTo>
-                    <a:pt x="10379" y="14811"/>
-                  </a:lnTo>
-                  <a:lnTo>
-                    <a:pt x="10449" y="14117"/>
-                  </a:lnTo>
-                  <a:lnTo>
-                    <a:pt x="11151" y="13500"/>
-                  </a:lnTo>
-                  <a:lnTo>
-                    <a:pt x="11922" y="12651"/>
-                  </a:lnTo>
-                  <a:lnTo>
-                    <a:pt x="11782" y="11417"/>
-                  </a:lnTo>
-                  <a:lnTo>
-                    <a:pt x="12062" y="10800"/>
-                  </a:lnTo>
-                  <a:lnTo>
-                    <a:pt x="12623" y="10877"/>
-                  </a:lnTo>
-                  <a:lnTo>
-                    <a:pt x="12974" y="10491"/>
-                  </a:lnTo>
-                  <a:lnTo>
-                    <a:pt x="12764" y="11340"/>
-                  </a:lnTo>
-                  <a:lnTo>
-                    <a:pt x="12203" y="11494"/>
-                  </a:lnTo>
-                  <a:lnTo>
-                    <a:pt x="12203" y="11880"/>
-                  </a:lnTo>
-                  <a:lnTo>
-                    <a:pt x="12553" y="11880"/>
-                  </a:lnTo>
-                  <a:lnTo>
-                    <a:pt x="12273" y="12189"/>
-                  </a:lnTo>
-                  <a:lnTo>
-                    <a:pt x="12904" y="12651"/>
-                  </a:lnTo>
-                  <a:lnTo>
-                    <a:pt x="14727" y="11571"/>
-                  </a:lnTo>
-                  <a:lnTo>
-                    <a:pt x="15639" y="10337"/>
-                  </a:lnTo>
-                  <a:lnTo>
-                    <a:pt x="15919" y="10260"/>
-                  </a:lnTo>
-                  <a:lnTo>
-                    <a:pt x="15779" y="9720"/>
-                  </a:lnTo>
-                  <a:lnTo>
-                    <a:pt x="16831" y="8949"/>
-                  </a:lnTo>
-                  <a:lnTo>
-                    <a:pt x="16901" y="7483"/>
-                  </a:lnTo>
-                  <a:lnTo>
-                    <a:pt x="17673" y="7097"/>
-                  </a:lnTo>
-                  <a:lnTo>
-                    <a:pt x="17532" y="5940"/>
-                  </a:lnTo>
-                  <a:lnTo>
-                    <a:pt x="18023" y="5400"/>
-                  </a:lnTo>
-                  <a:lnTo>
-                    <a:pt x="18094" y="4397"/>
-                  </a:lnTo>
-                  <a:lnTo>
-                    <a:pt x="17182" y="4089"/>
-                  </a:lnTo>
-                  <a:lnTo>
-                    <a:pt x="17813" y="3086"/>
-                  </a:lnTo>
-                  <a:lnTo>
-                    <a:pt x="17532" y="2160"/>
-                  </a:lnTo>
-                  <a:lnTo>
-                    <a:pt x="17673" y="1929"/>
-                  </a:lnTo>
-                  <a:lnTo>
-                    <a:pt x="18094" y="1929"/>
-                  </a:lnTo>
-                  <a:lnTo>
-                    <a:pt x="18374" y="1311"/>
-                  </a:lnTo>
-                  <a:lnTo>
-                    <a:pt x="18234" y="926"/>
-                  </a:lnTo>
-                  <a:lnTo>
-                    <a:pt x="18935" y="694"/>
-                  </a:lnTo>
-                  <a:lnTo>
-                    <a:pt x="19075" y="1697"/>
-                  </a:lnTo>
-                  <a:lnTo>
-                    <a:pt x="19075" y="1774"/>
-                  </a:lnTo>
-                  <a:lnTo>
-                    <a:pt x="19426" y="1466"/>
-                  </a:lnTo>
-                  <a:lnTo>
-                    <a:pt x="19847" y="1543"/>
-                  </a:lnTo>
-                  <a:close/>
-                </a:path>
-              </a:pathLst>
-            </a:custGeom>
-            <a:grpFill/>
-            <a:ln w="3175" cap="flat">
-              <a:noFill/>
-              <a:miter lim="400000"/>
-            </a:ln>
-            <a:effectLst/>
-          </p:spPr>
-          <p:txBody>
-            <a:bodyPr wrap="square" lIns="60959" tIns="60959" rIns="60959" bIns="60959" numCol="1" anchor="ctr">
-              <a:noAutofit/>
-            </a:bodyPr>
-            <a:lstStyle/>
-            <a:p>
-              <a:pPr defTabSz="914400">
-                <a:defRPr sz="2600">
-                  <a:solidFill>
-                    <a:srgbClr val="FFFFFF"/>
-                  </a:solidFill>
-                  <a:latin typeface="Calibri"/>
-                  <a:ea typeface="Calibri"/>
-                  <a:cs typeface="Calibri"/>
-                  <a:sym typeface="Calibri"/>
-                </a:defRPr>
-              </a:pPr>
-              <a:endParaRPr/>
-            </a:p>
-          </p:txBody>
-        </p:sp>
-        <p:sp>
-          <p:nvSpPr>
-            <p:cNvPr id="82" name="Shape 191"/>
-            <p:cNvSpPr/>
-            <p:nvPr/>
-          </p:nvSpPr>
-          <p:spPr>
-            <a:xfrm>
-              <a:off x="1106982" y="1085361"/>
-              <a:ext cx="64863" cy="77836"/>
-            </a:xfrm>
-            <a:custGeom>
-              <a:avLst/>
-              <a:gdLst/>
-              <a:ahLst/>
-              <a:cxnLst>
-                <a:cxn ang="0">
-                  <a:pos x="wd2" y="hd2"/>
-                </a:cxn>
-                <a:cxn ang="5400000">
-                  <a:pos x="wd2" y="hd2"/>
-                </a:cxn>
-                <a:cxn ang="10800000">
-                  <a:pos x="wd2" y="hd2"/>
-                </a:cxn>
-                <a:cxn ang="16200000">
-                  <a:pos x="wd2" y="hd2"/>
-                </a:cxn>
-              </a:cxnLst>
-              <a:rect l="0" t="0" r="r" b="b"/>
-              <a:pathLst>
-                <a:path w="21600" h="21600" extrusionOk="0">
-                  <a:moveTo>
-                    <a:pt x="11520" y="21600"/>
-                  </a:moveTo>
-                  <a:lnTo>
-                    <a:pt x="21600" y="8400"/>
-                  </a:lnTo>
-                  <a:lnTo>
-                    <a:pt x="12960" y="8400"/>
-                  </a:lnTo>
-                  <a:lnTo>
-                    <a:pt x="18720" y="0"/>
-                  </a:lnTo>
-                  <a:lnTo>
-                    <a:pt x="11520" y="0"/>
-                  </a:lnTo>
-                  <a:lnTo>
-                    <a:pt x="0" y="13200"/>
-                  </a:lnTo>
-                  <a:lnTo>
-                    <a:pt x="10080" y="13200"/>
-                  </a:lnTo>
-                  <a:lnTo>
-                    <a:pt x="11520" y="21600"/>
-                  </a:lnTo>
-                  <a:close/>
-                </a:path>
-              </a:pathLst>
-            </a:custGeom>
-            <a:grpFill/>
-            <a:ln w="3175" cap="flat">
-              <a:noFill/>
-              <a:miter lim="400000"/>
-            </a:ln>
-            <a:effectLst/>
-          </p:spPr>
-          <p:txBody>
-            <a:bodyPr wrap="square" lIns="60959" tIns="60959" rIns="60959" bIns="60959" numCol="1" anchor="ctr">
-              <a:noAutofit/>
-            </a:bodyPr>
-            <a:lstStyle/>
-            <a:p>
-              <a:pPr defTabSz="914400">
-                <a:defRPr sz="2600">
-                  <a:solidFill>
-                    <a:srgbClr val="FFFFFF"/>
-                  </a:solidFill>
-                  <a:latin typeface="Calibri"/>
-                  <a:ea typeface="Calibri"/>
-                  <a:cs typeface="Calibri"/>
-                  <a:sym typeface="Calibri"/>
-                </a:defRPr>
-              </a:pPr>
-              <a:endParaRPr/>
-            </a:p>
-          </p:txBody>
-        </p:sp>
-        <p:sp>
-          <p:nvSpPr>
-            <p:cNvPr id="83" name="Shape 192"/>
-            <p:cNvSpPr/>
-            <p:nvPr/>
-          </p:nvSpPr>
-          <p:spPr>
-            <a:xfrm>
-              <a:off x="531870" y="1370755"/>
-              <a:ext cx="25946" cy="34594"/>
-            </a:xfrm>
-            <a:custGeom>
-              <a:avLst/>
-              <a:gdLst/>
-              <a:ahLst/>
-              <a:cxnLst>
-                <a:cxn ang="0">
-                  <a:pos x="wd2" y="hd2"/>
-                </a:cxn>
-                <a:cxn ang="5400000">
-                  <a:pos x="wd2" y="hd2"/>
-                </a:cxn>
-                <a:cxn ang="10800000">
-                  <a:pos x="wd2" y="hd2"/>
-                </a:cxn>
-                <a:cxn ang="16200000">
-                  <a:pos x="wd2" y="hd2"/>
-                </a:cxn>
-              </a:cxnLst>
-              <a:rect l="0" t="0" r="r" b="b"/>
-              <a:pathLst>
-                <a:path w="21600" h="21600" extrusionOk="0">
-                  <a:moveTo>
-                    <a:pt x="3600" y="21600"/>
-                  </a:moveTo>
-                  <a:lnTo>
-                    <a:pt x="21600" y="13500"/>
-                  </a:lnTo>
-                  <a:lnTo>
-                    <a:pt x="14400" y="0"/>
-                  </a:lnTo>
-                  <a:lnTo>
-                    <a:pt x="0" y="8100"/>
-                  </a:lnTo>
-                  <a:lnTo>
-                    <a:pt x="3600" y="21600"/>
-                  </a:lnTo>
-                  <a:close/>
-                </a:path>
-              </a:pathLst>
-            </a:custGeom>
-            <a:grpFill/>
-            <a:ln w="3175" cap="flat">
-              <a:noFill/>
-              <a:miter lim="400000"/>
-            </a:ln>
-            <a:effectLst/>
-          </p:spPr>
-          <p:txBody>
-            <a:bodyPr wrap="square" lIns="60959" tIns="60959" rIns="60959" bIns="60959" numCol="1" anchor="ctr">
-              <a:noAutofit/>
-            </a:bodyPr>
-            <a:lstStyle/>
-            <a:p>
-              <a:pPr defTabSz="914400">
-                <a:defRPr sz="2600">
-                  <a:solidFill>
-                    <a:srgbClr val="FFFFFF"/>
-                  </a:solidFill>
-                  <a:latin typeface="Calibri"/>
-                  <a:ea typeface="Calibri"/>
-                  <a:cs typeface="Calibri"/>
-                  <a:sym typeface="Calibri"/>
-                </a:defRPr>
-              </a:pPr>
-              <a:endParaRPr/>
-            </a:p>
-          </p:txBody>
-        </p:sp>
-        <p:sp>
-          <p:nvSpPr>
-            <p:cNvPr id="84" name="Shape 193"/>
-            <p:cNvSpPr/>
-            <p:nvPr/>
-          </p:nvSpPr>
-          <p:spPr>
-            <a:xfrm>
-              <a:off x="389173" y="1660473"/>
-              <a:ext cx="307015" cy="237829"/>
-            </a:xfrm>
-            <a:custGeom>
-              <a:avLst/>
-              <a:gdLst/>
-              <a:ahLst/>
-              <a:cxnLst>
-                <a:cxn ang="0">
-                  <a:pos x="wd2" y="hd2"/>
-                </a:cxn>
-                <a:cxn ang="5400000">
-                  <a:pos x="wd2" y="hd2"/>
-                </a:cxn>
-                <a:cxn ang="10800000">
-                  <a:pos x="wd2" y="hd2"/>
-                </a:cxn>
-                <a:cxn ang="16200000">
-                  <a:pos x="wd2" y="hd2"/>
-                </a:cxn>
-              </a:cxnLst>
-              <a:rect l="0" t="0" r="r" b="b"/>
-              <a:pathLst>
-                <a:path w="21600" h="21600" extrusionOk="0">
-                  <a:moveTo>
-                    <a:pt x="5780" y="21600"/>
-                  </a:moveTo>
-                  <a:lnTo>
-                    <a:pt x="913" y="16495"/>
-                  </a:lnTo>
-                  <a:lnTo>
-                    <a:pt x="2738" y="14531"/>
-                  </a:lnTo>
-                  <a:lnTo>
-                    <a:pt x="2434" y="12960"/>
-                  </a:lnTo>
-                  <a:lnTo>
-                    <a:pt x="0" y="13353"/>
-                  </a:lnTo>
-                  <a:lnTo>
-                    <a:pt x="1521" y="10604"/>
-                  </a:lnTo>
-                  <a:lnTo>
-                    <a:pt x="4259" y="9425"/>
-                  </a:lnTo>
-                  <a:lnTo>
-                    <a:pt x="4868" y="5105"/>
-                  </a:lnTo>
-                  <a:lnTo>
-                    <a:pt x="6693" y="3142"/>
-                  </a:lnTo>
-                  <a:lnTo>
-                    <a:pt x="8823" y="5105"/>
-                  </a:lnTo>
-                  <a:lnTo>
-                    <a:pt x="12777" y="4713"/>
-                  </a:lnTo>
-                  <a:lnTo>
-                    <a:pt x="17037" y="0"/>
-                  </a:lnTo>
-                  <a:lnTo>
-                    <a:pt x="20687" y="2749"/>
-                  </a:lnTo>
-                  <a:lnTo>
-                    <a:pt x="20687" y="4713"/>
-                  </a:lnTo>
-                  <a:lnTo>
-                    <a:pt x="21600" y="7462"/>
-                  </a:lnTo>
-                  <a:lnTo>
-                    <a:pt x="20992" y="9818"/>
-                  </a:lnTo>
-                  <a:lnTo>
-                    <a:pt x="18558" y="10604"/>
-                  </a:lnTo>
-                  <a:lnTo>
-                    <a:pt x="17037" y="14531"/>
-                  </a:lnTo>
-                  <a:lnTo>
-                    <a:pt x="14603" y="14531"/>
-                  </a:lnTo>
-                  <a:lnTo>
-                    <a:pt x="15211" y="12567"/>
-                  </a:lnTo>
-                  <a:lnTo>
-                    <a:pt x="10344" y="12567"/>
-                  </a:lnTo>
-                  <a:lnTo>
-                    <a:pt x="7301" y="16887"/>
-                  </a:lnTo>
-                  <a:lnTo>
-                    <a:pt x="6997" y="21207"/>
-                  </a:lnTo>
-                  <a:lnTo>
-                    <a:pt x="5780" y="21600"/>
-                  </a:lnTo>
-                  <a:close/>
-                </a:path>
-              </a:pathLst>
-            </a:custGeom>
-            <a:grpFill/>
-            <a:ln w="3175" cap="flat">
-              <a:noFill/>
-              <a:miter lim="400000"/>
-            </a:ln>
-            <a:effectLst/>
-          </p:spPr>
-          <p:txBody>
-            <a:bodyPr wrap="square" lIns="60959" tIns="60959" rIns="60959" bIns="60959" numCol="1" anchor="ctr">
-              <a:noAutofit/>
-            </a:bodyPr>
-            <a:lstStyle/>
-            <a:p>
-              <a:pPr defTabSz="914400">
-                <a:defRPr sz="2600">
-                  <a:solidFill>
-                    <a:srgbClr val="FFFFFF"/>
-                  </a:solidFill>
-                  <a:latin typeface="Calibri"/>
-                  <a:ea typeface="Calibri"/>
-                  <a:cs typeface="Calibri"/>
-                  <a:sym typeface="Calibri"/>
-                </a:defRPr>
-              </a:pPr>
-              <a:endParaRPr/>
-            </a:p>
-          </p:txBody>
-        </p:sp>
-        <p:sp>
-          <p:nvSpPr>
-            <p:cNvPr id="85" name="Shape 194"/>
-            <p:cNvSpPr/>
-            <p:nvPr/>
-          </p:nvSpPr>
-          <p:spPr>
-            <a:xfrm>
-              <a:off x="56213" y="1703714"/>
-              <a:ext cx="315664" cy="428092"/>
-            </a:xfrm>
-            <a:custGeom>
-              <a:avLst/>
-              <a:gdLst/>
-              <a:ahLst/>
-              <a:cxnLst>
-                <a:cxn ang="0">
-                  <a:pos x="wd2" y="hd2"/>
-                </a:cxn>
-                <a:cxn ang="5400000">
-                  <a:pos x="wd2" y="hd2"/>
-                </a:cxn>
-                <a:cxn ang="10800000">
-                  <a:pos x="wd2" y="hd2"/>
-                </a:cxn>
-                <a:cxn ang="16200000">
-                  <a:pos x="wd2" y="hd2"/>
-                </a:cxn>
-              </a:cxnLst>
-              <a:rect l="0" t="0" r="r" b="b"/>
-              <a:pathLst>
-                <a:path w="21600" h="21600" extrusionOk="0">
-                  <a:moveTo>
-                    <a:pt x="11540" y="19418"/>
-                  </a:moveTo>
-                  <a:lnTo>
-                    <a:pt x="11836" y="21164"/>
-                  </a:lnTo>
-                  <a:lnTo>
-                    <a:pt x="7397" y="21600"/>
-                  </a:lnTo>
-                  <a:lnTo>
-                    <a:pt x="9173" y="18327"/>
-                  </a:lnTo>
-                  <a:lnTo>
-                    <a:pt x="8581" y="17673"/>
-                  </a:lnTo>
-                  <a:lnTo>
-                    <a:pt x="6805" y="19200"/>
-                  </a:lnTo>
-                  <a:lnTo>
-                    <a:pt x="6805" y="21382"/>
-                  </a:lnTo>
-                  <a:lnTo>
-                    <a:pt x="4734" y="20073"/>
-                  </a:lnTo>
-                  <a:lnTo>
-                    <a:pt x="5030" y="18764"/>
-                  </a:lnTo>
-                  <a:lnTo>
-                    <a:pt x="4438" y="16800"/>
-                  </a:lnTo>
-                  <a:lnTo>
-                    <a:pt x="3551" y="15709"/>
-                  </a:lnTo>
-                  <a:lnTo>
-                    <a:pt x="5622" y="15927"/>
-                  </a:lnTo>
-                  <a:lnTo>
-                    <a:pt x="4734" y="15491"/>
-                  </a:lnTo>
-                  <a:lnTo>
-                    <a:pt x="4438" y="13964"/>
-                  </a:lnTo>
-                  <a:lnTo>
-                    <a:pt x="7989" y="11127"/>
-                  </a:lnTo>
-                  <a:lnTo>
-                    <a:pt x="8581" y="10473"/>
-                  </a:lnTo>
-                  <a:lnTo>
-                    <a:pt x="7101" y="9164"/>
-                  </a:lnTo>
-                  <a:lnTo>
-                    <a:pt x="7693" y="6982"/>
-                  </a:lnTo>
-                  <a:lnTo>
-                    <a:pt x="6214" y="5455"/>
-                  </a:lnTo>
-                  <a:lnTo>
-                    <a:pt x="5030" y="6982"/>
-                  </a:lnTo>
-                  <a:lnTo>
-                    <a:pt x="5918" y="9382"/>
-                  </a:lnTo>
-                  <a:lnTo>
-                    <a:pt x="1184" y="10036"/>
-                  </a:lnTo>
-                  <a:lnTo>
-                    <a:pt x="2071" y="8945"/>
-                  </a:lnTo>
-                  <a:lnTo>
-                    <a:pt x="0" y="6982"/>
-                  </a:lnTo>
-                  <a:lnTo>
-                    <a:pt x="3255" y="5891"/>
-                  </a:lnTo>
-                  <a:lnTo>
-                    <a:pt x="296" y="5236"/>
-                  </a:lnTo>
-                  <a:lnTo>
-                    <a:pt x="888" y="3709"/>
-                  </a:lnTo>
-                  <a:lnTo>
-                    <a:pt x="3255" y="4145"/>
-                  </a:lnTo>
-                  <a:lnTo>
-                    <a:pt x="5030" y="2400"/>
-                  </a:lnTo>
-                  <a:lnTo>
-                    <a:pt x="8581" y="2618"/>
-                  </a:lnTo>
-                  <a:lnTo>
-                    <a:pt x="8877" y="655"/>
-                  </a:lnTo>
-                  <a:lnTo>
-                    <a:pt x="9468" y="0"/>
-                  </a:lnTo>
-                  <a:lnTo>
-                    <a:pt x="12427" y="873"/>
-                  </a:lnTo>
-                  <a:lnTo>
-                    <a:pt x="13019" y="2836"/>
-                  </a:lnTo>
-                  <a:lnTo>
-                    <a:pt x="15682" y="3491"/>
-                  </a:lnTo>
-                  <a:lnTo>
-                    <a:pt x="18345" y="2836"/>
-                  </a:lnTo>
-                  <a:lnTo>
-                    <a:pt x="19233" y="4582"/>
-                  </a:lnTo>
-                  <a:lnTo>
-                    <a:pt x="16866" y="4582"/>
-                  </a:lnTo>
-                  <a:lnTo>
-                    <a:pt x="16274" y="5673"/>
-                  </a:lnTo>
-                  <a:lnTo>
-                    <a:pt x="18345" y="5673"/>
-                  </a:lnTo>
-                  <a:lnTo>
-                    <a:pt x="21600" y="8073"/>
-                  </a:lnTo>
-                  <a:lnTo>
-                    <a:pt x="20416" y="8945"/>
-                  </a:lnTo>
-                  <a:lnTo>
-                    <a:pt x="20416" y="10036"/>
-                  </a:lnTo>
-                  <a:lnTo>
-                    <a:pt x="18345" y="10473"/>
-                  </a:lnTo>
-                  <a:lnTo>
-                    <a:pt x="18345" y="12000"/>
-                  </a:lnTo>
-                  <a:lnTo>
-                    <a:pt x="16274" y="13964"/>
-                  </a:lnTo>
-                  <a:lnTo>
-                    <a:pt x="15386" y="16145"/>
-                  </a:lnTo>
-                  <a:lnTo>
-                    <a:pt x="14795" y="17891"/>
-                  </a:lnTo>
-                  <a:lnTo>
-                    <a:pt x="14203" y="19855"/>
-                  </a:lnTo>
-                  <a:lnTo>
-                    <a:pt x="11540" y="19418"/>
-                  </a:lnTo>
-                  <a:close/>
-                </a:path>
-              </a:pathLst>
-            </a:custGeom>
-            <a:grpFill/>
-            <a:ln w="3175" cap="flat">
-              <a:noFill/>
-              <a:miter lim="400000"/>
-            </a:ln>
-            <a:effectLst/>
-          </p:spPr>
-          <p:txBody>
-            <a:bodyPr wrap="square" lIns="60959" tIns="60959" rIns="60959" bIns="60959" numCol="1" anchor="ctr">
-              <a:noAutofit/>
-            </a:bodyPr>
-            <a:lstStyle/>
-            <a:p>
-              <a:pPr defTabSz="914400">
-                <a:defRPr sz="2600">
-                  <a:solidFill>
-                    <a:srgbClr val="FFFFFF"/>
-                  </a:solidFill>
-                  <a:latin typeface="Calibri"/>
-                  <a:ea typeface="Calibri"/>
-                  <a:cs typeface="Calibri"/>
-                  <a:sym typeface="Calibri"/>
-                </a:defRPr>
-              </a:pPr>
-              <a:endParaRPr/>
-            </a:p>
-          </p:txBody>
-        </p:sp>
-        <p:sp>
-          <p:nvSpPr>
-            <p:cNvPr id="86" name="Shape 195"/>
-            <p:cNvSpPr/>
-            <p:nvPr/>
-          </p:nvSpPr>
-          <p:spPr>
-            <a:xfrm>
-              <a:off x="0" y="1816142"/>
-              <a:ext cx="8649" cy="43243"/>
-            </a:xfrm>
-            <a:custGeom>
-              <a:avLst/>
-              <a:gdLst/>
-              <a:ahLst/>
-              <a:cxnLst>
-                <a:cxn ang="0">
-                  <a:pos x="wd2" y="hd2"/>
-                </a:cxn>
-                <a:cxn ang="5400000">
-                  <a:pos x="wd2" y="hd2"/>
-                </a:cxn>
-                <a:cxn ang="10800000">
-                  <a:pos x="wd2" y="hd2"/>
-                </a:cxn>
-                <a:cxn ang="16200000">
-                  <a:pos x="wd2" y="hd2"/>
-                </a:cxn>
-              </a:cxnLst>
-              <a:rect l="0" t="0" r="r" b="b"/>
-              <a:pathLst>
-                <a:path w="21600" h="21600" extrusionOk="0">
-                  <a:moveTo>
-                    <a:pt x="0" y="21600"/>
-                  </a:moveTo>
-                  <a:lnTo>
-                    <a:pt x="21600" y="0"/>
-                  </a:lnTo>
-                  <a:lnTo>
-                    <a:pt x="0" y="21600"/>
-                  </a:lnTo>
-                  <a:close/>
-                </a:path>
-              </a:pathLst>
-            </a:custGeom>
-            <a:grpFill/>
-            <a:ln w="3175" cap="flat">
-              <a:noFill/>
-              <a:miter lim="400000"/>
-            </a:ln>
-            <a:effectLst/>
-          </p:spPr>
-          <p:txBody>
-            <a:bodyPr wrap="square" lIns="60959" tIns="60959" rIns="60959" bIns="60959" numCol="1" anchor="ctr">
-              <a:noAutofit/>
-            </a:bodyPr>
-            <a:lstStyle/>
-            <a:p>
-              <a:pPr defTabSz="914400">
-                <a:defRPr sz="2600">
-                  <a:solidFill>
-                    <a:srgbClr val="FFFFFF"/>
-                  </a:solidFill>
-                  <a:latin typeface="Calibri"/>
-                  <a:ea typeface="Calibri"/>
-                  <a:cs typeface="Calibri"/>
-                  <a:sym typeface="Calibri"/>
-                </a:defRPr>
-              </a:pPr>
-              <a:endParaRPr/>
-            </a:p>
-          </p:txBody>
-        </p:sp>
-        <p:sp>
-          <p:nvSpPr>
-            <p:cNvPr id="87" name="Shape 196"/>
-            <p:cNvSpPr/>
-            <p:nvPr/>
-          </p:nvSpPr>
-          <p:spPr>
-            <a:xfrm>
-              <a:off x="90806" y="1919921"/>
-              <a:ext cx="73512" cy="43243"/>
-            </a:xfrm>
-            <a:custGeom>
-              <a:avLst/>
-              <a:gdLst/>
-              <a:ahLst/>
-              <a:cxnLst>
-                <a:cxn ang="0">
-                  <a:pos x="wd2" y="hd2"/>
-                </a:cxn>
-                <a:cxn ang="5400000">
-                  <a:pos x="wd2" y="hd2"/>
-                </a:cxn>
-                <a:cxn ang="10800000">
-                  <a:pos x="wd2" y="hd2"/>
-                </a:cxn>
-                <a:cxn ang="16200000">
-                  <a:pos x="wd2" y="hd2"/>
-                </a:cxn>
-              </a:cxnLst>
-              <a:rect l="0" t="0" r="r" b="b"/>
-              <a:pathLst>
-                <a:path w="21600" h="21600" extrusionOk="0">
-                  <a:moveTo>
-                    <a:pt x="5082" y="21600"/>
-                  </a:moveTo>
-                  <a:lnTo>
-                    <a:pt x="11435" y="15120"/>
-                  </a:lnTo>
-                  <a:lnTo>
-                    <a:pt x="20329" y="15120"/>
-                  </a:lnTo>
-                  <a:lnTo>
-                    <a:pt x="21600" y="4320"/>
-                  </a:lnTo>
-                  <a:lnTo>
-                    <a:pt x="15247" y="8640"/>
-                  </a:lnTo>
-                  <a:lnTo>
-                    <a:pt x="12706" y="0"/>
-                  </a:lnTo>
-                  <a:lnTo>
-                    <a:pt x="5082" y="0"/>
-                  </a:lnTo>
-                  <a:lnTo>
-                    <a:pt x="5082" y="10800"/>
-                  </a:lnTo>
-                  <a:lnTo>
-                    <a:pt x="0" y="19440"/>
-                  </a:lnTo>
-                  <a:lnTo>
-                    <a:pt x="5082" y="21600"/>
-                  </a:lnTo>
-                  <a:close/>
-                </a:path>
-              </a:pathLst>
-            </a:custGeom>
-            <a:grpFill/>
-            <a:ln w="3175" cap="flat">
-              <a:noFill/>
-              <a:miter lim="400000"/>
-            </a:ln>
-            <a:effectLst/>
-          </p:spPr>
-          <p:txBody>
-            <a:bodyPr wrap="square" lIns="60959" tIns="60959" rIns="60959" bIns="60959" numCol="1" anchor="ctr">
-              <a:noAutofit/>
-            </a:bodyPr>
-            <a:lstStyle/>
-            <a:p>
-              <a:pPr defTabSz="914400">
-                <a:defRPr sz="2600">
-                  <a:solidFill>
-                    <a:srgbClr val="FFFFFF"/>
-                  </a:solidFill>
-                  <a:latin typeface="Calibri"/>
-                  <a:ea typeface="Calibri"/>
-                  <a:cs typeface="Calibri"/>
-                  <a:sym typeface="Calibri"/>
-                </a:defRPr>
-              </a:pPr>
-              <a:endParaRPr/>
-            </a:p>
-          </p:txBody>
-        </p:sp>
-        <p:sp>
-          <p:nvSpPr>
-            <p:cNvPr id="88" name="Shape 197"/>
-            <p:cNvSpPr/>
-            <p:nvPr/>
-          </p:nvSpPr>
-          <p:spPr>
-            <a:xfrm>
-              <a:off x="190262" y="2175046"/>
-              <a:ext cx="38918" cy="64863"/>
-            </a:xfrm>
-            <a:custGeom>
-              <a:avLst/>
-              <a:gdLst/>
-              <a:ahLst/>
-              <a:cxnLst>
-                <a:cxn ang="0">
-                  <a:pos x="wd2" y="hd2"/>
-                </a:cxn>
-                <a:cxn ang="5400000">
-                  <a:pos x="wd2" y="hd2"/>
-                </a:cxn>
-                <a:cxn ang="10800000">
-                  <a:pos x="wd2" y="hd2"/>
-                </a:cxn>
-                <a:cxn ang="16200000">
-                  <a:pos x="wd2" y="hd2"/>
-                </a:cxn>
-              </a:cxnLst>
-              <a:rect l="0" t="0" r="r" b="b"/>
-              <a:pathLst>
-                <a:path w="21600" h="21600" extrusionOk="0">
-                  <a:moveTo>
-                    <a:pt x="0" y="21600"/>
-                  </a:moveTo>
-                  <a:lnTo>
-                    <a:pt x="2400" y="12960"/>
-                  </a:lnTo>
-                  <a:lnTo>
-                    <a:pt x="16800" y="0"/>
-                  </a:lnTo>
-                  <a:lnTo>
-                    <a:pt x="21600" y="8640"/>
-                  </a:lnTo>
-                  <a:lnTo>
-                    <a:pt x="0" y="21600"/>
-                  </a:lnTo>
-                  <a:close/>
-                </a:path>
-              </a:pathLst>
-            </a:custGeom>
-            <a:grpFill/>
-            <a:ln w="3175" cap="flat">
-              <a:noFill/>
-              <a:miter lim="400000"/>
-            </a:ln>
-            <a:effectLst/>
-          </p:spPr>
-          <p:txBody>
-            <a:bodyPr wrap="square" lIns="60959" tIns="60959" rIns="60959" bIns="60959" numCol="1" anchor="ctr">
-              <a:noAutofit/>
-            </a:bodyPr>
-            <a:lstStyle/>
-            <a:p>
-              <a:pPr defTabSz="914400">
-                <a:defRPr sz="2600">
-                  <a:solidFill>
-                    <a:srgbClr val="FFFFFF"/>
-                  </a:solidFill>
-                  <a:latin typeface="Calibri"/>
-                  <a:ea typeface="Calibri"/>
-                  <a:cs typeface="Calibri"/>
-                  <a:sym typeface="Calibri"/>
-                </a:defRPr>
-              </a:pPr>
-              <a:endParaRPr/>
-            </a:p>
-          </p:txBody>
-        </p:sp>
-        <p:sp>
-          <p:nvSpPr>
-            <p:cNvPr id="89" name="Shape 198"/>
-            <p:cNvSpPr/>
-            <p:nvPr/>
-          </p:nvSpPr>
-          <p:spPr>
-            <a:xfrm>
-              <a:off x="138372" y="2218288"/>
-              <a:ext cx="34594" cy="34594"/>
-            </a:xfrm>
-            <a:custGeom>
-              <a:avLst/>
-              <a:gdLst/>
-              <a:ahLst/>
-              <a:cxnLst>
-                <a:cxn ang="0">
-                  <a:pos x="wd2" y="hd2"/>
-                </a:cxn>
-                <a:cxn ang="5400000">
-                  <a:pos x="wd2" y="hd2"/>
-                </a:cxn>
-                <a:cxn ang="10800000">
-                  <a:pos x="wd2" y="hd2"/>
-                </a:cxn>
-                <a:cxn ang="16200000">
-                  <a:pos x="wd2" y="hd2"/>
-                </a:cxn>
-              </a:cxnLst>
-              <a:rect l="0" t="0" r="r" b="b"/>
-              <a:pathLst>
-                <a:path w="21600" h="21600" extrusionOk="0">
-                  <a:moveTo>
-                    <a:pt x="10800" y="0"/>
-                  </a:moveTo>
-                  <a:lnTo>
-                    <a:pt x="21600" y="13500"/>
-                  </a:lnTo>
-                  <a:lnTo>
-                    <a:pt x="0" y="21600"/>
-                  </a:lnTo>
-                  <a:lnTo>
-                    <a:pt x="10800" y="0"/>
-                  </a:lnTo>
-                  <a:close/>
-                </a:path>
-              </a:pathLst>
-            </a:custGeom>
-            <a:grpFill/>
-            <a:ln w="3175" cap="flat">
-              <a:noFill/>
-              <a:miter lim="400000"/>
-            </a:ln>
-            <a:effectLst/>
-          </p:spPr>
-          <p:txBody>
-            <a:bodyPr wrap="square" lIns="60959" tIns="60959" rIns="60959" bIns="60959" numCol="1" anchor="ctr">
-              <a:noAutofit/>
-            </a:bodyPr>
-            <a:lstStyle/>
-            <a:p>
-              <a:pPr defTabSz="914400">
-                <a:defRPr sz="2600">
-                  <a:solidFill>
-                    <a:srgbClr val="FFFFFF"/>
-                  </a:solidFill>
-                  <a:latin typeface="Calibri"/>
-                  <a:ea typeface="Calibri"/>
-                  <a:cs typeface="Calibri"/>
-                  <a:sym typeface="Calibri"/>
-                </a:defRPr>
-              </a:pPr>
-              <a:endParaRPr/>
-            </a:p>
-          </p:txBody>
-        </p:sp>
-      </p:grpSp>
       <p:sp>
         <p:nvSpPr>
           <p:cNvPr id="90" name="Shape 187"/>
@@ -53983,47 +52823,6 @@
           </a:p>
         </p:txBody>
       </p:sp>
-      <p:pic>
-        <p:nvPicPr>
-          <p:cNvPr id="2049" name="Picture 1" descr="C://Users/xubingbing.KINGSOFT/AppData/Local/YNote/data/qq7170EB153EE0432A3D832011A5A45567/4e0e39690ae7430b96803695ae43c064/clipboard.png"/>
-          <p:cNvPicPr>
-            <a:picLocks noChangeAspect="1" noChangeArrowheads="1"/>
-          </p:cNvPicPr>
-          <p:nvPr/>
-        </p:nvPicPr>
-        <p:blipFill>
-          <a:blip r:embed="rId3">
-            <a:extLst>
-              <a:ext uri="{28A0092B-C50C-407E-A947-70E740481C1C}">
-                <a14:useLocalDpi xmlns:a14="http://schemas.microsoft.com/office/drawing/2010/main" val="0"/>
-              </a:ext>
-            </a:extLst>
-          </a:blip>
-          <a:srcRect/>
-          <a:stretch>
-            <a:fillRect/>
-          </a:stretch>
-        </p:blipFill>
-        <p:spPr bwMode="auto">
-          <a:xfrm>
-            <a:off x="857662" y="2936049"/>
-            <a:ext cx="3895231" cy="1174383"/>
-          </a:xfrm>
-          <a:prstGeom prst="rect">
-            <a:avLst/>
-          </a:prstGeom>
-          <a:noFill/>
-          <a:extLst>
-            <a:ext uri="{909E8E84-426E-40DD-AFC4-6F175D3DCCD1}">
-              <a14:hiddenFill xmlns:a14="http://schemas.microsoft.com/office/drawing/2010/main">
-                <a:solidFill>
-                  <a:srgbClr val="FFFFFF"/>
-                </a:solidFill>
-              </a14:hiddenFill>
-            </a:ext>
-          </a:extLst>
-        </p:spPr>
-      </p:pic>
       <p:sp>
         <p:nvSpPr>
           <p:cNvPr id="3" name="矩形 2"/>
@@ -54032,7 +52831,7 @@
         </p:nvSpPr>
         <p:spPr>
           <a:xfrm>
-            <a:off x="9125238" y="3730140"/>
+            <a:off x="7488769" y="4856389"/>
             <a:ext cx="2031325" cy="369332"/>
           </a:xfrm>
           <a:prstGeom prst="rect">
@@ -54067,15 +52866,13 @@
             <a:r>
               <a:rPr lang="zh-CN" altLang="en-US" dirty="0">
                 <a:solidFill>
-                  <a:schemeClr val="bg1">
-                    <a:lumMod val="65000"/>
-                  </a:schemeClr>
-                </a:solidFill>
-              </a:rPr>
-              <a:t>白色</a:t>
-            </a:r>
-            <a:r>
-              <a:rPr lang="zh-CN" altLang="en-US" dirty="0" smtClean="0">
+                  <a:schemeClr val="accent1"/>
+                </a:solidFill>
+              </a:rPr>
+              <a:t>蓝色</a:t>
+            </a:r>
+            <a:r>
+              <a:rPr lang="zh-CN" altLang="en-US" dirty="0">
                 <a:solidFill>
                   <a:schemeClr val="tx1">
                     <a:lumMod val="50000"/>
@@ -54092,7 +52889,6 @@
                   <a:lumOff val="50000"/>
                 </a:schemeClr>
               </a:solidFill>
-              <a:effectLst/>
             </a:endParaRPr>
           </a:p>
         </p:txBody>
@@ -54105,7 +52901,7 @@
         </p:nvSpPr>
         <p:spPr>
           <a:xfrm>
-            <a:off x="5160028" y="3726979"/>
+            <a:off x="2888972" y="4856389"/>
             <a:ext cx="2031325" cy="369332"/>
           </a:xfrm>
           <a:prstGeom prst="rect">
@@ -54135,26 +52931,17 @@
                   </a:schemeClr>
                 </a:solidFill>
               </a:rPr>
-              <a:t>盒子</a:t>
-            </a:r>
-            <a:r>
-              <a:rPr lang="zh-CN" altLang="en-US" dirty="0" smtClean="0">
-                <a:solidFill>
-                  <a:schemeClr val="tx1">
-                    <a:lumMod val="50000"/>
-                    <a:lumOff val="50000"/>
+              <a:t>盒子，</a:t>
+            </a:r>
+            <a:r>
+              <a:rPr lang="zh-CN" altLang="en-US" dirty="0">
+                <a:solidFill>
+                  <a:schemeClr val="bg1">
+                    <a:lumMod val="65000"/>
                   </a:schemeClr>
                 </a:solidFill>
               </a:rPr>
-              <a:t>，</a:t>
-            </a:r>
-            <a:r>
-              <a:rPr lang="zh-CN" altLang="en-US" dirty="0">
-                <a:solidFill>
-                  <a:schemeClr val="accent1"/>
-                </a:solidFill>
-              </a:rPr>
-              <a:t>蓝色</a:t>
+              <a:t>白色</a:t>
             </a:r>
             <a:r>
               <a:rPr lang="zh-CN" altLang="en-US" dirty="0" smtClean="0">
@@ -54174,11 +52961,58 @@
                   <a:lumOff val="50000"/>
                 </a:schemeClr>
               </a:solidFill>
-              <a:effectLst/>
             </a:endParaRPr>
           </a:p>
         </p:txBody>
       </p:sp>
+      <p:pic>
+        <p:nvPicPr>
+          <p:cNvPr id="4" name="图片 3"/>
+          <p:cNvPicPr>
+            <a:picLocks noChangeAspect="1"/>
+          </p:cNvPicPr>
+          <p:nvPr/>
+        </p:nvPicPr>
+        <p:blipFill>
+          <a:blip r:embed="rId3"/>
+          <a:stretch>
+            <a:fillRect/>
+          </a:stretch>
+        </p:blipFill>
+        <p:spPr>
+          <a:xfrm>
+            <a:off x="2648332" y="2951964"/>
+            <a:ext cx="2209524" cy="1504762"/>
+          </a:xfrm>
+          <a:prstGeom prst="rect">
+            <a:avLst/>
+          </a:prstGeom>
+        </p:spPr>
+      </p:pic>
+      <p:pic>
+        <p:nvPicPr>
+          <p:cNvPr id="8" name="图片 7"/>
+          <p:cNvPicPr>
+            <a:picLocks noChangeAspect="1"/>
+          </p:cNvPicPr>
+          <p:nvPr/>
+        </p:nvPicPr>
+        <p:blipFill>
+          <a:blip r:embed="rId4"/>
+          <a:stretch>
+            <a:fillRect/>
+          </a:stretch>
+        </p:blipFill>
+        <p:spPr>
+          <a:xfrm>
+            <a:off x="7309085" y="2913869"/>
+            <a:ext cx="2209524" cy="1580952"/>
+          </a:xfrm>
+          <a:prstGeom prst="rect">
+            <a:avLst/>
+          </a:prstGeom>
+        </p:spPr>
+      </p:pic>
     </p:spTree>
     <p:extLst>
       <p:ext uri="{BB962C8B-B14F-4D97-AF65-F5344CB8AC3E}">
@@ -54212,6 +53046,745 @@
 </file>
 
 <file path=ppt/slides/slide8.xml><?xml version="1.0" encoding="utf-8"?>
+<p:sld xmlns:a="http://schemas.openxmlformats.org/drawingml/2006/main" xmlns:r="http://schemas.openxmlformats.org/officeDocument/2006/relationships" xmlns:p="http://schemas.openxmlformats.org/presentationml/2006/main">
+  <p:cSld>
+    <p:spTree>
+      <p:nvGrpSpPr>
+        <p:cNvPr id="1" name=""/>
+        <p:cNvGrpSpPr/>
+        <p:nvPr/>
+      </p:nvGrpSpPr>
+      <p:grpSpPr>
+        <a:xfrm>
+          <a:off x="0" y="0"/>
+          <a:ext cx="0" cy="0"/>
+          <a:chOff x="0" y="0"/>
+          <a:chExt cx="0" cy="0"/>
+        </a:xfrm>
+      </p:grpSpPr>
+      <p:sp>
+        <p:nvSpPr>
+          <p:cNvPr id="2" name="文本占位符 1"/>
+          <p:cNvSpPr>
+            <a:spLocks noGrp="1"/>
+          </p:cNvSpPr>
+          <p:nvPr>
+            <p:ph type="body" sz="quarter" idx="10"/>
+          </p:nvPr>
+        </p:nvSpPr>
+        <p:spPr/>
+        <p:txBody>
+          <a:bodyPr/>
+          <a:lstStyle/>
+          <a:p>
+            <a:r>
+              <a:rPr kumimoji="1" lang="en-US" altLang="zh-CN" dirty="0"/>
+              <a:t>PART</a:t>
+            </a:r>
+            <a:r>
+              <a:rPr kumimoji="1" lang="zh-CN" altLang="en-US" dirty="0"/>
+              <a:t> </a:t>
+            </a:r>
+            <a:r>
+              <a:rPr kumimoji="1" lang="en-US" altLang="zh-CN" dirty="0"/>
+              <a:t>TWO </a:t>
+            </a:r>
+            <a:r>
+              <a:rPr kumimoji="1" lang="zh-CN" altLang="en-US" dirty="0"/>
+              <a:t>新版</a:t>
+            </a:r>
+            <a:r>
+              <a:rPr kumimoji="1" lang="en-US" altLang="zh-CN" dirty="0"/>
+              <a:t>Prefab</a:t>
+            </a:r>
+            <a:endParaRPr kumimoji="1" lang="zh-CN" altLang="en-US" dirty="0"/>
+          </a:p>
+        </p:txBody>
+      </p:sp>
+      <p:sp>
+        <p:nvSpPr>
+          <p:cNvPr id="14" name="矩形 13"/>
+          <p:cNvSpPr/>
+          <p:nvPr/>
+        </p:nvSpPr>
+        <p:spPr>
+          <a:xfrm>
+            <a:off x="857307" y="4092155"/>
+            <a:ext cx="2006383" cy="369332"/>
+          </a:xfrm>
+          <a:prstGeom prst="rect">
+            <a:avLst/>
+          </a:prstGeom>
+        </p:spPr>
+        <p:txBody>
+          <a:bodyPr wrap="none">
+            <a:spAutoFit/>
+          </a:bodyPr>
+          <a:lstStyle/>
+          <a:p>
+            <a:pPr algn="ctr"/>
+            <a:r>
+              <a:rPr lang="en-US" altLang="zh-CN" b="1" dirty="0" smtClean="0">
+                <a:solidFill>
+                  <a:srgbClr val="000000">
+                    <a:lumMod val="85000"/>
+                    <a:lumOff val="15000"/>
+                  </a:srgbClr>
+                </a:solidFill>
+                <a:latin typeface="Segoe UI"/>
+              </a:rPr>
+              <a:t>Hierarchy -&gt; “&gt;”</a:t>
+            </a:r>
+            <a:endParaRPr lang="zh-CN" altLang="en-US" b="1" dirty="0">
+              <a:solidFill>
+                <a:srgbClr val="000000">
+                  <a:lumMod val="85000"/>
+                  <a:lumOff val="15000"/>
+                </a:srgbClr>
+              </a:solidFill>
+              <a:latin typeface="Segoe UI"/>
+              <a:ea typeface="微软雅黑"/>
+            </a:endParaRPr>
+          </a:p>
+        </p:txBody>
+      </p:sp>
+      <p:sp>
+        <p:nvSpPr>
+          <p:cNvPr id="15" name="矩形 14"/>
+          <p:cNvSpPr/>
+          <p:nvPr/>
+        </p:nvSpPr>
+        <p:spPr>
+          <a:xfrm>
+            <a:off x="755595" y="4730292"/>
+            <a:ext cx="2594406" cy="1323439"/>
+          </a:xfrm>
+          <a:prstGeom prst="rect">
+            <a:avLst/>
+          </a:prstGeom>
+        </p:spPr>
+        <p:txBody>
+          <a:bodyPr wrap="square">
+            <a:spAutoFit/>
+          </a:bodyPr>
+          <a:lstStyle/>
+          <a:p>
+            <a:r>
+              <a:rPr lang="zh-CN" altLang="en-US" sz="1600" dirty="0">
+                <a:solidFill>
+                  <a:srgbClr val="FFFFFF">
+                    <a:lumMod val="50000"/>
+                  </a:srgbClr>
+                </a:solidFill>
+                <a:latin typeface="微软雅黑" charset="0"/>
+                <a:ea typeface="微软雅黑" charset="0"/>
+              </a:rPr>
+              <a:t>在</a:t>
+            </a:r>
+            <a:r>
+              <a:rPr lang="en-US" altLang="zh-CN" sz="1600" dirty="0">
+                <a:solidFill>
+                  <a:srgbClr val="FFFFFF">
+                    <a:lumMod val="50000"/>
+                  </a:srgbClr>
+                </a:solidFill>
+                <a:latin typeface="微软雅黑" charset="0"/>
+                <a:ea typeface="微软雅黑" charset="0"/>
+              </a:rPr>
+              <a:t>Hierarchy</a:t>
+            </a:r>
+            <a:r>
+              <a:rPr lang="zh-CN" altLang="en-US" sz="1600" dirty="0">
+                <a:solidFill>
+                  <a:srgbClr val="FFFFFF">
+                    <a:lumMod val="50000"/>
+                  </a:srgbClr>
+                </a:solidFill>
+                <a:latin typeface="微软雅黑" charset="0"/>
+                <a:ea typeface="微软雅黑" charset="0"/>
+              </a:rPr>
+              <a:t>面板中，</a:t>
+            </a:r>
+            <a:r>
+              <a:rPr lang="en-US" altLang="zh-CN" sz="1600" dirty="0">
+                <a:solidFill>
+                  <a:srgbClr val="FFFFFF">
+                    <a:lumMod val="50000"/>
+                  </a:srgbClr>
+                </a:solidFill>
+                <a:latin typeface="微软雅黑" charset="0"/>
+                <a:ea typeface="微软雅黑" charset="0"/>
+              </a:rPr>
+              <a:t>Prefab</a:t>
+            </a:r>
+            <a:r>
+              <a:rPr lang="zh-CN" altLang="en-US" sz="1600" dirty="0">
+                <a:solidFill>
+                  <a:srgbClr val="FFFFFF">
+                    <a:lumMod val="50000"/>
+                  </a:srgbClr>
+                </a:solidFill>
+                <a:latin typeface="微软雅黑" charset="0"/>
+                <a:ea typeface="微软雅黑" charset="0"/>
+              </a:rPr>
+              <a:t>对象的最右侧有个向右的小箭头，通过点击此箭头即可进入</a:t>
+            </a:r>
+            <a:r>
+              <a:rPr lang="en-US" altLang="zh-CN" sz="1600" dirty="0">
+                <a:solidFill>
+                  <a:srgbClr val="FFFFFF">
+                    <a:lumMod val="50000"/>
+                  </a:srgbClr>
+                </a:solidFill>
+                <a:latin typeface="微软雅黑" charset="0"/>
+                <a:ea typeface="微软雅黑" charset="0"/>
+              </a:rPr>
+              <a:t>Prefab Mode</a:t>
+            </a:r>
+            <a:r>
+              <a:rPr lang="zh-CN" altLang="en-US" sz="1600" dirty="0">
+                <a:solidFill>
+                  <a:srgbClr val="FFFFFF">
+                    <a:lumMod val="50000"/>
+                  </a:srgbClr>
+                </a:solidFill>
+                <a:latin typeface="微软雅黑" charset="0"/>
+                <a:ea typeface="微软雅黑" charset="0"/>
+              </a:rPr>
+              <a:t>中。</a:t>
+            </a:r>
+          </a:p>
+        </p:txBody>
+      </p:sp>
+      <p:sp>
+        <p:nvSpPr>
+          <p:cNvPr id="16" name="矩形 15"/>
+          <p:cNvSpPr/>
+          <p:nvPr/>
+        </p:nvSpPr>
+        <p:spPr>
+          <a:xfrm>
+            <a:off x="4133017" y="4092155"/>
+            <a:ext cx="2165081" cy="369332"/>
+          </a:xfrm>
+          <a:prstGeom prst="rect">
+            <a:avLst/>
+          </a:prstGeom>
+        </p:spPr>
+        <p:txBody>
+          <a:bodyPr wrap="none">
+            <a:spAutoFit/>
+          </a:bodyPr>
+          <a:lstStyle/>
+          <a:p>
+            <a:pPr algn="ctr"/>
+            <a:r>
+              <a:rPr lang="en-US" altLang="zh-CN" b="1" dirty="0" smtClean="0">
+                <a:solidFill>
+                  <a:srgbClr val="000000">
+                    <a:lumMod val="85000"/>
+                    <a:lumOff val="15000"/>
+                  </a:srgbClr>
+                </a:solidFill>
+                <a:latin typeface="Segoe UI"/>
+              </a:rPr>
+              <a:t>Inspector -&gt; Open</a:t>
+            </a:r>
+            <a:endParaRPr lang="zh-CN" altLang="en-US" b="1" dirty="0">
+              <a:solidFill>
+                <a:srgbClr val="000000">
+                  <a:lumMod val="85000"/>
+                  <a:lumOff val="15000"/>
+                </a:srgbClr>
+              </a:solidFill>
+              <a:latin typeface="Segoe UI"/>
+              <a:ea typeface="微软雅黑"/>
+            </a:endParaRPr>
+          </a:p>
+        </p:txBody>
+      </p:sp>
+      <p:sp>
+        <p:nvSpPr>
+          <p:cNvPr id="17" name="矩形 16"/>
+          <p:cNvSpPr/>
+          <p:nvPr/>
+        </p:nvSpPr>
+        <p:spPr>
+          <a:xfrm>
+            <a:off x="3887608" y="4730292"/>
+            <a:ext cx="3258779" cy="1372683"/>
+          </a:xfrm>
+          <a:prstGeom prst="rect">
+            <a:avLst/>
+          </a:prstGeom>
+        </p:spPr>
+        <p:txBody>
+          <a:bodyPr wrap="square">
+            <a:spAutoFit/>
+          </a:bodyPr>
+          <a:lstStyle/>
+          <a:p>
+            <a:pPr>
+              <a:lnSpc>
+                <a:spcPct val="130000"/>
+              </a:lnSpc>
+            </a:pPr>
+            <a:r>
+              <a:rPr lang="zh-CN" altLang="zh-CN" sz="1600" dirty="0" smtClean="0">
+                <a:solidFill>
+                  <a:srgbClr val="FFFFFF">
+                    <a:lumMod val="50000"/>
+                  </a:srgbClr>
+                </a:solidFill>
+                <a:latin typeface="微软雅黑" charset="0"/>
+                <a:ea typeface="微软雅黑" charset="0"/>
+              </a:rPr>
+              <a:t>在</a:t>
+            </a:r>
+            <a:r>
+              <a:rPr lang="zh-CN" altLang="zh-CN" sz="1600" dirty="0">
+                <a:solidFill>
+                  <a:srgbClr val="FFFFFF">
+                    <a:lumMod val="50000"/>
+                  </a:srgbClr>
+                </a:solidFill>
+                <a:latin typeface="微软雅黑" charset="0"/>
+                <a:ea typeface="微软雅黑" charset="0"/>
+              </a:rPr>
+              <a:t>Hierarchy面板选中Prefab后，在Inspector面板最上方会显示"Open"字样的按钮，点击Open即可进入</a:t>
+            </a:r>
+            <a:endParaRPr lang="zh-CN" altLang="en-US" sz="1600" dirty="0">
+              <a:solidFill>
+                <a:srgbClr val="FFFFFF">
+                  <a:lumMod val="50000"/>
+                </a:srgbClr>
+              </a:solidFill>
+              <a:latin typeface="微软雅黑" charset="0"/>
+              <a:ea typeface="微软雅黑" charset="0"/>
+            </a:endParaRPr>
+          </a:p>
+        </p:txBody>
+      </p:sp>
+      <p:sp>
+        <p:nvSpPr>
+          <p:cNvPr id="18" name="矩形 17"/>
+          <p:cNvSpPr/>
+          <p:nvPr/>
+        </p:nvSpPr>
+        <p:spPr>
+          <a:xfrm>
+            <a:off x="8664705" y="4092155"/>
+            <a:ext cx="1914563" cy="369332"/>
+          </a:xfrm>
+          <a:prstGeom prst="rect">
+            <a:avLst/>
+          </a:prstGeom>
+        </p:spPr>
+        <p:txBody>
+          <a:bodyPr wrap="none">
+            <a:spAutoFit/>
+          </a:bodyPr>
+          <a:lstStyle/>
+          <a:p>
+            <a:pPr algn="ctr"/>
+            <a:r>
+              <a:rPr lang="en-US" altLang="zh-CN" b="1" dirty="0" smtClean="0">
+                <a:solidFill>
+                  <a:srgbClr val="000000">
+                    <a:lumMod val="85000"/>
+                    <a:lumOff val="15000"/>
+                  </a:srgbClr>
+                </a:solidFill>
+                <a:latin typeface="Segoe UI"/>
+                <a:ea typeface="微软雅黑"/>
+              </a:rPr>
+              <a:t>Project -&gt; Open</a:t>
+            </a:r>
+            <a:endParaRPr lang="zh-CN" altLang="en-US" b="1" dirty="0">
+              <a:solidFill>
+                <a:srgbClr val="000000">
+                  <a:lumMod val="85000"/>
+                  <a:lumOff val="15000"/>
+                </a:srgbClr>
+              </a:solidFill>
+              <a:latin typeface="Segoe UI"/>
+              <a:ea typeface="微软雅黑"/>
+            </a:endParaRPr>
+          </a:p>
+        </p:txBody>
+      </p:sp>
+      <p:sp>
+        <p:nvSpPr>
+          <p:cNvPr id="19" name="矩形 18"/>
+          <p:cNvSpPr/>
+          <p:nvPr/>
+        </p:nvSpPr>
+        <p:spPr>
+          <a:xfrm>
+            <a:off x="7683994" y="4730292"/>
+            <a:ext cx="2958994" cy="1077218"/>
+          </a:xfrm>
+          <a:prstGeom prst="rect">
+            <a:avLst/>
+          </a:prstGeom>
+        </p:spPr>
+        <p:txBody>
+          <a:bodyPr wrap="square">
+            <a:spAutoFit/>
+          </a:bodyPr>
+          <a:lstStyle/>
+          <a:p>
+            <a:r>
+              <a:rPr lang="zh-CN" altLang="en-US" sz="1600" dirty="0" smtClean="0">
+                <a:solidFill>
+                  <a:srgbClr val="FFFFFF">
+                    <a:lumMod val="50000"/>
+                  </a:srgbClr>
+                </a:solidFill>
+                <a:latin typeface="微软雅黑" charset="0"/>
+                <a:ea typeface="微软雅黑" charset="0"/>
+              </a:rPr>
+              <a:t>在</a:t>
+            </a:r>
+            <a:r>
+              <a:rPr lang="en-US" altLang="zh-CN" sz="1600" dirty="0">
+                <a:solidFill>
+                  <a:srgbClr val="FFFFFF">
+                    <a:lumMod val="50000"/>
+                  </a:srgbClr>
+                </a:solidFill>
+                <a:latin typeface="微软雅黑" charset="0"/>
+                <a:ea typeface="微软雅黑" charset="0"/>
+              </a:rPr>
+              <a:t>Project</a:t>
+            </a:r>
+            <a:r>
+              <a:rPr lang="zh-CN" altLang="en-US" sz="1600" dirty="0">
+                <a:solidFill>
+                  <a:srgbClr val="FFFFFF">
+                    <a:lumMod val="50000"/>
+                  </a:srgbClr>
+                </a:solidFill>
+                <a:latin typeface="微软雅黑" charset="0"/>
+                <a:ea typeface="微软雅黑" charset="0"/>
+              </a:rPr>
+              <a:t>面板中，选中</a:t>
+            </a:r>
+            <a:r>
+              <a:rPr lang="en-US" altLang="zh-CN" sz="1600" dirty="0">
+                <a:solidFill>
+                  <a:srgbClr val="FFFFFF">
+                    <a:lumMod val="50000"/>
+                  </a:srgbClr>
+                </a:solidFill>
+                <a:latin typeface="微软雅黑" charset="0"/>
+                <a:ea typeface="微软雅黑" charset="0"/>
+              </a:rPr>
+              <a:t>Prefab</a:t>
+            </a:r>
+            <a:r>
+              <a:rPr lang="zh-CN" altLang="en-US" sz="1600" dirty="0">
+                <a:solidFill>
+                  <a:srgbClr val="FFFFFF">
+                    <a:lumMod val="50000"/>
+                  </a:srgbClr>
+                </a:solidFill>
+                <a:latin typeface="微软雅黑" charset="0"/>
+                <a:ea typeface="微软雅黑" charset="0"/>
+              </a:rPr>
+              <a:t>后，在</a:t>
+            </a:r>
+            <a:r>
+              <a:rPr lang="en-US" altLang="zh-CN" sz="1600" dirty="0">
+                <a:solidFill>
+                  <a:srgbClr val="FFFFFF">
+                    <a:lumMod val="50000"/>
+                  </a:srgbClr>
+                </a:solidFill>
+                <a:latin typeface="微软雅黑" charset="0"/>
+                <a:ea typeface="微软雅黑" charset="0"/>
+              </a:rPr>
+              <a:t>Inspector</a:t>
+            </a:r>
+            <a:r>
+              <a:rPr lang="zh-CN" altLang="en-US" sz="1600" dirty="0">
+                <a:solidFill>
+                  <a:srgbClr val="FFFFFF">
+                    <a:lumMod val="50000"/>
+                  </a:srgbClr>
+                </a:solidFill>
+                <a:latin typeface="微软雅黑" charset="0"/>
+                <a:ea typeface="微软雅黑" charset="0"/>
+              </a:rPr>
+              <a:t>面板中会显示</a:t>
+            </a:r>
+            <a:r>
+              <a:rPr lang="en-US" altLang="zh-CN" sz="1600" dirty="0">
+                <a:solidFill>
+                  <a:srgbClr val="FFFFFF">
+                    <a:lumMod val="50000"/>
+                  </a:srgbClr>
+                </a:solidFill>
+                <a:latin typeface="微软雅黑" charset="0"/>
+                <a:ea typeface="微软雅黑" charset="0"/>
+              </a:rPr>
+              <a:t>"Open Prefab"</a:t>
+            </a:r>
+            <a:r>
+              <a:rPr lang="zh-CN" altLang="en-US" sz="1600" dirty="0">
+                <a:solidFill>
+                  <a:srgbClr val="FFFFFF">
+                    <a:lumMod val="50000"/>
+                  </a:srgbClr>
+                </a:solidFill>
+                <a:latin typeface="微软雅黑" charset="0"/>
+                <a:ea typeface="微软雅黑" charset="0"/>
+              </a:rPr>
+              <a:t>字样的按钮，点击即可进入。</a:t>
+            </a:r>
+          </a:p>
+        </p:txBody>
+      </p:sp>
+      <p:sp>
+        <p:nvSpPr>
+          <p:cNvPr id="20" name="矩形 19"/>
+          <p:cNvSpPr/>
+          <p:nvPr/>
+        </p:nvSpPr>
+        <p:spPr>
+          <a:xfrm>
+            <a:off x="289955" y="638084"/>
+            <a:ext cx="5097677" cy="523220"/>
+          </a:xfrm>
+          <a:prstGeom prst="rect">
+            <a:avLst/>
+          </a:prstGeom>
+        </p:spPr>
+        <p:txBody>
+          <a:bodyPr wrap="square">
+            <a:spAutoFit/>
+          </a:bodyPr>
+          <a:lstStyle/>
+          <a:p>
+            <a:r>
+              <a:rPr lang="zh-CN" altLang="en-US" sz="2800" b="1" dirty="0" smtClean="0">
+                <a:solidFill>
+                  <a:srgbClr val="000000"/>
+                </a:solidFill>
+                <a:latin typeface="Segoe UI"/>
+              </a:rPr>
+              <a:t>进入</a:t>
+            </a:r>
+            <a:r>
+              <a:rPr lang="en-US" altLang="zh-CN" sz="2800" b="1" dirty="0" smtClean="0">
+                <a:solidFill>
+                  <a:srgbClr val="000000"/>
+                </a:solidFill>
+                <a:latin typeface="Segoe UI"/>
+              </a:rPr>
+              <a:t>Prefab Mode</a:t>
+            </a:r>
+            <a:r>
+              <a:rPr lang="zh-CN" altLang="en-US" sz="2800" b="1" dirty="0" smtClean="0">
+                <a:solidFill>
+                  <a:srgbClr val="000000"/>
+                </a:solidFill>
+                <a:latin typeface="Segoe UI"/>
+              </a:rPr>
+              <a:t>的三种方法</a:t>
+            </a:r>
+            <a:endParaRPr lang="zh-CN" altLang="en-US" sz="2800" b="1" dirty="0">
+              <a:solidFill>
+                <a:srgbClr val="000000"/>
+              </a:solidFill>
+              <a:latin typeface="Segoe UI"/>
+            </a:endParaRPr>
+          </a:p>
+        </p:txBody>
+      </p:sp>
+      <p:sp>
+        <p:nvSpPr>
+          <p:cNvPr id="21" name="灯片编号占位符 2"/>
+          <p:cNvSpPr>
+            <a:spLocks noGrp="1"/>
+          </p:cNvSpPr>
+          <p:nvPr>
+            <p:ph type="sldNum" sz="quarter" idx="11"/>
+          </p:nvPr>
+        </p:nvSpPr>
+        <p:spPr>
+          <a:xfrm>
+            <a:off x="8610600" y="6356350"/>
+            <a:ext cx="2743200" cy="365125"/>
+          </a:xfrm>
+        </p:spPr>
+        <p:txBody>
+          <a:bodyPr/>
+          <a:lstStyle/>
+          <a:p>
+            <a:r>
+              <a:rPr lang="en-US" altLang="zh-CN" dirty="0" smtClean="0"/>
+              <a:t>9 </a:t>
+            </a:r>
+            <a:r>
+              <a:rPr lang="en-US" altLang="zh-CN" dirty="0" smtClean="0"/>
+              <a:t>/</a:t>
+            </a:r>
+            <a:r>
+              <a:rPr lang="en-US" altLang="zh-CN" dirty="0"/>
+              <a:t>30</a:t>
+            </a:r>
+            <a:endParaRPr lang="zh-CN" altLang="en-US" dirty="0"/>
+          </a:p>
+        </p:txBody>
+      </p:sp>
+      <p:pic>
+        <p:nvPicPr>
+          <p:cNvPr id="22" name="Picture 2" descr="C://Users/xubingbing.KINGSOFT/AppData/Local/YNote/data/qq7170EB153EE0432A3D832011A5A45567/1a06471d244a48f996f6a202c0ed503b/clipboard.png"/>
+          <p:cNvPicPr>
+            <a:picLocks noChangeAspect="1" noChangeArrowheads="1"/>
+          </p:cNvPicPr>
+          <p:nvPr/>
+        </p:nvPicPr>
+        <p:blipFill>
+          <a:blip r:embed="rId3">
+            <a:extLst>
+              <a:ext uri="{28A0092B-C50C-407E-A947-70E740481C1C}">
+                <a14:useLocalDpi xmlns:a14="http://schemas.microsoft.com/office/drawing/2010/main" val="0"/>
+              </a:ext>
+            </a:extLst>
+          </a:blip>
+          <a:srcRect/>
+          <a:stretch>
+            <a:fillRect/>
+          </a:stretch>
+        </p:blipFill>
+        <p:spPr bwMode="auto">
+          <a:xfrm>
+            <a:off x="3891837" y="2314173"/>
+            <a:ext cx="2647950" cy="1476375"/>
+          </a:xfrm>
+          <a:prstGeom prst="rect">
+            <a:avLst/>
+          </a:prstGeom>
+          <a:noFill/>
+          <a:extLst>
+            <a:ext uri="{909E8E84-426E-40DD-AFC4-6F175D3DCCD1}">
+              <a14:hiddenFill xmlns:a14="http://schemas.microsoft.com/office/drawing/2010/main">
+                <a:solidFill>
+                  <a:srgbClr val="FFFFFF"/>
+                </a:solidFill>
+              </a14:hiddenFill>
+            </a:ext>
+          </a:extLst>
+        </p:spPr>
+      </p:pic>
+      <p:pic>
+        <p:nvPicPr>
+          <p:cNvPr id="23" name="Picture 3" descr="C://Users/xubingbing.KINGSOFT/AppData/Local/YNote/data/qq7170EB153EE0432A3D832011A5A45567/fb8380afb1d74eafbab49078d4556791/clipboard.png"/>
+          <p:cNvPicPr>
+            <a:picLocks noChangeAspect="1" noChangeArrowheads="1"/>
+          </p:cNvPicPr>
+          <p:nvPr/>
+        </p:nvPicPr>
+        <p:blipFill>
+          <a:blip r:embed="rId4">
+            <a:extLst>
+              <a:ext uri="{28A0092B-C50C-407E-A947-70E740481C1C}">
+                <a14:useLocalDpi xmlns:a14="http://schemas.microsoft.com/office/drawing/2010/main" val="0"/>
+              </a:ext>
+            </a:extLst>
+          </a:blip>
+          <a:srcRect/>
+          <a:stretch>
+            <a:fillRect/>
+          </a:stretch>
+        </p:blipFill>
+        <p:spPr bwMode="auto">
+          <a:xfrm>
+            <a:off x="755595" y="1399773"/>
+            <a:ext cx="2209800" cy="2390775"/>
+          </a:xfrm>
+          <a:prstGeom prst="rect">
+            <a:avLst/>
+          </a:prstGeom>
+          <a:noFill/>
+          <a:extLst>
+            <a:ext uri="{909E8E84-426E-40DD-AFC4-6F175D3DCCD1}">
+              <a14:hiddenFill xmlns:a14="http://schemas.microsoft.com/office/drawing/2010/main">
+                <a:solidFill>
+                  <a:srgbClr val="FFFFFF"/>
+                </a:solidFill>
+              </a14:hiddenFill>
+            </a:ext>
+          </a:extLst>
+        </p:spPr>
+      </p:pic>
+      <p:pic>
+        <p:nvPicPr>
+          <p:cNvPr id="24" name="Picture 4" descr="C://Users/xubingbing.KINGSOFT/AppData/Local/YNote/data/qq7170EB153EE0432A3D832011A5A45567/f18ed7d3e5234ad295ccd66d738c4e16/clipboard.png"/>
+          <p:cNvPicPr>
+            <a:picLocks noChangeAspect="1" noChangeArrowheads="1"/>
+          </p:cNvPicPr>
+          <p:nvPr/>
+        </p:nvPicPr>
+        <p:blipFill>
+          <a:blip r:embed="rId5">
+            <a:extLst>
+              <a:ext uri="{28A0092B-C50C-407E-A947-70E740481C1C}">
+                <a14:useLocalDpi xmlns:a14="http://schemas.microsoft.com/office/drawing/2010/main" val="0"/>
+              </a:ext>
+            </a:extLst>
+          </a:blip>
+          <a:srcRect/>
+          <a:stretch>
+            <a:fillRect/>
+          </a:stretch>
+        </p:blipFill>
+        <p:spPr bwMode="auto">
+          <a:xfrm>
+            <a:off x="7466229" y="2213034"/>
+            <a:ext cx="4080237" cy="1577514"/>
+          </a:xfrm>
+          <a:prstGeom prst="rect">
+            <a:avLst/>
+          </a:prstGeom>
+          <a:noFill/>
+          <a:extLst>
+            <a:ext uri="{909E8E84-426E-40DD-AFC4-6F175D3DCCD1}">
+              <a14:hiddenFill xmlns:a14="http://schemas.microsoft.com/office/drawing/2010/main">
+                <a:solidFill>
+                  <a:srgbClr val="FFFFFF"/>
+                </a:solidFill>
+              </a14:hiddenFill>
+            </a:ext>
+          </a:extLst>
+        </p:spPr>
+      </p:pic>
+    </p:spTree>
+    <p:extLst>
+      <p:ext uri="{BB962C8B-B14F-4D97-AF65-F5344CB8AC3E}">
+        <p14:creationId xmlns:p14="http://schemas.microsoft.com/office/powerpoint/2010/main" val="1693363378"/>
+      </p:ext>
+    </p:extLst>
+  </p:cSld>
+  <p:clrMapOvr>
+    <a:masterClrMapping/>
+  </p:clrMapOvr>
+  <p:transition spd="slow">
+    <p:push dir="u"/>
+  </p:transition>
+  <p:timing>
+    <p:tnLst>
+      <p:par>
+        <p:cTn id="1" dur="indefinite" restart="never" nodeType="tmRoot"/>
+      </p:par>
+    </p:tnLst>
+  </p:timing>
+</p:sld>
+</file>
+
+<file path=ppt/slides/slide9.xml><?xml version="1.0" encoding="utf-8"?>
 <p:sld xmlns:a="http://schemas.openxmlformats.org/drawingml/2006/main" xmlns:r="http://schemas.openxmlformats.org/officeDocument/2006/relationships" xmlns:p="http://schemas.openxmlformats.org/presentationml/2006/main">
   <p:cSld>
     <p:spTree>
@@ -54674,36 +54247,6 @@
           </a:p>
         </p:txBody>
       </p:sp>
-      <p:pic>
-        <p:nvPicPr>
-          <p:cNvPr id="11" name="Picture 4">
-            <a:extLst>
-              <a:ext uri="{FF2B5EF4-FFF2-40B4-BE49-F238E27FC236}">
-                <a16:creationId xmlns="" xmlns:a16="http://schemas.microsoft.com/office/drawing/2014/main" id="{A155EEF8-F1AD-5247-AEF1-4E527363ACFA}"/>
-              </a:ext>
-            </a:extLst>
-          </p:cNvPr>
-          <p:cNvPicPr>
-            <a:picLocks noChangeAspect="1"/>
-          </p:cNvPicPr>
-          <p:nvPr/>
-        </p:nvPicPr>
-        <p:blipFill>
-          <a:blip r:embed="rId3"/>
-          <a:stretch>
-            <a:fillRect/>
-          </a:stretch>
-        </p:blipFill>
-        <p:spPr>
-          <a:xfrm>
-            <a:off x="6266301" y="2100069"/>
-            <a:ext cx="5267717" cy="2954118"/>
-          </a:xfrm>
-          <a:prstGeom prst="rect">
-            <a:avLst/>
-          </a:prstGeom>
-        </p:spPr>
-      </p:pic>
       <p:sp>
         <p:nvSpPr>
           <p:cNvPr id="12" name="文本占位符 1"/>
@@ -54854,14 +54397,34 @@
           <a:lstStyle/>
           <a:p>
             <a:r>
-              <a:rPr lang="en-US" altLang="zh-CN" sz="2800" b="1" dirty="0">
+              <a:rPr lang="zh-CN" altLang="en-US" sz="2800" b="1" dirty="0">
                 <a:solidFill>
                   <a:srgbClr val="000000"/>
                 </a:solidFill>
                 <a:latin typeface="Segoe UI"/>
                 <a:sym typeface="Roboto"/>
               </a:rPr>
-              <a:t>Prefab Mode</a:t>
+              <a:t>在</a:t>
+            </a:r>
+            <a:r>
+              <a:rPr lang="en-US" altLang="zh-CN" sz="2800" b="1" dirty="0" smtClean="0">
+                <a:solidFill>
+                  <a:srgbClr val="000000"/>
+                </a:solidFill>
+                <a:latin typeface="Segoe UI"/>
+                <a:sym typeface="Roboto"/>
+              </a:rPr>
+              <a:t>Prefab </a:t>
+            </a:r>
+            <a:r>
+              <a:rPr lang="en-US" altLang="zh-CN" sz="2800" b="1" dirty="0">
+                <a:solidFill>
+                  <a:srgbClr val="000000"/>
+                </a:solidFill>
+                <a:latin typeface="Segoe UI"/>
+                <a:sym typeface="Roboto"/>
+              </a:rPr>
+              <a:t>Mode</a:t>
             </a:r>
             <a:r>
               <a:rPr lang="zh-CN" altLang="en-US" sz="2800" b="1" dirty="0">
@@ -55047,749 +54610,34 @@
           </a:p>
         </p:txBody>
       </p:sp>
-    </p:spTree>
-    <p:extLst>
-      <p:ext uri="{BB962C8B-B14F-4D97-AF65-F5344CB8AC3E}">
-        <p14:creationId xmlns:p14="http://schemas.microsoft.com/office/powerpoint/2010/main" val="3086236102"/>
-      </p:ext>
-    </p:extLst>
-  </p:cSld>
-  <p:clrMapOvr>
-    <a:masterClrMapping/>
-  </p:clrMapOvr>
-  <p:transition spd="slow">
-    <p:push dir="u"/>
-  </p:transition>
-  <p:timing>
-    <p:tnLst>
-      <p:par>
-        <p:cTn id="1" dur="indefinite" restart="never" nodeType="tmRoot"/>
-      </p:par>
-    </p:tnLst>
-  </p:timing>
-</p:sld>
-</file>
-
-<file path=ppt/slides/slide9.xml><?xml version="1.0" encoding="utf-8"?>
-<p:sld xmlns:a="http://schemas.openxmlformats.org/drawingml/2006/main" xmlns:r="http://schemas.openxmlformats.org/officeDocument/2006/relationships" xmlns:p="http://schemas.openxmlformats.org/presentationml/2006/main">
-  <p:cSld>
-    <p:spTree>
-      <p:nvGrpSpPr>
-        <p:cNvPr id="1" name=""/>
-        <p:cNvGrpSpPr/>
-        <p:nvPr/>
-      </p:nvGrpSpPr>
-      <p:grpSpPr>
-        <a:xfrm>
-          <a:off x="0" y="0"/>
-          <a:ext cx="0" cy="0"/>
-          <a:chOff x="0" y="0"/>
-          <a:chExt cx="0" cy="0"/>
-        </a:xfrm>
-      </p:grpSpPr>
-      <p:sp>
-        <p:nvSpPr>
-          <p:cNvPr id="2" name="文本占位符 1"/>
-          <p:cNvSpPr>
-            <a:spLocks noGrp="1"/>
-          </p:cNvSpPr>
-          <p:nvPr>
-            <p:ph type="body" sz="quarter" idx="10"/>
-          </p:nvPr>
-        </p:nvSpPr>
-        <p:spPr/>
-        <p:txBody>
-          <a:bodyPr/>
-          <a:lstStyle/>
-          <a:p>
-            <a:r>
-              <a:rPr kumimoji="1" lang="en-US" altLang="zh-CN" dirty="0"/>
-              <a:t>PART</a:t>
-            </a:r>
-            <a:r>
-              <a:rPr kumimoji="1" lang="zh-CN" altLang="en-US" dirty="0"/>
-              <a:t> </a:t>
-            </a:r>
-            <a:r>
-              <a:rPr kumimoji="1" lang="en-US" altLang="zh-CN" dirty="0"/>
-              <a:t>TWO </a:t>
-            </a:r>
-            <a:r>
-              <a:rPr kumimoji="1" lang="zh-CN" altLang="en-US" dirty="0"/>
-              <a:t>新版</a:t>
-            </a:r>
-            <a:r>
-              <a:rPr kumimoji="1" lang="en-US" altLang="zh-CN" dirty="0"/>
-              <a:t>Prefab</a:t>
-            </a:r>
-            <a:endParaRPr kumimoji="1" lang="zh-CN" altLang="en-US" dirty="0"/>
-          </a:p>
-        </p:txBody>
-      </p:sp>
-      <p:sp>
-        <p:nvSpPr>
-          <p:cNvPr id="14" name="矩形 13"/>
-          <p:cNvSpPr/>
+      <p:pic>
+        <p:nvPicPr>
+          <p:cNvPr id="6" name="图片 5"/>
+          <p:cNvPicPr>
+            <a:picLocks noChangeAspect="1"/>
+          </p:cNvPicPr>
           <p:nvPr/>
-        </p:nvSpPr>
+        </p:nvPicPr>
+        <p:blipFill>
+          <a:blip r:embed="rId3"/>
+          <a:stretch>
+            <a:fillRect/>
+          </a:stretch>
+        </p:blipFill>
         <p:spPr>
           <a:xfrm>
-            <a:off x="857307" y="4092155"/>
-            <a:ext cx="2006383" cy="369332"/>
+            <a:off x="6020075" y="1781664"/>
+            <a:ext cx="5132265" cy="3294673"/>
           </a:xfrm>
           <a:prstGeom prst="rect">
             <a:avLst/>
           </a:prstGeom>
         </p:spPr>
-        <p:txBody>
-          <a:bodyPr wrap="none">
-            <a:spAutoFit/>
-          </a:bodyPr>
-          <a:lstStyle/>
-          <a:p>
-            <a:pPr algn="ctr"/>
-            <a:r>
-              <a:rPr lang="en-US" altLang="zh-CN" b="1" dirty="0" smtClean="0">
-                <a:solidFill>
-                  <a:srgbClr val="000000">
-                    <a:lumMod val="85000"/>
-                    <a:lumOff val="15000"/>
-                  </a:srgbClr>
-                </a:solidFill>
-                <a:latin typeface="Segoe UI"/>
-              </a:rPr>
-              <a:t>Hierarchy -&gt; “&gt;”</a:t>
-            </a:r>
-            <a:endParaRPr lang="zh-CN" altLang="en-US" b="1" dirty="0">
-              <a:solidFill>
-                <a:srgbClr val="000000">
-                  <a:lumMod val="85000"/>
-                  <a:lumOff val="15000"/>
-                </a:srgbClr>
-              </a:solidFill>
-              <a:latin typeface="Segoe UI"/>
-              <a:ea typeface="微软雅黑"/>
-            </a:endParaRPr>
-          </a:p>
-        </p:txBody>
-      </p:sp>
-      <p:sp>
-        <p:nvSpPr>
-          <p:cNvPr id="15" name="矩形 14"/>
-          <p:cNvSpPr/>
-          <p:nvPr/>
-        </p:nvSpPr>
-        <p:spPr>
-          <a:xfrm>
-            <a:off x="755595" y="4730292"/>
-            <a:ext cx="2594406" cy="1323439"/>
-          </a:xfrm>
-          <a:prstGeom prst="rect">
-            <a:avLst/>
-          </a:prstGeom>
-        </p:spPr>
-        <p:txBody>
-          <a:bodyPr wrap="square">
-            <a:spAutoFit/>
-          </a:bodyPr>
-          <a:lstStyle/>
-          <a:p>
-            <a:r>
-              <a:rPr lang="zh-CN" altLang="en-US" sz="1600" dirty="0">
-                <a:solidFill>
-                  <a:srgbClr val="FFFFFF">
-                    <a:lumMod val="50000"/>
-                  </a:srgbClr>
-                </a:solidFill>
-                <a:latin typeface="微软雅黑" charset="0"/>
-                <a:ea typeface="微软雅黑" charset="0"/>
-              </a:rPr>
-              <a:t>在</a:t>
-            </a:r>
-            <a:r>
-              <a:rPr lang="en-US" altLang="zh-CN" sz="1600" dirty="0">
-                <a:solidFill>
-                  <a:srgbClr val="FFFFFF">
-                    <a:lumMod val="50000"/>
-                  </a:srgbClr>
-                </a:solidFill>
-                <a:latin typeface="微软雅黑" charset="0"/>
-                <a:ea typeface="微软雅黑" charset="0"/>
-              </a:rPr>
-              <a:t>Hierarchy</a:t>
-            </a:r>
-            <a:r>
-              <a:rPr lang="zh-CN" altLang="en-US" sz="1600" dirty="0">
-                <a:solidFill>
-                  <a:srgbClr val="FFFFFF">
-                    <a:lumMod val="50000"/>
-                  </a:srgbClr>
-                </a:solidFill>
-                <a:latin typeface="微软雅黑" charset="0"/>
-                <a:ea typeface="微软雅黑" charset="0"/>
-              </a:rPr>
-              <a:t>面板中，</a:t>
-            </a:r>
-            <a:r>
-              <a:rPr lang="en-US" altLang="zh-CN" sz="1600" dirty="0">
-                <a:solidFill>
-                  <a:srgbClr val="FFFFFF">
-                    <a:lumMod val="50000"/>
-                  </a:srgbClr>
-                </a:solidFill>
-                <a:latin typeface="微软雅黑" charset="0"/>
-                <a:ea typeface="微软雅黑" charset="0"/>
-              </a:rPr>
-              <a:t>Prefab</a:t>
-            </a:r>
-            <a:r>
-              <a:rPr lang="zh-CN" altLang="en-US" sz="1600" dirty="0">
-                <a:solidFill>
-                  <a:srgbClr val="FFFFFF">
-                    <a:lumMod val="50000"/>
-                  </a:srgbClr>
-                </a:solidFill>
-                <a:latin typeface="微软雅黑" charset="0"/>
-                <a:ea typeface="微软雅黑" charset="0"/>
-              </a:rPr>
-              <a:t>对象的最右侧有个向右的小箭头，通过点击此箭头即可进入</a:t>
-            </a:r>
-            <a:r>
-              <a:rPr lang="en-US" altLang="zh-CN" sz="1600" dirty="0">
-                <a:solidFill>
-                  <a:srgbClr val="FFFFFF">
-                    <a:lumMod val="50000"/>
-                  </a:srgbClr>
-                </a:solidFill>
-                <a:latin typeface="微软雅黑" charset="0"/>
-                <a:ea typeface="微软雅黑" charset="0"/>
-              </a:rPr>
-              <a:t>Prefab Mode</a:t>
-            </a:r>
-            <a:r>
-              <a:rPr lang="zh-CN" altLang="en-US" sz="1600" dirty="0">
-                <a:solidFill>
-                  <a:srgbClr val="FFFFFF">
-                    <a:lumMod val="50000"/>
-                  </a:srgbClr>
-                </a:solidFill>
-                <a:latin typeface="微软雅黑" charset="0"/>
-                <a:ea typeface="微软雅黑" charset="0"/>
-              </a:rPr>
-              <a:t>中。</a:t>
-            </a:r>
-          </a:p>
-        </p:txBody>
-      </p:sp>
-      <p:sp>
-        <p:nvSpPr>
-          <p:cNvPr id="16" name="矩形 15"/>
-          <p:cNvSpPr/>
-          <p:nvPr/>
-        </p:nvSpPr>
-        <p:spPr>
-          <a:xfrm>
-            <a:off x="4133017" y="4092155"/>
-            <a:ext cx="2165081" cy="369332"/>
-          </a:xfrm>
-          <a:prstGeom prst="rect">
-            <a:avLst/>
-          </a:prstGeom>
-        </p:spPr>
-        <p:txBody>
-          <a:bodyPr wrap="none">
-            <a:spAutoFit/>
-          </a:bodyPr>
-          <a:lstStyle/>
-          <a:p>
-            <a:pPr algn="ctr"/>
-            <a:r>
-              <a:rPr lang="en-US" altLang="zh-CN" b="1" dirty="0" smtClean="0">
-                <a:solidFill>
-                  <a:srgbClr val="000000">
-                    <a:lumMod val="85000"/>
-                    <a:lumOff val="15000"/>
-                  </a:srgbClr>
-                </a:solidFill>
-                <a:latin typeface="Segoe UI"/>
-              </a:rPr>
-              <a:t>Inspector -&gt; Open</a:t>
-            </a:r>
-            <a:endParaRPr lang="zh-CN" altLang="en-US" b="1" dirty="0">
-              <a:solidFill>
-                <a:srgbClr val="000000">
-                  <a:lumMod val="85000"/>
-                  <a:lumOff val="15000"/>
-                </a:srgbClr>
-              </a:solidFill>
-              <a:latin typeface="Segoe UI"/>
-              <a:ea typeface="微软雅黑"/>
-            </a:endParaRPr>
-          </a:p>
-        </p:txBody>
-      </p:sp>
-      <p:sp>
-        <p:nvSpPr>
-          <p:cNvPr id="17" name="矩形 16"/>
-          <p:cNvSpPr/>
-          <p:nvPr/>
-        </p:nvSpPr>
-        <p:spPr>
-          <a:xfrm>
-            <a:off x="3887608" y="4730292"/>
-            <a:ext cx="3258779" cy="1372683"/>
-          </a:xfrm>
-          <a:prstGeom prst="rect">
-            <a:avLst/>
-          </a:prstGeom>
-        </p:spPr>
-        <p:txBody>
-          <a:bodyPr wrap="square">
-            <a:spAutoFit/>
-          </a:bodyPr>
-          <a:lstStyle/>
-          <a:p>
-            <a:pPr>
-              <a:lnSpc>
-                <a:spcPct val="130000"/>
-              </a:lnSpc>
-            </a:pPr>
-            <a:r>
-              <a:rPr lang="zh-CN" altLang="zh-CN" sz="1600" dirty="0" smtClean="0">
-                <a:solidFill>
-                  <a:srgbClr val="FFFFFF">
-                    <a:lumMod val="50000"/>
-                  </a:srgbClr>
-                </a:solidFill>
-                <a:latin typeface="微软雅黑" charset="0"/>
-                <a:ea typeface="微软雅黑" charset="0"/>
-              </a:rPr>
-              <a:t>在</a:t>
-            </a:r>
-            <a:r>
-              <a:rPr lang="zh-CN" altLang="zh-CN" sz="1600" dirty="0">
-                <a:solidFill>
-                  <a:srgbClr val="FFFFFF">
-                    <a:lumMod val="50000"/>
-                  </a:srgbClr>
-                </a:solidFill>
-                <a:latin typeface="微软雅黑" charset="0"/>
-                <a:ea typeface="微软雅黑" charset="0"/>
-              </a:rPr>
-              <a:t>Hierarchy面板选中Prefab后，在Inspector面板最上方会显示"Open"字样的按钮，点击Open即可进入</a:t>
-            </a:r>
-            <a:endParaRPr lang="zh-CN" altLang="en-US" sz="1600" dirty="0">
-              <a:solidFill>
-                <a:srgbClr val="FFFFFF">
-                  <a:lumMod val="50000"/>
-                </a:srgbClr>
-              </a:solidFill>
-              <a:latin typeface="微软雅黑" charset="0"/>
-              <a:ea typeface="微软雅黑" charset="0"/>
-            </a:endParaRPr>
-          </a:p>
-        </p:txBody>
-      </p:sp>
-      <p:sp>
-        <p:nvSpPr>
-          <p:cNvPr id="18" name="矩形 17"/>
-          <p:cNvSpPr/>
-          <p:nvPr/>
-        </p:nvSpPr>
-        <p:spPr>
-          <a:xfrm>
-            <a:off x="8664705" y="4092155"/>
-            <a:ext cx="1914563" cy="369332"/>
-          </a:xfrm>
-          <a:prstGeom prst="rect">
-            <a:avLst/>
-          </a:prstGeom>
-        </p:spPr>
-        <p:txBody>
-          <a:bodyPr wrap="none">
-            <a:spAutoFit/>
-          </a:bodyPr>
-          <a:lstStyle/>
-          <a:p>
-            <a:pPr algn="ctr"/>
-            <a:r>
-              <a:rPr lang="en-US" altLang="zh-CN" b="1" dirty="0" smtClean="0">
-                <a:solidFill>
-                  <a:srgbClr val="000000">
-                    <a:lumMod val="85000"/>
-                    <a:lumOff val="15000"/>
-                  </a:srgbClr>
-                </a:solidFill>
-                <a:latin typeface="Segoe UI"/>
-                <a:ea typeface="微软雅黑"/>
-              </a:rPr>
-              <a:t>Project -&gt; Open</a:t>
-            </a:r>
-            <a:endParaRPr lang="zh-CN" altLang="en-US" b="1" dirty="0">
-              <a:solidFill>
-                <a:srgbClr val="000000">
-                  <a:lumMod val="85000"/>
-                  <a:lumOff val="15000"/>
-                </a:srgbClr>
-              </a:solidFill>
-              <a:latin typeface="Segoe UI"/>
-              <a:ea typeface="微软雅黑"/>
-            </a:endParaRPr>
-          </a:p>
-        </p:txBody>
-      </p:sp>
-      <p:sp>
-        <p:nvSpPr>
-          <p:cNvPr id="19" name="矩形 18"/>
-          <p:cNvSpPr/>
-          <p:nvPr/>
-        </p:nvSpPr>
-        <p:spPr>
-          <a:xfrm>
-            <a:off x="7683994" y="4730292"/>
-            <a:ext cx="2958994" cy="1077218"/>
-          </a:xfrm>
-          <a:prstGeom prst="rect">
-            <a:avLst/>
-          </a:prstGeom>
-        </p:spPr>
-        <p:txBody>
-          <a:bodyPr wrap="square">
-            <a:spAutoFit/>
-          </a:bodyPr>
-          <a:lstStyle/>
-          <a:p>
-            <a:r>
-              <a:rPr lang="zh-CN" altLang="en-US" sz="1600" dirty="0" smtClean="0">
-                <a:solidFill>
-                  <a:srgbClr val="FFFFFF">
-                    <a:lumMod val="50000"/>
-                  </a:srgbClr>
-                </a:solidFill>
-                <a:latin typeface="微软雅黑" charset="0"/>
-                <a:ea typeface="微软雅黑" charset="0"/>
-              </a:rPr>
-              <a:t>在</a:t>
-            </a:r>
-            <a:r>
-              <a:rPr lang="en-US" altLang="zh-CN" sz="1600" dirty="0">
-                <a:solidFill>
-                  <a:srgbClr val="FFFFFF">
-                    <a:lumMod val="50000"/>
-                  </a:srgbClr>
-                </a:solidFill>
-                <a:latin typeface="微软雅黑" charset="0"/>
-                <a:ea typeface="微软雅黑" charset="0"/>
-              </a:rPr>
-              <a:t>Project</a:t>
-            </a:r>
-            <a:r>
-              <a:rPr lang="zh-CN" altLang="en-US" sz="1600" dirty="0">
-                <a:solidFill>
-                  <a:srgbClr val="FFFFFF">
-                    <a:lumMod val="50000"/>
-                  </a:srgbClr>
-                </a:solidFill>
-                <a:latin typeface="微软雅黑" charset="0"/>
-                <a:ea typeface="微软雅黑" charset="0"/>
-              </a:rPr>
-              <a:t>面板中，选中</a:t>
-            </a:r>
-            <a:r>
-              <a:rPr lang="en-US" altLang="zh-CN" sz="1600" dirty="0">
-                <a:solidFill>
-                  <a:srgbClr val="FFFFFF">
-                    <a:lumMod val="50000"/>
-                  </a:srgbClr>
-                </a:solidFill>
-                <a:latin typeface="微软雅黑" charset="0"/>
-                <a:ea typeface="微软雅黑" charset="0"/>
-              </a:rPr>
-              <a:t>Prefab</a:t>
-            </a:r>
-            <a:r>
-              <a:rPr lang="zh-CN" altLang="en-US" sz="1600" dirty="0">
-                <a:solidFill>
-                  <a:srgbClr val="FFFFFF">
-                    <a:lumMod val="50000"/>
-                  </a:srgbClr>
-                </a:solidFill>
-                <a:latin typeface="微软雅黑" charset="0"/>
-                <a:ea typeface="微软雅黑" charset="0"/>
-              </a:rPr>
-              <a:t>后，在</a:t>
-            </a:r>
-            <a:r>
-              <a:rPr lang="en-US" altLang="zh-CN" sz="1600" dirty="0">
-                <a:solidFill>
-                  <a:srgbClr val="FFFFFF">
-                    <a:lumMod val="50000"/>
-                  </a:srgbClr>
-                </a:solidFill>
-                <a:latin typeface="微软雅黑" charset="0"/>
-                <a:ea typeface="微软雅黑" charset="0"/>
-              </a:rPr>
-              <a:t>Inspector</a:t>
-            </a:r>
-            <a:r>
-              <a:rPr lang="zh-CN" altLang="en-US" sz="1600" dirty="0">
-                <a:solidFill>
-                  <a:srgbClr val="FFFFFF">
-                    <a:lumMod val="50000"/>
-                  </a:srgbClr>
-                </a:solidFill>
-                <a:latin typeface="微软雅黑" charset="0"/>
-                <a:ea typeface="微软雅黑" charset="0"/>
-              </a:rPr>
-              <a:t>面板中会显示</a:t>
-            </a:r>
-            <a:r>
-              <a:rPr lang="en-US" altLang="zh-CN" sz="1600" dirty="0">
-                <a:solidFill>
-                  <a:srgbClr val="FFFFFF">
-                    <a:lumMod val="50000"/>
-                  </a:srgbClr>
-                </a:solidFill>
-                <a:latin typeface="微软雅黑" charset="0"/>
-                <a:ea typeface="微软雅黑" charset="0"/>
-              </a:rPr>
-              <a:t>"Open Prefab"</a:t>
-            </a:r>
-            <a:r>
-              <a:rPr lang="zh-CN" altLang="en-US" sz="1600" dirty="0">
-                <a:solidFill>
-                  <a:srgbClr val="FFFFFF">
-                    <a:lumMod val="50000"/>
-                  </a:srgbClr>
-                </a:solidFill>
-                <a:latin typeface="微软雅黑" charset="0"/>
-                <a:ea typeface="微软雅黑" charset="0"/>
-              </a:rPr>
-              <a:t>字样的按钮，点击即可进入。</a:t>
-            </a:r>
-          </a:p>
-        </p:txBody>
-      </p:sp>
-      <p:sp>
-        <p:nvSpPr>
-          <p:cNvPr id="20" name="矩形 19"/>
-          <p:cNvSpPr/>
-          <p:nvPr/>
-        </p:nvSpPr>
-        <p:spPr>
-          <a:xfrm>
-            <a:off x="289955" y="638084"/>
-            <a:ext cx="5097677" cy="523220"/>
-          </a:xfrm>
-          <a:prstGeom prst="rect">
-            <a:avLst/>
-          </a:prstGeom>
-        </p:spPr>
-        <p:txBody>
-          <a:bodyPr wrap="square">
-            <a:spAutoFit/>
-          </a:bodyPr>
-          <a:lstStyle/>
-          <a:p>
-            <a:r>
-              <a:rPr lang="zh-CN" altLang="en-US" sz="2800" b="1" dirty="0" smtClean="0">
-                <a:solidFill>
-                  <a:srgbClr val="000000"/>
-                </a:solidFill>
-                <a:latin typeface="Segoe UI"/>
-              </a:rPr>
-              <a:t>进入</a:t>
-            </a:r>
-            <a:r>
-              <a:rPr lang="en-US" altLang="zh-CN" sz="2800" b="1" dirty="0" smtClean="0">
-                <a:solidFill>
-                  <a:srgbClr val="000000"/>
-                </a:solidFill>
-                <a:latin typeface="Segoe UI"/>
-              </a:rPr>
-              <a:t>Prefab Mode</a:t>
-            </a:r>
-            <a:r>
-              <a:rPr lang="zh-CN" altLang="en-US" sz="2800" b="1" dirty="0" smtClean="0">
-                <a:solidFill>
-                  <a:srgbClr val="000000"/>
-                </a:solidFill>
-                <a:latin typeface="Segoe UI"/>
-              </a:rPr>
-              <a:t>的三种方法</a:t>
-            </a:r>
-            <a:endParaRPr lang="zh-CN" altLang="en-US" sz="2800" b="1" dirty="0">
-              <a:solidFill>
-                <a:srgbClr val="000000"/>
-              </a:solidFill>
-              <a:latin typeface="Segoe UI"/>
-            </a:endParaRPr>
-          </a:p>
-        </p:txBody>
-      </p:sp>
-      <p:sp>
-        <p:nvSpPr>
-          <p:cNvPr id="21" name="灯片编号占位符 2"/>
-          <p:cNvSpPr>
-            <a:spLocks noGrp="1"/>
-          </p:cNvSpPr>
-          <p:nvPr>
-            <p:ph type="sldNum" sz="quarter" idx="11"/>
-          </p:nvPr>
-        </p:nvSpPr>
-        <p:spPr>
-          <a:xfrm>
-            <a:off x="8610600" y="6356350"/>
-            <a:ext cx="2743200" cy="365125"/>
-          </a:xfrm>
-        </p:spPr>
-        <p:txBody>
-          <a:bodyPr/>
-          <a:lstStyle/>
-          <a:p>
-            <a:r>
-              <a:rPr lang="en-US" altLang="zh-CN" dirty="0" smtClean="0"/>
-              <a:t>9 </a:t>
-            </a:r>
-            <a:r>
-              <a:rPr lang="en-US" altLang="zh-CN" dirty="0" smtClean="0"/>
-              <a:t>/</a:t>
-            </a:r>
-            <a:r>
-              <a:rPr lang="en-US" altLang="zh-CN" dirty="0"/>
-              <a:t>30</a:t>
-            </a:r>
-            <a:endParaRPr lang="zh-CN" altLang="en-US" dirty="0"/>
-          </a:p>
-        </p:txBody>
-      </p:sp>
-      <p:pic>
-        <p:nvPicPr>
-          <p:cNvPr id="22" name="Picture 2" descr="C://Users/xubingbing.KINGSOFT/AppData/Local/YNote/data/qq7170EB153EE0432A3D832011A5A45567/1a06471d244a48f996f6a202c0ed503b/clipboard.png"/>
-          <p:cNvPicPr>
-            <a:picLocks noChangeAspect="1" noChangeArrowheads="1"/>
-          </p:cNvPicPr>
-          <p:nvPr/>
-        </p:nvPicPr>
-        <p:blipFill>
-          <a:blip r:embed="rId3">
-            <a:extLst>
-              <a:ext uri="{28A0092B-C50C-407E-A947-70E740481C1C}">
-                <a14:useLocalDpi xmlns:a14="http://schemas.microsoft.com/office/drawing/2010/main" val="0"/>
-              </a:ext>
-            </a:extLst>
-          </a:blip>
-          <a:srcRect/>
-          <a:stretch>
-            <a:fillRect/>
-          </a:stretch>
-        </p:blipFill>
-        <p:spPr bwMode="auto">
-          <a:xfrm>
-            <a:off x="3891837" y="2314173"/>
-            <a:ext cx="2647950" cy="1476375"/>
-          </a:xfrm>
-          <a:prstGeom prst="rect">
-            <a:avLst/>
-          </a:prstGeom>
-          <a:noFill/>
-          <a:extLst>
-            <a:ext uri="{909E8E84-426E-40DD-AFC4-6F175D3DCCD1}">
-              <a14:hiddenFill xmlns:a14="http://schemas.microsoft.com/office/drawing/2010/main">
-                <a:solidFill>
-                  <a:srgbClr val="FFFFFF"/>
-                </a:solidFill>
-              </a14:hiddenFill>
-            </a:ext>
-          </a:extLst>
-        </p:spPr>
-      </p:pic>
-      <p:pic>
-        <p:nvPicPr>
-          <p:cNvPr id="23" name="Picture 3" descr="C://Users/xubingbing.KINGSOFT/AppData/Local/YNote/data/qq7170EB153EE0432A3D832011A5A45567/fb8380afb1d74eafbab49078d4556791/clipboard.png"/>
-          <p:cNvPicPr>
-            <a:picLocks noChangeAspect="1" noChangeArrowheads="1"/>
-          </p:cNvPicPr>
-          <p:nvPr/>
-        </p:nvPicPr>
-        <p:blipFill>
-          <a:blip r:embed="rId4">
-            <a:extLst>
-              <a:ext uri="{28A0092B-C50C-407E-A947-70E740481C1C}">
-                <a14:useLocalDpi xmlns:a14="http://schemas.microsoft.com/office/drawing/2010/main" val="0"/>
-              </a:ext>
-            </a:extLst>
-          </a:blip>
-          <a:srcRect/>
-          <a:stretch>
-            <a:fillRect/>
-          </a:stretch>
-        </p:blipFill>
-        <p:spPr bwMode="auto">
-          <a:xfrm>
-            <a:off x="755595" y="1399773"/>
-            <a:ext cx="2209800" cy="2390775"/>
-          </a:xfrm>
-          <a:prstGeom prst="rect">
-            <a:avLst/>
-          </a:prstGeom>
-          <a:noFill/>
-          <a:extLst>
-            <a:ext uri="{909E8E84-426E-40DD-AFC4-6F175D3DCCD1}">
-              <a14:hiddenFill xmlns:a14="http://schemas.microsoft.com/office/drawing/2010/main">
-                <a:solidFill>
-                  <a:srgbClr val="FFFFFF"/>
-                </a:solidFill>
-              </a14:hiddenFill>
-            </a:ext>
-          </a:extLst>
-        </p:spPr>
-      </p:pic>
-      <p:pic>
-        <p:nvPicPr>
-          <p:cNvPr id="24" name="Picture 4" descr="C://Users/xubingbing.KINGSOFT/AppData/Local/YNote/data/qq7170EB153EE0432A3D832011A5A45567/f18ed7d3e5234ad295ccd66d738c4e16/clipboard.png"/>
-          <p:cNvPicPr>
-            <a:picLocks noChangeAspect="1" noChangeArrowheads="1"/>
-          </p:cNvPicPr>
-          <p:nvPr/>
-        </p:nvPicPr>
-        <p:blipFill>
-          <a:blip r:embed="rId5">
-            <a:extLst>
-              <a:ext uri="{28A0092B-C50C-407E-A947-70E740481C1C}">
-                <a14:useLocalDpi xmlns:a14="http://schemas.microsoft.com/office/drawing/2010/main" val="0"/>
-              </a:ext>
-            </a:extLst>
-          </a:blip>
-          <a:srcRect/>
-          <a:stretch>
-            <a:fillRect/>
-          </a:stretch>
-        </p:blipFill>
-        <p:spPr bwMode="auto">
-          <a:xfrm>
-            <a:off x="7466229" y="2213034"/>
-            <a:ext cx="4080237" cy="1577514"/>
-          </a:xfrm>
-          <a:prstGeom prst="rect">
-            <a:avLst/>
-          </a:prstGeom>
-          <a:noFill/>
-          <a:extLst>
-            <a:ext uri="{909E8E84-426E-40DD-AFC4-6F175D3DCCD1}">
-              <a14:hiddenFill xmlns:a14="http://schemas.microsoft.com/office/drawing/2010/main">
-                <a:solidFill>
-                  <a:srgbClr val="FFFFFF"/>
-                </a:solidFill>
-              </a14:hiddenFill>
-            </a:ext>
-          </a:extLst>
-        </p:spPr>
       </p:pic>
     </p:spTree>
     <p:extLst>
       <p:ext uri="{BB962C8B-B14F-4D97-AF65-F5344CB8AC3E}">
-        <p14:creationId xmlns:p14="http://schemas.microsoft.com/office/powerpoint/2010/main" val="1693363378"/>
+        <p14:creationId xmlns:p14="http://schemas.microsoft.com/office/powerpoint/2010/main" val="3086236102"/>
       </p:ext>
     </p:extLst>
   </p:cSld>

--- a/Unity全新Prefab预制体系统.pptx
+++ b/Unity全新Prefab预制体系统.pptx
@@ -227,7 +227,7 @@
           <a:p>
             <a:fld id="{57768B74-8008-4C60-98F5-85039FB9D658}" type="datetimeFigureOut">
               <a:rPr lang="zh-CN" altLang="en-US" smtClean="0"/>
-              <a:t>2019/3/5</a:t>
+              <a:t>2019/3/8</a:t>
             </a:fld>
             <a:endParaRPr lang="zh-CN" altLang="en-US"/>
           </a:p>
@@ -12148,15 +12148,7 @@
                   <a:schemeClr val="bg1"/>
                 </a:solidFill>
               </a:rPr>
-              <a:t>体及</a:t>
-            </a:r>
-            <a:r>
-              <a:rPr lang="zh-CN" altLang="en-US" b="1" dirty="0" smtClean="0">
-                <a:solidFill>
-                  <a:schemeClr val="bg1"/>
-                </a:solidFill>
-              </a:rPr>
-              <a:t>应用</a:t>
+              <a:t>体及应用</a:t>
             </a:r>
             <a:endParaRPr lang="zh-CN" altLang="en-US" dirty="0">
               <a:solidFill>
@@ -14159,20 +14151,7 @@
                 <a:latin typeface="微软雅黑" charset="0"/>
                 <a:ea typeface="微软雅黑" charset="0"/>
               </a:rPr>
-              <a:t>就是</a:t>
-            </a:r>
-            <a:r>
-              <a:rPr lang="zh-CN" altLang="en-US" sz="1400" dirty="0" smtClean="0">
-                <a:solidFill>
-                  <a:srgbClr val="000000">
-                    <a:lumMod val="50000"/>
-                    <a:lumOff val="50000"/>
-                  </a:srgbClr>
-                </a:solidFill>
-                <a:latin typeface="微软雅黑" charset="0"/>
-                <a:ea typeface="微软雅黑" charset="0"/>
-              </a:rPr>
-              <a:t>给拼成一组的物件套个盒子，也是一个生成</a:t>
+              <a:t>就是给拼成一组的物件套个盒子，也是一个生成</a:t>
             </a:r>
             <a:r>
               <a:rPr lang="en-US" altLang="zh-CN" sz="1400" dirty="0" smtClean="0">
@@ -18026,17 +18005,7 @@
                   </a:schemeClr>
                 </a:solidFill>
               </a:rPr>
-              <a:t>14 </a:t>
-            </a:r>
-            <a:r>
-              <a:rPr lang="en-US" altLang="zh-CN" sz="1200" dirty="0" smtClean="0">
-                <a:solidFill>
-                  <a:schemeClr val="tx1">
-                    <a:tint val="75000"/>
-                  </a:schemeClr>
-                </a:solidFill>
-              </a:rPr>
-              <a:t>/</a:t>
+              <a:t>14 /</a:t>
             </a:r>
             <a:r>
               <a:rPr lang="en-US" altLang="zh-CN" dirty="0"/>
@@ -18591,21 +18560,7 @@
                 <a:cs typeface="Roboto"/>
                 <a:sym typeface="Roboto"/>
               </a:rPr>
-              <a:t>应用</a:t>
-            </a:r>
-            <a:r>
-              <a:rPr lang="zh-CN" altLang="en-US" sz="1600" dirty="0">
-                <a:solidFill>
-                  <a:schemeClr val="bg1">
-                    <a:lumMod val="50000"/>
-                  </a:schemeClr>
-                </a:solidFill>
-                <a:latin typeface="Microsoft YaHei" panose="020B0503020204020204" pitchFamily="34" charset="-122"/>
-                <a:ea typeface="Microsoft YaHei" panose="020B0503020204020204" pitchFamily="34" charset="-122"/>
-                <a:cs typeface="Roboto"/>
-                <a:sym typeface="Roboto"/>
-              </a:rPr>
-              <a:t>这些标签（</a:t>
+              <a:t>应用这些标签（</a:t>
             </a:r>
             <a:r>
               <a:rPr lang="en-US" altLang="zh-CN" sz="1600" dirty="0">
@@ -20250,20 +20205,7 @@
                 <a:ea typeface="Microsoft YaHei" panose="020B0503020204020204" pitchFamily="34" charset="-122"/>
                 <a:cs typeface="Roboto"/>
               </a:rPr>
-              <a:t>Apply </a:t>
-            </a:r>
-            <a:r>
-              <a:rPr lang="en-US" altLang="zh-CN" sz="1600" dirty="0" smtClean="0">
-                <a:solidFill>
-                  <a:schemeClr val="bg1">
-                    <a:lumMod val="50000"/>
-                  </a:schemeClr>
-                </a:solidFill>
-                <a:latin typeface="Microsoft YaHei" panose="020B0503020204020204" pitchFamily="34" charset="-122"/>
-                <a:ea typeface="Microsoft YaHei" panose="020B0503020204020204" pitchFamily="34" charset="-122"/>
-                <a:cs typeface="Roboto"/>
-              </a:rPr>
-              <a:t>to </a:t>
+              <a:t>Apply to </a:t>
             </a:r>
             <a:r>
               <a:rPr lang="zh-CN" altLang="en-US" sz="1600" dirty="0" smtClean="0">
@@ -23175,20 +23117,7 @@
                 <a:latin typeface="微软雅黑" charset="0"/>
                 <a:ea typeface="微软雅黑" charset="0"/>
               </a:rPr>
-              <a:t>Prefab </a:t>
-            </a:r>
-            <a:r>
-              <a:rPr lang="en-US" altLang="zh-CN" sz="1600" dirty="0" smtClean="0">
-                <a:solidFill>
-                  <a:srgbClr val="000000">
-                    <a:lumMod val="50000"/>
-                    <a:lumOff val="50000"/>
-                  </a:srgbClr>
-                </a:solidFill>
-                <a:latin typeface="微软雅黑" charset="0"/>
-                <a:ea typeface="微软雅黑" charset="0"/>
-              </a:rPr>
-              <a:t>Variant</a:t>
+              <a:t>Prefab Variant</a:t>
             </a:r>
             <a:r>
               <a:rPr lang="zh-CN" altLang="en-US" sz="1600" dirty="0" smtClean="0">
@@ -23238,11 +23167,7 @@
           <a:p>
             <a:r>
               <a:rPr lang="en-US" altLang="zh-CN" dirty="0" smtClean="0"/>
-              <a:t>19 </a:t>
-            </a:r>
-            <a:r>
-              <a:rPr lang="en-US" altLang="zh-CN" dirty="0" smtClean="0"/>
-              <a:t>/</a:t>
+              <a:t>19 /</a:t>
             </a:r>
             <a:r>
               <a:rPr lang="en-US" altLang="zh-CN" dirty="0"/>
@@ -24866,11 +24791,7 @@
           <a:p>
             <a:r>
               <a:rPr lang="en-US" altLang="zh-CN" dirty="0" smtClean="0"/>
-              <a:t>20 </a:t>
-            </a:r>
-            <a:r>
-              <a:rPr lang="en-US" altLang="zh-CN" dirty="0" smtClean="0"/>
-              <a:t>/</a:t>
+              <a:t>20 /</a:t>
             </a:r>
             <a:r>
               <a:rPr lang="en-US" altLang="zh-CN" dirty="0"/>
@@ -29711,7 +29632,6 @@
               <a:rPr lang="zh-CN" altLang="en-US" dirty="0"/>
               <a:t>应用</a:t>
             </a:r>
-            <a:endParaRPr lang="zh-CN" altLang="en-US" dirty="0"/>
           </a:p>
         </p:txBody>
       </p:sp>
@@ -33425,8 +33345,8 @@
         </p:nvSpPr>
         <p:spPr>
           <a:xfrm>
-            <a:off x="4346270" y="2593528"/>
-            <a:ext cx="1314206" cy="276999"/>
+            <a:off x="4645603" y="1047845"/>
+            <a:ext cx="658578" cy="276999"/>
           </a:xfrm>
           <a:prstGeom prst="rect">
             <a:avLst/>
@@ -33443,7 +33363,7 @@
                 <a:latin typeface="微软雅黑" charset="0"/>
                 <a:ea typeface="微软雅黑" charset="0"/>
               </a:rPr>
-              <a:t>Prefab Instance</a:t>
+              <a:t>Prefab</a:t>
             </a:r>
             <a:endParaRPr lang="zh-CN" altLang="en-US" sz="1200" dirty="0">
               <a:latin typeface="微软雅黑" charset="0"/>
@@ -34010,6 +33930,41 @@
           </a:prstGeom>
         </p:spPr>
       </p:pic>
+      <p:sp>
+        <p:nvSpPr>
+          <p:cNvPr id="65" name="矩形 64"/>
+          <p:cNvSpPr/>
+          <p:nvPr/>
+        </p:nvSpPr>
+        <p:spPr>
+          <a:xfrm>
+            <a:off x="4376592" y="2687287"/>
+            <a:ext cx="1314206" cy="276999"/>
+          </a:xfrm>
+          <a:prstGeom prst="rect">
+            <a:avLst/>
+          </a:prstGeom>
+        </p:spPr>
+        <p:txBody>
+          <a:bodyPr wrap="none">
+            <a:spAutoFit/>
+          </a:bodyPr>
+          <a:lstStyle/>
+          <a:p>
+            <a:r>
+              <a:rPr lang="en-US" altLang="zh-CN" sz="1200" dirty="0" smtClean="0">
+                <a:latin typeface="微软雅黑" charset="0"/>
+                <a:ea typeface="微软雅黑" charset="0"/>
+              </a:rPr>
+              <a:t>Prefab Instance</a:t>
+            </a:r>
+            <a:endParaRPr lang="zh-CN" altLang="en-US" sz="1200" dirty="0">
+              <a:latin typeface="微软雅黑" charset="0"/>
+              <a:ea typeface="微软雅黑" charset="0"/>
+            </a:endParaRPr>
+          </a:p>
+        </p:txBody>
+      </p:sp>
     </p:spTree>
     <p:extLst>
       <p:ext uri="{BB962C8B-B14F-4D97-AF65-F5344CB8AC3E}">
@@ -34093,13 +34048,7 @@
               <a:rPr lang="zh-CN" altLang="en-US" sz="2800" b="1" dirty="0">
                 <a:sym typeface="Roboto"/>
               </a:rPr>
-              <a:t>修改</a:t>
-            </a:r>
-            <a:r>
-              <a:rPr lang="zh-CN" altLang="en-US" sz="2800" b="1" dirty="0">
-                <a:sym typeface="Roboto"/>
-              </a:rPr>
-              <a:t>嵌套式预制体</a:t>
+              <a:t>修改嵌套式预制体</a:t>
             </a:r>
             <a:endParaRPr lang="en-US" altLang="zh-CN" sz="2800" b="1" dirty="0">
               <a:sym typeface="Roboto"/>
@@ -35582,7 +35531,6 @@
               <a:rPr lang="zh-CN" altLang="en-US" dirty="0"/>
               <a:t>应用</a:t>
             </a:r>
-            <a:endParaRPr lang="zh-CN" altLang="en-US" dirty="0"/>
           </a:p>
         </p:txBody>
       </p:sp>
@@ -35680,15 +35628,6 @@
               </a:rPr>
               <a:t>D</a:t>
             </a:r>
-            <a:endParaRPr lang="en-US" sz="3000" dirty="0">
-              <a:solidFill>
-                <a:schemeClr val="bg1">
-                  <a:lumMod val="50000"/>
-                </a:schemeClr>
-              </a:solidFill>
-              <a:latin typeface="Microsoft YaHei" panose="020B0503020204020204" pitchFamily="34" charset="-122"/>
-              <a:ea typeface="Microsoft YaHei" panose="020B0503020204020204" pitchFamily="34" charset="-122"/>
-            </a:endParaRPr>
           </a:p>
         </p:txBody>
       </p:sp>
@@ -35795,19 +35734,7 @@
                 <a:latin typeface="Microsoft YaHei" panose="020B0503020204020204" pitchFamily="34" charset="-122"/>
                 <a:ea typeface="Microsoft YaHei" panose="020B0503020204020204" pitchFamily="34" charset="-122"/>
               </a:rPr>
-              <a:t>A</a:t>
-            </a:r>
-            <a:r>
-              <a:rPr lang="en-US" altLang="zh-CN" sz="2000" dirty="0" smtClean="0">
-                <a:solidFill>
-                  <a:schemeClr val="bg1">
-                    <a:lumMod val="50000"/>
-                  </a:schemeClr>
-                </a:solidFill>
-                <a:latin typeface="Microsoft YaHei" panose="020B0503020204020204" pitchFamily="34" charset="-122"/>
-                <a:ea typeface="Microsoft YaHei" panose="020B0503020204020204" pitchFamily="34" charset="-122"/>
-              </a:rPr>
-              <a:t>’</a:t>
+              <a:t>A’</a:t>
             </a:r>
             <a:r>
               <a:rPr lang="zh-CN" altLang="en-US" sz="2000" dirty="0" smtClean="0">
@@ -39885,10 +39812,10 @@
         </p:nvGrpSpPr>
         <p:grpSpPr bwMode="auto">
           <a:xfrm>
-            <a:off x="3144838" y="861667"/>
-            <a:ext cx="7326312" cy="2440898"/>
+            <a:off x="3144838" y="664480"/>
+            <a:ext cx="7326312" cy="2656342"/>
             <a:chOff x="0" y="0"/>
-            <a:chExt cx="7234425" cy="2440944"/>
+            <a:chExt cx="7234425" cy="2656392"/>
           </a:xfrm>
         </p:grpSpPr>
         <p:sp>
@@ -39902,7 +39829,7 @@
           <p:spPr bwMode="auto">
             <a:xfrm>
               <a:off x="202689" y="409581"/>
-              <a:ext cx="7031736" cy="2031363"/>
+              <a:ext cx="7031736" cy="2246811"/>
             </a:xfrm>
             <a:prstGeom prst="rect">
               <a:avLst/>
@@ -40215,20 +40142,7 @@
                   <a:latin typeface="微软雅黑" charset="0"/>
                   <a:ea typeface="微软雅黑" charset="0"/>
                 </a:rPr>
-                <a:t>中</a:t>
-              </a:r>
-              <a:r>
-                <a:rPr lang="zh-CN" altLang="en-US" sz="1400" dirty="0">
-                  <a:solidFill>
-                    <a:srgbClr val="000000">
-                      <a:lumMod val="50000"/>
-                      <a:lumOff val="50000"/>
-                    </a:srgbClr>
-                  </a:solidFill>
-                  <a:latin typeface="微软雅黑" charset="0"/>
-                  <a:ea typeface="微软雅黑" charset="0"/>
-                </a:rPr>
-                <a:t>的</a:t>
+                <a:t>中的</a:t>
               </a:r>
               <a:r>
                 <a:rPr lang="en-US" altLang="zh-CN" sz="1400" dirty="0">
@@ -40526,7 +40440,33 @@
                   <a:latin typeface="微软雅黑" charset="0"/>
                   <a:ea typeface="微软雅黑" charset="0"/>
                 </a:rPr>
-                <a:t>，场景中所有的修改都是</a:t>
+                <a:t>，场景中所有的修改</a:t>
+              </a:r>
+              <a:r>
+                <a:rPr lang="zh-CN" altLang="en-US" sz="1400" dirty="0" smtClean="0">
+                  <a:solidFill>
+                    <a:srgbClr val="000000">
+                      <a:lumMod val="50000"/>
+                      <a:lumOff val="50000"/>
+                    </a:srgbClr>
+                  </a:solidFill>
+                  <a:latin typeface="微软雅黑" charset="0"/>
+                  <a:ea typeface="微软雅黑" charset="0"/>
+                </a:rPr>
+                <a:t>都是</a:t>
+              </a:r>
+              <a:r>
+                <a:rPr lang="en-US" altLang="zh-CN" sz="1400" dirty="0" smtClean="0">
+                  <a:solidFill>
+                    <a:srgbClr val="000000">
+                      <a:lumMod val="50000"/>
+                      <a:lumOff val="50000"/>
+                    </a:srgbClr>
+                  </a:solidFill>
+                  <a:latin typeface="微软雅黑" charset="0"/>
+                  <a:ea typeface="微软雅黑" charset="0"/>
+                </a:rPr>
+                <a:t>Override.</a:t>
               </a:r>
               <a:endParaRPr lang="en-US" altLang="zh-CN" sz="1400" dirty="0">
                 <a:solidFill>
@@ -40858,27 +40798,7 @@
                   <a:latin typeface="微软雅黑" charset="0"/>
                   <a:ea typeface="微软雅黑" charset="0"/>
                 </a:rPr>
-                <a:t>复杂</a:t>
-              </a:r>
-              <a:r>
-                <a:rPr lang="zh-CN" altLang="en-US" sz="1400" dirty="0" smtClean="0">
-                  <a:solidFill>
-                    <a:srgbClr val="FF0000"/>
-                  </a:solidFill>
-                  <a:latin typeface="微软雅黑" charset="0"/>
-                  <a:ea typeface="微软雅黑" charset="0"/>
-                </a:rPr>
-                <a:t>变体想好了再</a:t>
-              </a:r>
-              <a:r>
-                <a:rPr lang="zh-CN" altLang="en-US" sz="1400" dirty="0" smtClean="0">
-                  <a:solidFill>
-                    <a:srgbClr val="FF0000"/>
-                  </a:solidFill>
-                  <a:latin typeface="微软雅黑" charset="0"/>
-                  <a:ea typeface="微软雅黑" charset="0"/>
-                </a:rPr>
-                <a:t>在</a:t>
+                <a:t>复杂变体想好了再在</a:t>
               </a:r>
               <a:r>
                 <a:rPr lang="en-US" altLang="zh-CN" sz="1400" dirty="0" smtClean="0">
@@ -43908,10 +43828,10 @@
                 <a:ea typeface="微软雅黑" charset="0"/>
                 <a:sym typeface="Roboto"/>
               </a:rPr>
-              <a:t>盒子。只记录</a:t>
-            </a:r>
-            <a:r>
-              <a:rPr lang="zh-CN" altLang="en-US" dirty="0" smtClean="0">
+              <a:t>盒子。只记录当前</a:t>
+            </a:r>
+            <a:r>
+              <a:rPr lang="zh-CN" altLang="en-US" dirty="0">
                 <a:solidFill>
                   <a:srgbClr val="000000">
                     <a:lumMod val="50000"/>
@@ -43922,10 +43842,10 @@
                 <a:ea typeface="微软雅黑" charset="0"/>
                 <a:sym typeface="Roboto"/>
               </a:rPr>
-              <a:t>当前</a:t>
-            </a:r>
-            <a:r>
-              <a:rPr lang="zh-CN" altLang="en-US" dirty="0">
+              <a:t>预制</a:t>
+            </a:r>
+            <a:r>
+              <a:rPr lang="zh-CN" altLang="en-US" dirty="0" smtClean="0">
                 <a:solidFill>
                   <a:srgbClr val="000000">
                     <a:lumMod val="50000"/>
@@ -43936,10 +43856,10 @@
                 <a:ea typeface="微软雅黑" charset="0"/>
                 <a:sym typeface="Roboto"/>
               </a:rPr>
-              <a:t>预制</a:t>
-            </a:r>
-            <a:r>
-              <a:rPr lang="zh-CN" altLang="en-US" dirty="0" smtClean="0">
+              <a:t>体所包含</a:t>
+            </a:r>
+            <a:r>
+              <a:rPr lang="en-US" altLang="zh-CN" dirty="0" smtClean="0">
                 <a:solidFill>
                   <a:srgbClr val="000000">
                     <a:lumMod val="50000"/>
@@ -43950,10 +43870,10 @@
                 <a:ea typeface="微软雅黑" charset="0"/>
                 <a:sym typeface="Roboto"/>
               </a:rPr>
-              <a:t>体所包含</a:t>
-            </a:r>
-            <a:r>
-              <a:rPr lang="en-US" altLang="zh-CN" dirty="0" smtClean="0">
+              <a:t>Game </a:t>
+            </a:r>
+            <a:r>
+              <a:rPr lang="en-US" altLang="zh-CN" dirty="0" err="1" smtClean="0">
                 <a:solidFill>
                   <a:srgbClr val="000000">
                     <a:lumMod val="50000"/>
@@ -43964,10 +43884,10 @@
                 <a:ea typeface="微软雅黑" charset="0"/>
                 <a:sym typeface="Roboto"/>
               </a:rPr>
-              <a:t>Game </a:t>
-            </a:r>
-            <a:r>
-              <a:rPr lang="en-US" altLang="zh-CN" dirty="0" err="1" smtClean="0">
+              <a:t>Objcet</a:t>
+            </a:r>
+            <a:r>
+              <a:rPr lang="zh-CN" altLang="en-US" dirty="0" smtClean="0">
                 <a:solidFill>
                   <a:srgbClr val="000000">
                     <a:lumMod val="50000"/>
@@ -43978,35 +43898,7 @@
                 <a:ea typeface="微软雅黑" charset="0"/>
                 <a:sym typeface="Roboto"/>
               </a:rPr>
-              <a:t>Objcet</a:t>
-            </a:r>
-            <a:r>
-              <a:rPr lang="zh-CN" altLang="en-US" dirty="0" smtClean="0">
-                <a:solidFill>
-                  <a:srgbClr val="000000">
-                    <a:lumMod val="50000"/>
-                    <a:lumOff val="50000"/>
-                  </a:srgbClr>
-                </a:solidFill>
-                <a:latin typeface="微软雅黑" charset="0"/>
-                <a:ea typeface="微软雅黑" charset="0"/>
-                <a:sym typeface="Roboto"/>
-              </a:rPr>
-              <a:t>资源的</a:t>
-            </a:r>
-            <a:r>
-              <a:rPr lang="zh-CN" altLang="en-US" dirty="0" smtClean="0">
-                <a:solidFill>
-                  <a:srgbClr val="000000">
-                    <a:lumMod val="50000"/>
-                    <a:lumOff val="50000"/>
-                  </a:srgbClr>
-                </a:solidFill>
-                <a:latin typeface="微软雅黑" charset="0"/>
-                <a:ea typeface="微软雅黑" charset="0"/>
-                <a:sym typeface="Roboto"/>
-              </a:rPr>
-              <a:t>信息。</a:t>
+              <a:t>资源的信息。</a:t>
             </a:r>
             <a:endParaRPr lang="zh-CN" altLang="en-US" dirty="0">
               <a:solidFill>
@@ -52882,14 +52774,6 @@
               </a:rPr>
               <a:t>字</a:t>
             </a:r>
-            <a:endParaRPr lang="zh-CN" altLang="en-US" dirty="0">
-              <a:solidFill>
-                <a:schemeClr val="tx1">
-                  <a:lumMod val="50000"/>
-                  <a:lumOff val="50000"/>
-                </a:schemeClr>
-              </a:solidFill>
-            </a:endParaRPr>
           </a:p>
         </p:txBody>
       </p:sp>
@@ -53624,11 +53508,7 @@
           <a:p>
             <a:r>
               <a:rPr lang="en-US" altLang="zh-CN" dirty="0" smtClean="0"/>
-              <a:t>9 </a:t>
-            </a:r>
-            <a:r>
-              <a:rPr lang="en-US" altLang="zh-CN" dirty="0" smtClean="0"/>
-              <a:t>/</a:t>
+              <a:t>9 /</a:t>
             </a:r>
             <a:r>
               <a:rPr lang="en-US" altLang="zh-CN" dirty="0"/>
